--- a/plot/3.1- mean whale presence.pptx
+++ b/plot/3.1- mean whale presence.pptx
@@ -7,6 +7,7 @@
   <p:sldIdLst>
     <p:sldId id="256" r:id="rId2"/>
     <p:sldId id="257" r:id="rId3"/>
+    <p:sldId id="259" r:id="rId4"/>
   </p:sldIdLst>
   <p:sldSz cx="12192000" cy="6858000"/>
   <p:notesSz cx="6858000" cy="9144000"/>
@@ -105,6 +106,11 @@
       </a:defRPr>
     </a:lvl9pPr>
   </p:defaultTextStyle>
+  <p:extLst>
+    <p:ext uri="{EFAFB233-063F-42B5-8137-9DF3F51BA10A}">
+      <p15:sldGuideLst xmlns:p15="http://schemas.microsoft.com/office/powerpoint/2012/main"/>
+    </p:ext>
+  </p:extLst>
 </p:presentation>
 </file>
 
@@ -2800,12 +2806,24 @@
               </a:defRPr>
             </a:pPr>
             <a:r>
-              <a:rPr lang="en-GB" sz="1800" b="0" i="0" baseline="0">
+              <a:rPr lang="en-GB" sz="1800" b="0" i="0" baseline="0" dirty="0">
                 <a:effectLst/>
               </a:rPr>
-              <a:t>Average whale presence and chl-a - SE</a:t>
+              <a:t>Average whale presence and </a:t>
             </a:r>
-            <a:endParaRPr lang="en-AU">
+            <a:r>
+              <a:rPr lang="en-GB" sz="1800" b="0" i="0" baseline="0" dirty="0" err="1">
+                <a:effectLst/>
+              </a:rPr>
+              <a:t>chl</a:t>
+            </a:r>
+            <a:r>
+              <a:rPr lang="en-GB" sz="1800" b="0" i="0" baseline="0" dirty="0">
+                <a:effectLst/>
+              </a:rPr>
+              <a:t>-a - NW</a:t>
+            </a:r>
+            <a:endParaRPr lang="en-AU" dirty="0">
               <a:effectLst/>
             </a:endParaRPr>
           </a:p>
@@ -3319,6 +3337,2748 @@
         <c:crossAx val="187374831"/>
         <c:crosses val="autoZero"/>
         <c:crossBetween val="between"/>
+      </c:valAx>
+      <c:valAx>
+        <c:axId val="187611167"/>
+        <c:scaling>
+          <c:orientation val="minMax"/>
+          <c:max val="0.9"/>
+        </c:scaling>
+        <c:delete val="0"/>
+        <c:axPos val="r"/>
+        <c:numFmt formatCode="General" sourceLinked="1"/>
+        <c:majorTickMark val="out"/>
+        <c:minorTickMark val="none"/>
+        <c:tickLblPos val="nextTo"/>
+        <c:spPr>
+          <a:noFill/>
+          <a:ln>
+            <a:noFill/>
+          </a:ln>
+          <a:effectLst/>
+        </c:spPr>
+        <c:txPr>
+          <a:bodyPr rot="-60000000" spcFirstLastPara="1" vertOverflow="ellipsis" vert="horz" wrap="square" anchor="ctr" anchorCtr="1"/>
+          <a:lstStyle/>
+          <a:p>
+            <a:pPr>
+              <a:defRPr sz="900" b="0" i="0" u="none" strike="noStrike" kern="1200" baseline="0">
+                <a:solidFill>
+                  <a:schemeClr val="tx1">
+                    <a:lumMod val="65000"/>
+                    <a:lumOff val="35000"/>
+                  </a:schemeClr>
+                </a:solidFill>
+                <a:latin typeface="+mn-lt"/>
+                <a:ea typeface="+mn-ea"/>
+                <a:cs typeface="+mn-cs"/>
+              </a:defRPr>
+            </a:pPr>
+            <a:endParaRPr lang="en-US"/>
+          </a:p>
+        </c:txPr>
+        <c:crossAx val="307114927"/>
+        <c:crosses val="max"/>
+        <c:crossBetween val="between"/>
+      </c:valAx>
+      <c:catAx>
+        <c:axId val="307114927"/>
+        <c:scaling>
+          <c:orientation val="minMax"/>
+        </c:scaling>
+        <c:delete val="1"/>
+        <c:axPos val="b"/>
+        <c:majorTickMark val="out"/>
+        <c:minorTickMark val="none"/>
+        <c:tickLblPos val="nextTo"/>
+        <c:crossAx val="187611167"/>
+        <c:crosses val="autoZero"/>
+        <c:auto val="1"/>
+        <c:lblAlgn val="ctr"/>
+        <c:lblOffset val="100"/>
+        <c:noMultiLvlLbl val="0"/>
+      </c:catAx>
+      <c:spPr>
+        <a:noFill/>
+        <a:ln>
+          <a:noFill/>
+        </a:ln>
+        <a:effectLst/>
+      </c:spPr>
+    </c:plotArea>
+    <c:legend>
+      <c:legendPos val="b"/>
+      <c:overlay val="0"/>
+      <c:spPr>
+        <a:noFill/>
+        <a:ln>
+          <a:noFill/>
+        </a:ln>
+        <a:effectLst/>
+      </c:spPr>
+      <c:txPr>
+        <a:bodyPr rot="0" spcFirstLastPara="1" vertOverflow="ellipsis" vert="horz" wrap="square" anchor="ctr" anchorCtr="1"/>
+        <a:lstStyle/>
+        <a:p>
+          <a:pPr>
+            <a:defRPr sz="900" b="0" i="0" u="none" strike="noStrike" kern="1200" baseline="0">
+              <a:solidFill>
+                <a:schemeClr val="tx1">
+                  <a:lumMod val="65000"/>
+                  <a:lumOff val="35000"/>
+                </a:schemeClr>
+              </a:solidFill>
+              <a:latin typeface="+mn-lt"/>
+              <a:ea typeface="+mn-ea"/>
+              <a:cs typeface="+mn-cs"/>
+            </a:defRPr>
+          </a:pPr>
+          <a:endParaRPr lang="en-US"/>
+        </a:p>
+      </c:txPr>
+    </c:legend>
+    <c:plotVisOnly val="1"/>
+    <c:dispBlanksAs val="gap"/>
+    <c:extLst>
+      <c:ext xmlns:c16r3="http://schemas.microsoft.com/office/drawing/2017/03/chart" uri="{56B9EC1D-385E-4148-901F-78D8002777C0}">
+        <c16r3:dataDisplayOptions16>
+          <c16r3:dispNaAsBlank val="1"/>
+        </c16r3:dataDisplayOptions16>
+      </c:ext>
+    </c:extLst>
+    <c:showDLblsOverMax val="0"/>
+  </c:chart>
+  <c:spPr>
+    <a:noFill/>
+    <a:ln>
+      <a:noFill/>
+    </a:ln>
+    <a:effectLst/>
+  </c:spPr>
+  <c:txPr>
+    <a:bodyPr/>
+    <a:lstStyle/>
+    <a:p>
+      <a:pPr>
+        <a:defRPr/>
+      </a:pPr>
+      <a:endParaRPr lang="en-US"/>
+    </a:p>
+  </c:txPr>
+  <c:externalData r:id="rId3">
+    <c:autoUpdate val="0"/>
+  </c:externalData>
+</c:chartSpace>
+</file>
+
+<file path=ppt/charts/chart6.xml><?xml version="1.0" encoding="utf-8"?>
+<c:chartSpace xmlns:c="http://schemas.openxmlformats.org/drawingml/2006/chart" xmlns:a="http://schemas.openxmlformats.org/drawingml/2006/main" xmlns:r="http://schemas.openxmlformats.org/officeDocument/2006/relationships" xmlns:c16r2="http://schemas.microsoft.com/office/drawing/2015/06/chart">
+  <c:date1904 val="0"/>
+  <c:lang val="en-GB"/>
+  <c:roundedCorners val="0"/>
+  <mc:AlternateContent xmlns:mc="http://schemas.openxmlformats.org/markup-compatibility/2006">
+    <mc:Choice xmlns:c14="http://schemas.microsoft.com/office/drawing/2007/8/2/chart" Requires="c14">
+      <c14:style val="102"/>
+    </mc:Choice>
+    <mc:Fallback>
+      <c:style val="2"/>
+    </mc:Fallback>
+  </mc:AlternateContent>
+  <c:chart>
+    <c:title>
+      <c:tx>
+        <c:rich>
+          <a:bodyPr rot="0" spcFirstLastPara="1" vertOverflow="ellipsis" vert="horz" wrap="square" anchor="ctr" anchorCtr="1"/>
+          <a:lstStyle/>
+          <a:p>
+            <a:pPr>
+              <a:defRPr sz="1600" b="0" i="0" u="none" strike="noStrike" kern="1200" spc="0" baseline="0">
+                <a:solidFill>
+                  <a:schemeClr val="tx1">
+                    <a:lumMod val="65000"/>
+                    <a:lumOff val="35000"/>
+                  </a:schemeClr>
+                </a:solidFill>
+                <a:latin typeface="+mn-lt"/>
+                <a:ea typeface="+mn-ea"/>
+                <a:cs typeface="+mn-cs"/>
+              </a:defRPr>
+            </a:pPr>
+            <a:r>
+              <a:rPr lang="en-GB" sz="1600" dirty="0"/>
+              <a:t>Average whale</a:t>
+            </a:r>
+            <a:r>
+              <a:rPr lang="en-GB" sz="1600" baseline="0" dirty="0"/>
+              <a:t> presence and SST - SE</a:t>
+            </a:r>
+            <a:endParaRPr lang="en-GB" sz="1600" dirty="0"/>
+          </a:p>
+        </c:rich>
+      </c:tx>
+      <c:overlay val="0"/>
+      <c:spPr>
+        <a:noFill/>
+        <a:ln>
+          <a:noFill/>
+        </a:ln>
+        <a:effectLst/>
+      </c:spPr>
+      <c:txPr>
+        <a:bodyPr rot="0" spcFirstLastPara="1" vertOverflow="ellipsis" vert="horz" wrap="square" anchor="ctr" anchorCtr="1"/>
+        <a:lstStyle/>
+        <a:p>
+          <a:pPr>
+            <a:defRPr sz="1600" b="0" i="0" u="none" strike="noStrike" kern="1200" spc="0" baseline="0">
+              <a:solidFill>
+                <a:schemeClr val="tx1">
+                  <a:lumMod val="65000"/>
+                  <a:lumOff val="35000"/>
+                </a:schemeClr>
+              </a:solidFill>
+              <a:latin typeface="+mn-lt"/>
+              <a:ea typeface="+mn-ea"/>
+              <a:cs typeface="+mn-cs"/>
+            </a:defRPr>
+          </a:pPr>
+          <a:endParaRPr lang="en-US"/>
+        </a:p>
+      </c:txPr>
+    </c:title>
+    <c:autoTitleDeleted val="0"/>
+    <c:plotArea>
+      <c:layout>
+        <c:manualLayout>
+          <c:layoutTarget val="inner"/>
+          <c:xMode val="edge"/>
+          <c:yMode val="edge"/>
+          <c:x val="6.5300519216832498E-2"/>
+          <c:y val="0.1464074074074074"/>
+          <c:w val="0.87906710252766995"/>
+          <c:h val="0.68368474773986587"/>
+        </c:manualLayout>
+      </c:layout>
+      <c:barChart>
+        <c:barDir val="col"/>
+        <c:grouping val="clustered"/>
+        <c:varyColors val="0"/>
+        <c:ser>
+          <c:idx val="0"/>
+          <c:order val="0"/>
+          <c:tx>
+            <c:v>whale presence</c:v>
+          </c:tx>
+          <c:spPr>
+            <a:solidFill>
+              <a:srgbClr val="002060"/>
+            </a:solidFill>
+            <a:ln>
+              <a:noFill/>
+            </a:ln>
+            <a:effectLst/>
+          </c:spPr>
+          <c:invertIfNegative val="0"/>
+          <c:val>
+            <c:numRef>
+              <c:f>'8daygroup'!$B$3:$B$48</c:f>
+              <c:numCache>
+                <c:formatCode>General</c:formatCode>
+                <c:ptCount val="46"/>
+                <c:pt idx="0">
+                  <c:v>2.6053880000000001E-2</c:v>
+                </c:pt>
+                <c:pt idx="1">
+                  <c:v>3.4731989999999997E-2</c:v>
+                </c:pt>
+                <c:pt idx="2">
+                  <c:v>3.376229E-2</c:v>
+                </c:pt>
+                <c:pt idx="3">
+                  <c:v>2.1159359999999999E-2</c:v>
+                </c:pt>
+                <c:pt idx="4">
+                  <c:v>6.6865350000000004E-2</c:v>
+                </c:pt>
+                <c:pt idx="5">
+                  <c:v>2.1874999999999999E-2</c:v>
+                </c:pt>
+                <c:pt idx="6">
+                  <c:v>4.9920850000000003E-2</c:v>
+                </c:pt>
+                <c:pt idx="7">
+                  <c:v>1.6368839999999999E-2</c:v>
+                </c:pt>
+                <c:pt idx="8">
+                  <c:v>4.3310580000000001E-2</c:v>
+                </c:pt>
+                <c:pt idx="9">
+                  <c:v>3.958623E-2</c:v>
+                </c:pt>
+                <c:pt idx="10">
+                  <c:v>7.0321729999999999E-2</c:v>
+                </c:pt>
+                <c:pt idx="11">
+                  <c:v>8.1381910000000002E-2</c:v>
+                </c:pt>
+                <c:pt idx="12">
+                  <c:v>5.078125E-2</c:v>
+                </c:pt>
+                <c:pt idx="13">
+                  <c:v>4.8368649999999999E-2</c:v>
+                </c:pt>
+                <c:pt idx="14">
+                  <c:v>4.3414349999999997E-2</c:v>
+                </c:pt>
+                <c:pt idx="15">
+                  <c:v>0.15458018000000001</c:v>
+                </c:pt>
+                <c:pt idx="16">
+                  <c:v>0.14607686</c:v>
+                </c:pt>
+                <c:pt idx="17">
+                  <c:v>0.16834774</c:v>
+                </c:pt>
+                <c:pt idx="18">
+                  <c:v>0.33298611</c:v>
+                </c:pt>
+                <c:pt idx="19">
+                  <c:v>0.46777428999999998</c:v>
+                </c:pt>
+                <c:pt idx="20">
+                  <c:v>0.54713173000000004</c:v>
+                </c:pt>
+                <c:pt idx="21">
+                  <c:v>0.58470955999999996</c:v>
+                </c:pt>
+                <c:pt idx="22">
+                  <c:v>0.61272800999999999</c:v>
+                </c:pt>
+                <c:pt idx="23">
+                  <c:v>0.51912703999999998</c:v>
+                </c:pt>
+                <c:pt idx="24">
+                  <c:v>0.47132987999999998</c:v>
+                </c:pt>
+                <c:pt idx="25">
+                  <c:v>0.49622825999999998</c:v>
+                </c:pt>
+                <c:pt idx="26">
+                  <c:v>0.65173610999999998</c:v>
+                </c:pt>
+                <c:pt idx="27">
+                  <c:v>0.75806788999999997</c:v>
+                </c:pt>
+                <c:pt idx="28">
+                  <c:v>0.74531354999999999</c:v>
+                </c:pt>
+                <c:pt idx="29">
+                  <c:v>0.70893751999999999</c:v>
+                </c:pt>
+                <c:pt idx="30">
+                  <c:v>0.77206142</c:v>
+                </c:pt>
+                <c:pt idx="31">
+                  <c:v>0.78463983999999998</c:v>
+                </c:pt>
+                <c:pt idx="32">
+                  <c:v>0.75787181000000003</c:v>
+                </c:pt>
+                <c:pt idx="33">
+                  <c:v>0.74021650000000005</c:v>
+                </c:pt>
+                <c:pt idx="34">
+                  <c:v>0.73305715000000005</c:v>
+                </c:pt>
+                <c:pt idx="35">
+                  <c:v>0.72641332000000003</c:v>
+                </c:pt>
+                <c:pt idx="36">
+                  <c:v>0.69709533999999995</c:v>
+                </c:pt>
+                <c:pt idx="37">
+                  <c:v>0.66845281000000001</c:v>
+                </c:pt>
+                <c:pt idx="38">
+                  <c:v>0.52459721000000004</c:v>
+                </c:pt>
+                <c:pt idx="39">
+                  <c:v>0.46363799</c:v>
+                </c:pt>
+                <c:pt idx="40">
+                  <c:v>0.32785045000000002</c:v>
+                </c:pt>
+                <c:pt idx="41">
+                  <c:v>0.25648324</c:v>
+                </c:pt>
+                <c:pt idx="42">
+                  <c:v>0.27721603</c:v>
+                </c:pt>
+                <c:pt idx="43">
+                  <c:v>0.23284473999999999</c:v>
+                </c:pt>
+                <c:pt idx="44">
+                  <c:v>0.15837610999999999</c:v>
+                </c:pt>
+                <c:pt idx="45">
+                  <c:v>7.7904660000000001E-2</c:v>
+                </c:pt>
+              </c:numCache>
+            </c:numRef>
+          </c:val>
+          <c:extLst>
+            <c:ext xmlns:c16="http://schemas.microsoft.com/office/drawing/2014/chart" uri="{C3380CC4-5D6E-409C-BE32-E72D297353CC}">
+              <c16:uniqueId val="{00000000-C8C5-3A46-9F52-9FB7D159E53D}"/>
+            </c:ext>
+          </c:extLst>
+        </c:ser>
+        <c:dLbls>
+          <c:showLegendKey val="0"/>
+          <c:showVal val="0"/>
+          <c:showCatName val="0"/>
+          <c:showSerName val="0"/>
+          <c:showPercent val="0"/>
+          <c:showBubbleSize val="0"/>
+        </c:dLbls>
+        <c:gapWidth val="50"/>
+        <c:overlap val="-27"/>
+        <c:axId val="307114927"/>
+        <c:axId val="187611167"/>
+      </c:barChart>
+      <c:lineChart>
+        <c:grouping val="standard"/>
+        <c:varyColors val="0"/>
+        <c:ser>
+          <c:idx val="1"/>
+          <c:order val="1"/>
+          <c:tx>
+            <c:v>sst</c:v>
+          </c:tx>
+          <c:spPr>
+            <a:ln w="28575" cap="rnd">
+              <a:solidFill>
+                <a:schemeClr val="accent2">
+                  <a:lumMod val="50000"/>
+                </a:schemeClr>
+              </a:solidFill>
+              <a:round/>
+            </a:ln>
+            <a:effectLst/>
+          </c:spPr>
+          <c:marker>
+            <c:symbol val="circle"/>
+            <c:size val="5"/>
+            <c:spPr>
+              <a:solidFill>
+                <a:schemeClr val="accent2">
+                  <a:lumMod val="50000"/>
+                </a:schemeClr>
+              </a:solidFill>
+              <a:ln w="9525">
+                <a:solidFill>
+                  <a:schemeClr val="accent2"/>
+                </a:solidFill>
+              </a:ln>
+              <a:effectLst/>
+            </c:spPr>
+          </c:marker>
+          <c:val>
+            <c:numRef>
+              <c:f>'8daygroup'!$C$3:$C$48</c:f>
+              <c:numCache>
+                <c:formatCode>General</c:formatCode>
+                <c:ptCount val="46"/>
+                <c:pt idx="0">
+                  <c:v>28.795249999999999</c:v>
+                </c:pt>
+                <c:pt idx="1">
+                  <c:v>28.842120000000001</c:v>
+                </c:pt>
+                <c:pt idx="2">
+                  <c:v>28.809180000000001</c:v>
+                </c:pt>
+                <c:pt idx="3">
+                  <c:v>28.747769999999999</c:v>
+                </c:pt>
+                <c:pt idx="4">
+                  <c:v>28.687100000000001</c:v>
+                </c:pt>
+                <c:pt idx="5">
+                  <c:v>28.872910000000001</c:v>
+                </c:pt>
+                <c:pt idx="6">
+                  <c:v>28.963139999999999</c:v>
+                </c:pt>
+                <c:pt idx="7">
+                  <c:v>28.976970000000001</c:v>
+                </c:pt>
+                <c:pt idx="8">
+                  <c:v>29.154109999999999</c:v>
+                </c:pt>
+                <c:pt idx="9">
+                  <c:v>29.29308</c:v>
+                </c:pt>
+                <c:pt idx="10">
+                  <c:v>29.40174</c:v>
+                </c:pt>
+                <c:pt idx="11">
+                  <c:v>29.368379999999998</c:v>
+                </c:pt>
+                <c:pt idx="12">
+                  <c:v>29.428799999999999</c:v>
+                </c:pt>
+                <c:pt idx="13">
+                  <c:v>29.344560000000001</c:v>
+                </c:pt>
+                <c:pt idx="14">
+                  <c:v>29.129950000000001</c:v>
+                </c:pt>
+                <c:pt idx="15">
+                  <c:v>28.805900000000001</c:v>
+                </c:pt>
+                <c:pt idx="16">
+                  <c:v>28.569800000000001</c:v>
+                </c:pt>
+                <c:pt idx="17">
+                  <c:v>28.374300000000002</c:v>
+                </c:pt>
+                <c:pt idx="18">
+                  <c:v>28.164639999999999</c:v>
+                </c:pt>
+                <c:pt idx="19">
+                  <c:v>27.832650000000001</c:v>
+                </c:pt>
+                <c:pt idx="20">
+                  <c:v>27.562270000000002</c:v>
+                </c:pt>
+                <c:pt idx="21">
+                  <c:v>27.3081</c:v>
+                </c:pt>
+                <c:pt idx="22">
+                  <c:v>27.102720000000001</c:v>
+                </c:pt>
+                <c:pt idx="23">
+                  <c:v>27.02824</c:v>
+                </c:pt>
+                <c:pt idx="24">
+                  <c:v>26.85446</c:v>
+                </c:pt>
+                <c:pt idx="25">
+                  <c:v>26.76463</c:v>
+                </c:pt>
+                <c:pt idx="26">
+                  <c:v>26.702760000000001</c:v>
+                </c:pt>
+                <c:pt idx="27">
+                  <c:v>26.68047</c:v>
+                </c:pt>
+                <c:pt idx="28">
+                  <c:v>26.74211</c:v>
+                </c:pt>
+                <c:pt idx="29">
+                  <c:v>26.878360000000001</c:v>
+                </c:pt>
+                <c:pt idx="30">
+                  <c:v>27.109200000000001</c:v>
+                </c:pt>
+                <c:pt idx="31">
+                  <c:v>27.197949999999999</c:v>
+                </c:pt>
+                <c:pt idx="32">
+                  <c:v>27.38017</c:v>
+                </c:pt>
+                <c:pt idx="33">
+                  <c:v>27.510760000000001</c:v>
+                </c:pt>
+                <c:pt idx="34">
+                  <c:v>27.715250000000001</c:v>
+                </c:pt>
+                <c:pt idx="35">
+                  <c:v>27.946480000000001</c:v>
+                </c:pt>
+                <c:pt idx="36">
+                  <c:v>28.188770000000002</c:v>
+                </c:pt>
+                <c:pt idx="37">
+                  <c:v>28.429290000000002</c:v>
+                </c:pt>
+                <c:pt idx="38">
+                  <c:v>28.48995</c:v>
+                </c:pt>
+                <c:pt idx="39">
+                  <c:v>28.623709999999999</c:v>
+                </c:pt>
+                <c:pt idx="40">
+                  <c:v>28.66844</c:v>
+                </c:pt>
+                <c:pt idx="41">
+                  <c:v>28.811160000000001</c:v>
+                </c:pt>
+                <c:pt idx="42">
+                  <c:v>28.914940000000001</c:v>
+                </c:pt>
+                <c:pt idx="43">
+                  <c:v>28.919709999999998</c:v>
+                </c:pt>
+                <c:pt idx="44">
+                  <c:v>28.792729999999999</c:v>
+                </c:pt>
+                <c:pt idx="45">
+                  <c:v>28.715810000000001</c:v>
+                </c:pt>
+              </c:numCache>
+            </c:numRef>
+          </c:val>
+          <c:smooth val="0"/>
+          <c:extLst>
+            <c:ext xmlns:c16="http://schemas.microsoft.com/office/drawing/2014/chart" uri="{C3380CC4-5D6E-409C-BE32-E72D297353CC}">
+              <c16:uniqueId val="{00000001-C8C5-3A46-9F52-9FB7D159E53D}"/>
+            </c:ext>
+          </c:extLst>
+        </c:ser>
+        <c:dLbls>
+          <c:showLegendKey val="0"/>
+          <c:showVal val="0"/>
+          <c:showCatName val="0"/>
+          <c:showSerName val="0"/>
+          <c:showPercent val="0"/>
+          <c:showBubbleSize val="0"/>
+        </c:dLbls>
+        <c:marker val="1"/>
+        <c:smooth val="0"/>
+        <c:axId val="187374831"/>
+        <c:axId val="462658415"/>
+      </c:lineChart>
+      <c:catAx>
+        <c:axId val="187374831"/>
+        <c:scaling>
+          <c:orientation val="minMax"/>
+        </c:scaling>
+        <c:delete val="1"/>
+        <c:axPos val="b"/>
+        <c:majorTickMark val="none"/>
+        <c:minorTickMark val="none"/>
+        <c:tickLblPos val="nextTo"/>
+        <c:crossAx val="462658415"/>
+        <c:crosses val="autoZero"/>
+        <c:auto val="1"/>
+        <c:lblAlgn val="ctr"/>
+        <c:lblOffset val="100"/>
+        <c:noMultiLvlLbl val="0"/>
+      </c:catAx>
+      <c:valAx>
+        <c:axId val="462658415"/>
+        <c:scaling>
+          <c:orientation val="minMax"/>
+          <c:min val="26"/>
+        </c:scaling>
+        <c:delete val="0"/>
+        <c:axPos val="l"/>
+        <c:majorGridlines>
+          <c:spPr>
+            <a:ln w="9525" cap="flat" cmpd="sng" algn="ctr">
+              <a:solidFill>
+                <a:schemeClr val="tx1">
+                  <a:lumMod val="15000"/>
+                  <a:lumOff val="85000"/>
+                </a:schemeClr>
+              </a:solidFill>
+              <a:round/>
+            </a:ln>
+            <a:effectLst/>
+          </c:spPr>
+        </c:majorGridlines>
+        <c:numFmt formatCode="General" sourceLinked="1"/>
+        <c:majorTickMark val="none"/>
+        <c:minorTickMark val="none"/>
+        <c:tickLblPos val="nextTo"/>
+        <c:spPr>
+          <a:noFill/>
+          <a:ln>
+            <a:noFill/>
+          </a:ln>
+          <a:effectLst/>
+        </c:spPr>
+        <c:txPr>
+          <a:bodyPr rot="-60000000" spcFirstLastPara="1" vertOverflow="ellipsis" vert="horz" wrap="square" anchor="ctr" anchorCtr="1"/>
+          <a:lstStyle/>
+          <a:p>
+            <a:pPr>
+              <a:defRPr sz="900" b="1" i="0" u="none" strike="noStrike" kern="1200" baseline="0">
+                <a:solidFill>
+                  <a:schemeClr val="accent2">
+                    <a:lumMod val="50000"/>
+                  </a:schemeClr>
+                </a:solidFill>
+                <a:latin typeface="+mn-lt"/>
+                <a:ea typeface="+mn-ea"/>
+                <a:cs typeface="+mn-cs"/>
+              </a:defRPr>
+            </a:pPr>
+            <a:endParaRPr lang="en-US"/>
+          </a:p>
+        </c:txPr>
+        <c:crossAx val="187374831"/>
+        <c:crosses val="autoZero"/>
+        <c:crossBetween val="between"/>
+      </c:valAx>
+      <c:valAx>
+        <c:axId val="187611167"/>
+        <c:scaling>
+          <c:orientation val="minMax"/>
+          <c:max val="0.9"/>
+        </c:scaling>
+        <c:delete val="0"/>
+        <c:axPos val="r"/>
+        <c:numFmt formatCode="General" sourceLinked="1"/>
+        <c:majorTickMark val="out"/>
+        <c:minorTickMark val="none"/>
+        <c:tickLblPos val="none"/>
+        <c:spPr>
+          <a:noFill/>
+          <a:ln>
+            <a:noFill/>
+          </a:ln>
+          <a:effectLst/>
+        </c:spPr>
+        <c:txPr>
+          <a:bodyPr rot="-60000000" spcFirstLastPara="1" vertOverflow="ellipsis" vert="horz" wrap="square" anchor="ctr" anchorCtr="1"/>
+          <a:lstStyle/>
+          <a:p>
+            <a:pPr>
+              <a:defRPr sz="900" b="0" i="0" u="none" strike="noStrike" kern="1200" baseline="0">
+                <a:solidFill>
+                  <a:schemeClr val="tx1">
+                    <a:lumMod val="65000"/>
+                    <a:lumOff val="35000"/>
+                  </a:schemeClr>
+                </a:solidFill>
+                <a:latin typeface="+mn-lt"/>
+                <a:ea typeface="+mn-ea"/>
+                <a:cs typeface="+mn-cs"/>
+              </a:defRPr>
+            </a:pPr>
+            <a:endParaRPr lang="en-US"/>
+          </a:p>
+        </c:txPr>
+        <c:crossAx val="307114927"/>
+        <c:crosses val="max"/>
+        <c:crossBetween val="between"/>
+      </c:valAx>
+      <c:catAx>
+        <c:axId val="307114927"/>
+        <c:scaling>
+          <c:orientation val="minMax"/>
+        </c:scaling>
+        <c:delete val="1"/>
+        <c:axPos val="b"/>
+        <c:majorTickMark val="out"/>
+        <c:minorTickMark val="none"/>
+        <c:tickLblPos val="nextTo"/>
+        <c:crossAx val="187611167"/>
+        <c:crosses val="autoZero"/>
+        <c:auto val="1"/>
+        <c:lblAlgn val="ctr"/>
+        <c:lblOffset val="100"/>
+        <c:noMultiLvlLbl val="0"/>
+      </c:catAx>
+      <c:spPr>
+        <a:noFill/>
+        <a:ln>
+          <a:noFill/>
+        </a:ln>
+        <a:effectLst/>
+      </c:spPr>
+    </c:plotArea>
+    <c:legend>
+      <c:legendPos val="b"/>
+      <c:overlay val="0"/>
+      <c:spPr>
+        <a:noFill/>
+        <a:ln>
+          <a:noFill/>
+        </a:ln>
+        <a:effectLst/>
+      </c:spPr>
+      <c:txPr>
+        <a:bodyPr rot="0" spcFirstLastPara="1" vertOverflow="ellipsis" vert="horz" wrap="square" anchor="ctr" anchorCtr="1"/>
+        <a:lstStyle/>
+        <a:p>
+          <a:pPr>
+            <a:defRPr sz="900" b="0" i="0" u="none" strike="noStrike" kern="1200" baseline="0">
+              <a:solidFill>
+                <a:schemeClr val="tx1">
+                  <a:lumMod val="65000"/>
+                  <a:lumOff val="35000"/>
+                </a:schemeClr>
+              </a:solidFill>
+              <a:latin typeface="+mn-lt"/>
+              <a:ea typeface="+mn-ea"/>
+              <a:cs typeface="+mn-cs"/>
+            </a:defRPr>
+          </a:pPr>
+          <a:endParaRPr lang="en-US"/>
+        </a:p>
+      </c:txPr>
+    </c:legend>
+    <c:plotVisOnly val="1"/>
+    <c:dispBlanksAs val="gap"/>
+    <c:extLst>
+      <c:ext xmlns:c16r3="http://schemas.microsoft.com/office/drawing/2017/03/chart" uri="{56B9EC1D-385E-4148-901F-78D8002777C0}">
+        <c16r3:dataDisplayOptions16>
+          <c16r3:dispNaAsBlank val="1"/>
+        </c16r3:dataDisplayOptions16>
+      </c:ext>
+    </c:extLst>
+    <c:showDLblsOverMax val="0"/>
+  </c:chart>
+  <c:spPr>
+    <a:noFill/>
+    <a:ln>
+      <a:noFill/>
+    </a:ln>
+    <a:effectLst/>
+  </c:spPr>
+  <c:txPr>
+    <a:bodyPr/>
+    <a:lstStyle/>
+    <a:p>
+      <a:pPr>
+        <a:defRPr/>
+      </a:pPr>
+      <a:endParaRPr lang="en-US"/>
+    </a:p>
+  </c:txPr>
+  <c:externalData r:id="rId3">
+    <c:autoUpdate val="0"/>
+  </c:externalData>
+</c:chartSpace>
+</file>
+
+<file path=ppt/charts/chart7.xml><?xml version="1.0" encoding="utf-8"?>
+<c:chartSpace xmlns:c="http://schemas.openxmlformats.org/drawingml/2006/chart" xmlns:a="http://schemas.openxmlformats.org/drawingml/2006/main" xmlns:r="http://schemas.openxmlformats.org/officeDocument/2006/relationships" xmlns:c16r2="http://schemas.microsoft.com/office/drawing/2015/06/chart">
+  <c:date1904 val="0"/>
+  <c:lang val="en-GB"/>
+  <c:roundedCorners val="0"/>
+  <mc:AlternateContent xmlns:mc="http://schemas.openxmlformats.org/markup-compatibility/2006">
+    <mc:Choice xmlns:c14="http://schemas.microsoft.com/office/drawing/2007/8/2/chart" Requires="c14">
+      <c14:style val="102"/>
+    </mc:Choice>
+    <mc:Fallback>
+      <c:style val="2"/>
+    </mc:Fallback>
+  </mc:AlternateContent>
+  <c:chart>
+    <c:title>
+      <c:tx>
+        <c:rich>
+          <a:bodyPr rot="0" spcFirstLastPara="1" vertOverflow="ellipsis" vert="horz" wrap="square" anchor="ctr" anchorCtr="1"/>
+          <a:lstStyle/>
+          <a:p>
+            <a:pPr>
+              <a:defRPr sz="1400" b="0" i="0" u="none" strike="noStrike" kern="1200" spc="0" baseline="0">
+                <a:solidFill>
+                  <a:schemeClr val="tx1">
+                    <a:lumMod val="65000"/>
+                    <a:lumOff val="35000"/>
+                  </a:schemeClr>
+                </a:solidFill>
+                <a:latin typeface="+mn-lt"/>
+                <a:ea typeface="+mn-ea"/>
+                <a:cs typeface="+mn-cs"/>
+              </a:defRPr>
+            </a:pPr>
+            <a:r>
+              <a:rPr lang="en-GB" sz="1800" b="0" i="0" baseline="0" dirty="0">
+                <a:effectLst/>
+              </a:rPr>
+              <a:t>Average whale presence and SST - NW</a:t>
+            </a:r>
+            <a:endParaRPr lang="en-AU" dirty="0">
+              <a:effectLst/>
+            </a:endParaRPr>
+          </a:p>
+        </c:rich>
+      </c:tx>
+      <c:overlay val="0"/>
+      <c:spPr>
+        <a:noFill/>
+        <a:ln>
+          <a:noFill/>
+        </a:ln>
+        <a:effectLst/>
+      </c:spPr>
+      <c:txPr>
+        <a:bodyPr rot="0" spcFirstLastPara="1" vertOverflow="ellipsis" vert="horz" wrap="square" anchor="ctr" anchorCtr="1"/>
+        <a:lstStyle/>
+        <a:p>
+          <a:pPr>
+            <a:defRPr sz="1400" b="0" i="0" u="none" strike="noStrike" kern="1200" spc="0" baseline="0">
+              <a:solidFill>
+                <a:schemeClr val="tx1">
+                  <a:lumMod val="65000"/>
+                  <a:lumOff val="35000"/>
+                </a:schemeClr>
+              </a:solidFill>
+              <a:latin typeface="+mn-lt"/>
+              <a:ea typeface="+mn-ea"/>
+              <a:cs typeface="+mn-cs"/>
+            </a:defRPr>
+          </a:pPr>
+          <a:endParaRPr lang="en-US"/>
+        </a:p>
+      </c:txPr>
+    </c:title>
+    <c:autoTitleDeleted val="0"/>
+    <c:plotArea>
+      <c:layout>
+        <c:manualLayout>
+          <c:layoutTarget val="inner"/>
+          <c:xMode val="edge"/>
+          <c:yMode val="edge"/>
+          <c:x val="6.6560743236022638E-2"/>
+          <c:y val="0.16009161941245614"/>
+          <c:w val="0.87673323835732808"/>
+          <c:h val="0.67256991430876112"/>
+        </c:manualLayout>
+      </c:layout>
+      <c:barChart>
+        <c:barDir val="col"/>
+        <c:grouping val="clustered"/>
+        <c:varyColors val="0"/>
+        <c:ser>
+          <c:idx val="0"/>
+          <c:order val="0"/>
+          <c:tx>
+            <c:v>whale presence</c:v>
+          </c:tx>
+          <c:spPr>
+            <a:solidFill>
+              <a:srgbClr val="941100"/>
+            </a:solidFill>
+            <a:ln>
+              <a:noFill/>
+            </a:ln>
+            <a:effectLst/>
+          </c:spPr>
+          <c:invertIfNegative val="0"/>
+          <c:val>
+            <c:numRef>
+              <c:f>'8daygroup'!$F$3:$F$48</c:f>
+              <c:numCache>
+                <c:formatCode>General</c:formatCode>
+                <c:ptCount val="46"/>
+                <c:pt idx="0">
+                  <c:v>0.55654214899999999</c:v>
+                </c:pt>
+                <c:pt idx="1">
+                  <c:v>0.47683835600000002</c:v>
+                </c:pt>
+                <c:pt idx="2">
+                  <c:v>0.45888912700000001</c:v>
+                </c:pt>
+                <c:pt idx="3">
+                  <c:v>0.42768719799999999</c:v>
+                </c:pt>
+                <c:pt idx="4">
+                  <c:v>0.22173209099999999</c:v>
+                </c:pt>
+                <c:pt idx="5">
+                  <c:v>0.170486955</c:v>
+                </c:pt>
+                <c:pt idx="6">
+                  <c:v>0.22398119999999999</c:v>
+                </c:pt>
+                <c:pt idx="7">
+                  <c:v>0.22730429299999999</c:v>
+                </c:pt>
+                <c:pt idx="8">
+                  <c:v>0.155226639</c:v>
+                </c:pt>
+                <c:pt idx="9">
+                  <c:v>9.8838548999999998E-2</c:v>
+                </c:pt>
+                <c:pt idx="10">
+                  <c:v>0.104930591</c:v>
+                </c:pt>
+                <c:pt idx="11">
+                  <c:v>0.13071817299999999</c:v>
+                </c:pt>
+                <c:pt idx="12">
+                  <c:v>9.6447680999999993E-2</c:v>
+                </c:pt>
+                <c:pt idx="13">
+                  <c:v>4.1173311999999997E-2</c:v>
+                </c:pt>
+                <c:pt idx="14">
+                  <c:v>9.3437700999999998E-2</c:v>
+                </c:pt>
+                <c:pt idx="15">
+                  <c:v>5.1347131999999997E-2</c:v>
+                </c:pt>
+                <c:pt idx="16">
+                  <c:v>7.3539819000000006E-2</c:v>
+                </c:pt>
+                <c:pt idx="17">
+                  <c:v>8.0208333000000007E-2</c:v>
+                </c:pt>
+                <c:pt idx="18">
+                  <c:v>0.145335145</c:v>
+                </c:pt>
+                <c:pt idx="19">
+                  <c:v>0.152945778</c:v>
+                </c:pt>
+                <c:pt idx="20">
+                  <c:v>0.244940344</c:v>
+                </c:pt>
+                <c:pt idx="21">
+                  <c:v>0.22044327699999999</c:v>
+                </c:pt>
+                <c:pt idx="22">
+                  <c:v>0.101157261</c:v>
+                </c:pt>
+                <c:pt idx="23">
+                  <c:v>8.4784858000000005E-2</c:v>
+                </c:pt>
+                <c:pt idx="24">
+                  <c:v>4.4337732999999997E-2</c:v>
+                </c:pt>
+                <c:pt idx="25">
+                  <c:v>8.7191360000000006E-3</c:v>
+                </c:pt>
+                <c:pt idx="26">
+                  <c:v>0.106882059</c:v>
+                </c:pt>
+                <c:pt idx="27">
+                  <c:v>0.124816785</c:v>
+                </c:pt>
+                <c:pt idx="28">
+                  <c:v>5.9652154999999998E-2</c:v>
+                </c:pt>
+                <c:pt idx="29">
+                  <c:v>0.11947643600000001</c:v>
+                </c:pt>
+                <c:pt idx="30">
+                  <c:v>0.11131843700000001</c:v>
+                </c:pt>
+                <c:pt idx="31">
+                  <c:v>0.24810718000000001</c:v>
+                </c:pt>
+                <c:pt idx="32">
+                  <c:v>0.28876311799999999</c:v>
+                </c:pt>
+                <c:pt idx="33">
+                  <c:v>0.24770916700000001</c:v>
+                </c:pt>
+                <c:pt idx="34">
+                  <c:v>0.24827665600000001</c:v>
+                </c:pt>
+                <c:pt idx="35">
+                  <c:v>0.30026646400000001</c:v>
+                </c:pt>
+                <c:pt idx="36">
+                  <c:v>0.24617117399999999</c:v>
+                </c:pt>
+                <c:pt idx="37">
+                  <c:v>0.30623171599999999</c:v>
+                </c:pt>
+                <c:pt idx="38">
+                  <c:v>0.39472797599999998</c:v>
+                </c:pt>
+                <c:pt idx="39">
+                  <c:v>0.44357981400000002</c:v>
+                </c:pt>
+                <c:pt idx="40">
+                  <c:v>0.45179698400000001</c:v>
+                </c:pt>
+                <c:pt idx="41">
+                  <c:v>0.44716971300000002</c:v>
+                </c:pt>
+                <c:pt idx="42">
+                  <c:v>0.50844347000000001</c:v>
+                </c:pt>
+                <c:pt idx="43">
+                  <c:v>0.59848484800000001</c:v>
+                </c:pt>
+                <c:pt idx="44">
+                  <c:v>0.66571851900000001</c:v>
+                </c:pt>
+                <c:pt idx="45">
+                  <c:v>0.58773952900000004</c:v>
+                </c:pt>
+              </c:numCache>
+            </c:numRef>
+          </c:val>
+          <c:extLst>
+            <c:ext xmlns:c16="http://schemas.microsoft.com/office/drawing/2014/chart" uri="{C3380CC4-5D6E-409C-BE32-E72D297353CC}">
+              <c16:uniqueId val="{00000000-F865-0345-9CDA-4CE9867B0793}"/>
+            </c:ext>
+          </c:extLst>
+        </c:ser>
+        <c:dLbls>
+          <c:showLegendKey val="0"/>
+          <c:showVal val="0"/>
+          <c:showCatName val="0"/>
+          <c:showSerName val="0"/>
+          <c:showPercent val="0"/>
+          <c:showBubbleSize val="0"/>
+        </c:dLbls>
+        <c:gapWidth val="50"/>
+        <c:overlap val="-27"/>
+        <c:axId val="307114927"/>
+        <c:axId val="187611167"/>
+      </c:barChart>
+      <c:lineChart>
+        <c:grouping val="standard"/>
+        <c:varyColors val="0"/>
+        <c:ser>
+          <c:idx val="1"/>
+          <c:order val="1"/>
+          <c:tx>
+            <c:v>sst</c:v>
+          </c:tx>
+          <c:spPr>
+            <a:ln w="28575" cap="rnd">
+              <a:solidFill>
+                <a:schemeClr val="accent2">
+                  <a:lumMod val="50000"/>
+                </a:schemeClr>
+              </a:solidFill>
+              <a:round/>
+            </a:ln>
+            <a:effectLst/>
+          </c:spPr>
+          <c:marker>
+            <c:symbol val="circle"/>
+            <c:size val="5"/>
+            <c:spPr>
+              <a:solidFill>
+                <a:schemeClr val="accent2">
+                  <a:lumMod val="50000"/>
+                </a:schemeClr>
+              </a:solidFill>
+              <a:ln w="9525">
+                <a:solidFill>
+                  <a:schemeClr val="accent2"/>
+                </a:solidFill>
+              </a:ln>
+              <a:effectLst/>
+            </c:spPr>
+          </c:marker>
+          <c:val>
+            <c:numRef>
+              <c:f>'8daygroup'!$G$3:$G$48</c:f>
+              <c:numCache>
+                <c:formatCode>General</c:formatCode>
+                <c:ptCount val="46"/>
+                <c:pt idx="0">
+                  <c:v>28.420940000000002</c:v>
+                </c:pt>
+                <c:pt idx="1">
+                  <c:v>28.637460000000001</c:v>
+                </c:pt>
+                <c:pt idx="2">
+                  <c:v>28.695270000000001</c:v>
+                </c:pt>
+                <c:pt idx="3">
+                  <c:v>28.581440000000001</c:v>
+                </c:pt>
+                <c:pt idx="4">
+                  <c:v>28.61074</c:v>
+                </c:pt>
+                <c:pt idx="5">
+                  <c:v>28.77469</c:v>
+                </c:pt>
+                <c:pt idx="6">
+                  <c:v>28.878959999999999</c:v>
+                </c:pt>
+                <c:pt idx="7">
+                  <c:v>28.853570000000001</c:v>
+                </c:pt>
+                <c:pt idx="8">
+                  <c:v>29.04269</c:v>
+                </c:pt>
+                <c:pt idx="9">
+                  <c:v>29.193460000000002</c:v>
+                </c:pt>
+                <c:pt idx="10">
+                  <c:v>29.41057</c:v>
+                </c:pt>
+                <c:pt idx="11">
+                  <c:v>29.34281</c:v>
+                </c:pt>
+                <c:pt idx="12">
+                  <c:v>29.448920000000001</c:v>
+                </c:pt>
+                <c:pt idx="13">
+                  <c:v>29.485399999999998</c:v>
+                </c:pt>
+                <c:pt idx="14">
+                  <c:v>29.268270000000001</c:v>
+                </c:pt>
+                <c:pt idx="15">
+                  <c:v>28.941379999999999</c:v>
+                </c:pt>
+                <c:pt idx="16">
+                  <c:v>28.823540000000001</c:v>
+                </c:pt>
+                <c:pt idx="17">
+                  <c:v>28.628499999999999</c:v>
+                </c:pt>
+                <c:pt idx="18">
+                  <c:v>28.330770000000001</c:v>
+                </c:pt>
+                <c:pt idx="19">
+                  <c:v>28.082419999999999</c:v>
+                </c:pt>
+                <c:pt idx="20">
+                  <c:v>27.968150000000001</c:v>
+                </c:pt>
+                <c:pt idx="21">
+                  <c:v>27.951239999999999</c:v>
+                </c:pt>
+                <c:pt idx="22">
+                  <c:v>27.955259999999999</c:v>
+                </c:pt>
+                <c:pt idx="23">
+                  <c:v>27.899290000000001</c:v>
+                </c:pt>
+                <c:pt idx="24">
+                  <c:v>27.7743</c:v>
+                </c:pt>
+                <c:pt idx="25">
+                  <c:v>27.637740000000001</c:v>
+                </c:pt>
+                <c:pt idx="26">
+                  <c:v>27.522880000000001</c:v>
+                </c:pt>
+                <c:pt idx="27">
+                  <c:v>27.567789999999999</c:v>
+                </c:pt>
+                <c:pt idx="28">
+                  <c:v>27.58831</c:v>
+                </c:pt>
+                <c:pt idx="29">
+                  <c:v>27.543500000000002</c:v>
+                </c:pt>
+                <c:pt idx="30">
+                  <c:v>27.570799999999998</c:v>
+                </c:pt>
+                <c:pt idx="31">
+                  <c:v>27.74371</c:v>
+                </c:pt>
+                <c:pt idx="32">
+                  <c:v>27.9237</c:v>
+                </c:pt>
+                <c:pt idx="33">
+                  <c:v>28.07696</c:v>
+                </c:pt>
+                <c:pt idx="34">
+                  <c:v>28.168669999999999</c:v>
+                </c:pt>
+                <c:pt idx="35">
+                  <c:v>28.263490000000001</c:v>
+                </c:pt>
+                <c:pt idx="36">
+                  <c:v>28.367239999999999</c:v>
+                </c:pt>
+                <c:pt idx="37">
+                  <c:v>28.561859999999999</c:v>
+                </c:pt>
+                <c:pt idx="38">
+                  <c:v>28.556090000000001</c:v>
+                </c:pt>
+                <c:pt idx="39">
+                  <c:v>28.61232</c:v>
+                </c:pt>
+                <c:pt idx="40">
+                  <c:v>28.53435</c:v>
+                </c:pt>
+                <c:pt idx="41">
+                  <c:v>28.608229999999999</c:v>
+                </c:pt>
+                <c:pt idx="42">
+                  <c:v>28.760549999999999</c:v>
+                </c:pt>
+                <c:pt idx="43">
+                  <c:v>28.620519999999999</c:v>
+                </c:pt>
+                <c:pt idx="44">
+                  <c:v>28.378720000000001</c:v>
+                </c:pt>
+                <c:pt idx="45">
+                  <c:v>28.234860000000001</c:v>
+                </c:pt>
+              </c:numCache>
+            </c:numRef>
+          </c:val>
+          <c:smooth val="0"/>
+          <c:extLst>
+            <c:ext xmlns:c16="http://schemas.microsoft.com/office/drawing/2014/chart" uri="{C3380CC4-5D6E-409C-BE32-E72D297353CC}">
+              <c16:uniqueId val="{00000001-F865-0345-9CDA-4CE9867B0793}"/>
+            </c:ext>
+          </c:extLst>
+        </c:ser>
+        <c:dLbls>
+          <c:showLegendKey val="0"/>
+          <c:showVal val="0"/>
+          <c:showCatName val="0"/>
+          <c:showSerName val="0"/>
+          <c:showPercent val="0"/>
+          <c:showBubbleSize val="0"/>
+        </c:dLbls>
+        <c:marker val="1"/>
+        <c:smooth val="0"/>
+        <c:axId val="187374831"/>
+        <c:axId val="462658415"/>
+      </c:lineChart>
+      <c:catAx>
+        <c:axId val="187374831"/>
+        <c:scaling>
+          <c:orientation val="minMax"/>
+        </c:scaling>
+        <c:delete val="1"/>
+        <c:axPos val="b"/>
+        <c:majorTickMark val="none"/>
+        <c:minorTickMark val="none"/>
+        <c:tickLblPos val="nextTo"/>
+        <c:crossAx val="462658415"/>
+        <c:crosses val="autoZero"/>
+        <c:auto val="1"/>
+        <c:lblAlgn val="ctr"/>
+        <c:lblOffset val="100"/>
+        <c:noMultiLvlLbl val="0"/>
+      </c:catAx>
+      <c:valAx>
+        <c:axId val="462658415"/>
+        <c:scaling>
+          <c:orientation val="minMax"/>
+          <c:min val="26"/>
+        </c:scaling>
+        <c:delete val="0"/>
+        <c:axPos val="l"/>
+        <c:majorGridlines>
+          <c:spPr>
+            <a:ln w="9525" cap="flat" cmpd="sng" algn="ctr">
+              <a:solidFill>
+                <a:schemeClr val="tx1">
+                  <a:lumMod val="15000"/>
+                  <a:lumOff val="85000"/>
+                </a:schemeClr>
+              </a:solidFill>
+              <a:round/>
+            </a:ln>
+            <a:effectLst/>
+          </c:spPr>
+        </c:majorGridlines>
+        <c:numFmt formatCode="General" sourceLinked="1"/>
+        <c:majorTickMark val="none"/>
+        <c:minorTickMark val="none"/>
+        <c:tickLblPos val="none"/>
+        <c:spPr>
+          <a:noFill/>
+          <a:ln>
+            <a:noFill/>
+          </a:ln>
+          <a:effectLst/>
+        </c:spPr>
+        <c:txPr>
+          <a:bodyPr rot="-60000000" spcFirstLastPara="1" vertOverflow="ellipsis" vert="horz" wrap="square" anchor="ctr" anchorCtr="1"/>
+          <a:lstStyle/>
+          <a:p>
+            <a:pPr>
+              <a:defRPr sz="900" b="0" i="0" u="none" strike="noStrike" kern="1200" baseline="0">
+                <a:solidFill>
+                  <a:schemeClr val="tx1">
+                    <a:lumMod val="65000"/>
+                    <a:lumOff val="35000"/>
+                  </a:schemeClr>
+                </a:solidFill>
+                <a:latin typeface="+mn-lt"/>
+                <a:ea typeface="+mn-ea"/>
+                <a:cs typeface="+mn-cs"/>
+              </a:defRPr>
+            </a:pPr>
+            <a:endParaRPr lang="en-US"/>
+          </a:p>
+        </c:txPr>
+        <c:crossAx val="187374831"/>
+        <c:crosses val="autoZero"/>
+        <c:crossBetween val="between"/>
+      </c:valAx>
+      <c:valAx>
+        <c:axId val="187611167"/>
+        <c:scaling>
+          <c:orientation val="minMax"/>
+          <c:max val="0.9"/>
+        </c:scaling>
+        <c:delete val="0"/>
+        <c:axPos val="r"/>
+        <c:numFmt formatCode="General" sourceLinked="1"/>
+        <c:majorTickMark val="out"/>
+        <c:minorTickMark val="none"/>
+        <c:tickLblPos val="nextTo"/>
+        <c:spPr>
+          <a:noFill/>
+          <a:ln>
+            <a:noFill/>
+          </a:ln>
+          <a:effectLst/>
+        </c:spPr>
+        <c:txPr>
+          <a:bodyPr rot="-60000000" spcFirstLastPara="1" vertOverflow="ellipsis" vert="horz" wrap="square" anchor="ctr" anchorCtr="1"/>
+          <a:lstStyle/>
+          <a:p>
+            <a:pPr>
+              <a:defRPr sz="900" b="0" i="0" u="none" strike="noStrike" kern="1200" baseline="0">
+                <a:solidFill>
+                  <a:schemeClr val="tx1">
+                    <a:lumMod val="65000"/>
+                    <a:lumOff val="35000"/>
+                  </a:schemeClr>
+                </a:solidFill>
+                <a:latin typeface="+mn-lt"/>
+                <a:ea typeface="+mn-ea"/>
+                <a:cs typeface="+mn-cs"/>
+              </a:defRPr>
+            </a:pPr>
+            <a:endParaRPr lang="en-US"/>
+          </a:p>
+        </c:txPr>
+        <c:crossAx val="307114927"/>
+        <c:crosses val="max"/>
+        <c:crossBetween val="between"/>
+      </c:valAx>
+      <c:catAx>
+        <c:axId val="307114927"/>
+        <c:scaling>
+          <c:orientation val="minMax"/>
+        </c:scaling>
+        <c:delete val="1"/>
+        <c:axPos val="b"/>
+        <c:majorTickMark val="out"/>
+        <c:minorTickMark val="none"/>
+        <c:tickLblPos val="nextTo"/>
+        <c:crossAx val="187611167"/>
+        <c:crosses val="autoZero"/>
+        <c:auto val="1"/>
+        <c:lblAlgn val="ctr"/>
+        <c:lblOffset val="100"/>
+        <c:noMultiLvlLbl val="0"/>
+      </c:catAx>
+      <c:spPr>
+        <a:noFill/>
+        <a:ln>
+          <a:noFill/>
+        </a:ln>
+        <a:effectLst/>
+      </c:spPr>
+    </c:plotArea>
+    <c:legend>
+      <c:legendPos val="b"/>
+      <c:overlay val="0"/>
+      <c:spPr>
+        <a:noFill/>
+        <a:ln>
+          <a:noFill/>
+        </a:ln>
+        <a:effectLst/>
+      </c:spPr>
+      <c:txPr>
+        <a:bodyPr rot="0" spcFirstLastPara="1" vertOverflow="ellipsis" vert="horz" wrap="square" anchor="ctr" anchorCtr="1"/>
+        <a:lstStyle/>
+        <a:p>
+          <a:pPr>
+            <a:defRPr sz="900" b="0" i="0" u="none" strike="noStrike" kern="1200" baseline="0">
+              <a:solidFill>
+                <a:schemeClr val="tx1">
+                  <a:lumMod val="65000"/>
+                  <a:lumOff val="35000"/>
+                </a:schemeClr>
+              </a:solidFill>
+              <a:latin typeface="+mn-lt"/>
+              <a:ea typeface="+mn-ea"/>
+              <a:cs typeface="+mn-cs"/>
+            </a:defRPr>
+          </a:pPr>
+          <a:endParaRPr lang="en-US"/>
+        </a:p>
+      </c:txPr>
+    </c:legend>
+    <c:plotVisOnly val="1"/>
+    <c:dispBlanksAs val="gap"/>
+    <c:extLst>
+      <c:ext xmlns:c16r3="http://schemas.microsoft.com/office/drawing/2017/03/chart" uri="{56B9EC1D-385E-4148-901F-78D8002777C0}">
+        <c16r3:dataDisplayOptions16>
+          <c16r3:dispNaAsBlank val="1"/>
+        </c16r3:dataDisplayOptions16>
+      </c:ext>
+    </c:extLst>
+    <c:showDLblsOverMax val="0"/>
+  </c:chart>
+  <c:spPr>
+    <a:noFill/>
+    <a:ln>
+      <a:noFill/>
+    </a:ln>
+    <a:effectLst/>
+  </c:spPr>
+  <c:txPr>
+    <a:bodyPr/>
+    <a:lstStyle/>
+    <a:p>
+      <a:pPr>
+        <a:defRPr/>
+      </a:pPr>
+      <a:endParaRPr lang="en-US"/>
+    </a:p>
+  </c:txPr>
+  <c:externalData r:id="rId3">
+    <c:autoUpdate val="0"/>
+  </c:externalData>
+</c:chartSpace>
+</file>
+
+<file path=ppt/charts/chart8.xml><?xml version="1.0" encoding="utf-8"?>
+<c:chartSpace xmlns:c="http://schemas.openxmlformats.org/drawingml/2006/chart" xmlns:a="http://schemas.openxmlformats.org/drawingml/2006/main" xmlns:r="http://schemas.openxmlformats.org/officeDocument/2006/relationships" xmlns:c16r2="http://schemas.microsoft.com/office/drawing/2015/06/chart">
+  <c:date1904 val="0"/>
+  <c:lang val="en-GB"/>
+  <c:roundedCorners val="0"/>
+  <mc:AlternateContent xmlns:mc="http://schemas.openxmlformats.org/markup-compatibility/2006">
+    <mc:Choice xmlns:c14="http://schemas.microsoft.com/office/drawing/2007/8/2/chart" Requires="c14">
+      <c14:style val="102"/>
+    </mc:Choice>
+    <mc:Fallback>
+      <c:style val="2"/>
+    </mc:Fallback>
+  </mc:AlternateContent>
+  <c:chart>
+    <c:title>
+      <c:tx>
+        <c:rich>
+          <a:bodyPr rot="0" spcFirstLastPara="1" vertOverflow="ellipsis" vert="horz" wrap="square" anchor="ctr" anchorCtr="1"/>
+          <a:lstStyle/>
+          <a:p>
+            <a:pPr>
+              <a:defRPr sz="1400" b="0" i="0" u="none" strike="noStrike" kern="1200" spc="0" baseline="0">
+                <a:solidFill>
+                  <a:schemeClr val="tx1">
+                    <a:lumMod val="65000"/>
+                    <a:lumOff val="35000"/>
+                  </a:schemeClr>
+                </a:solidFill>
+                <a:latin typeface="+mn-lt"/>
+                <a:ea typeface="+mn-ea"/>
+                <a:cs typeface="+mn-cs"/>
+              </a:defRPr>
+            </a:pPr>
+            <a:r>
+              <a:rPr lang="en-GB" sz="1800" b="0" i="0" baseline="0">
+                <a:effectLst/>
+              </a:rPr>
+              <a:t>Average whale presence and chl-a - SE</a:t>
+            </a:r>
+            <a:endParaRPr lang="en-AU">
+              <a:effectLst/>
+            </a:endParaRPr>
+          </a:p>
+        </c:rich>
+      </c:tx>
+      <c:overlay val="0"/>
+      <c:spPr>
+        <a:noFill/>
+        <a:ln>
+          <a:noFill/>
+        </a:ln>
+        <a:effectLst/>
+      </c:spPr>
+      <c:txPr>
+        <a:bodyPr rot="0" spcFirstLastPara="1" vertOverflow="ellipsis" vert="horz" wrap="square" anchor="ctr" anchorCtr="1"/>
+        <a:lstStyle/>
+        <a:p>
+          <a:pPr>
+            <a:defRPr sz="1400" b="0" i="0" u="none" strike="noStrike" kern="1200" spc="0" baseline="0">
+              <a:solidFill>
+                <a:schemeClr val="tx1">
+                  <a:lumMod val="65000"/>
+                  <a:lumOff val="35000"/>
+                </a:schemeClr>
+              </a:solidFill>
+              <a:latin typeface="+mn-lt"/>
+              <a:ea typeface="+mn-ea"/>
+              <a:cs typeface="+mn-cs"/>
+            </a:defRPr>
+          </a:pPr>
+          <a:endParaRPr lang="en-US"/>
+        </a:p>
+      </c:txPr>
+    </c:title>
+    <c:autoTitleDeleted val="0"/>
+    <c:plotArea>
+      <c:layout>
+        <c:manualLayout>
+          <c:layoutTarget val="inner"/>
+          <c:xMode val="edge"/>
+          <c:yMode val="edge"/>
+          <c:x val="6.6560743236022638E-2"/>
+          <c:y val="0.16017560685985704"/>
+          <c:w val="0.87673323835732808"/>
+          <c:h val="0.67239813756491662"/>
+        </c:manualLayout>
+      </c:layout>
+      <c:barChart>
+        <c:barDir val="col"/>
+        <c:grouping val="clustered"/>
+        <c:varyColors val="0"/>
+        <c:ser>
+          <c:idx val="0"/>
+          <c:order val="0"/>
+          <c:tx>
+            <c:v>whale presence</c:v>
+          </c:tx>
+          <c:spPr>
+            <a:solidFill>
+              <a:srgbClr val="002060"/>
+            </a:solidFill>
+            <a:ln>
+              <a:noFill/>
+            </a:ln>
+            <a:effectLst/>
+          </c:spPr>
+          <c:invertIfNegative val="0"/>
+          <c:val>
+            <c:numRef>
+              <c:f>'8daygroup'!$B$3:$B$48</c:f>
+              <c:numCache>
+                <c:formatCode>General</c:formatCode>
+                <c:ptCount val="46"/>
+                <c:pt idx="0">
+                  <c:v>2.6053880000000001E-2</c:v>
+                </c:pt>
+                <c:pt idx="1">
+                  <c:v>3.4731989999999997E-2</c:v>
+                </c:pt>
+                <c:pt idx="2">
+                  <c:v>3.376229E-2</c:v>
+                </c:pt>
+                <c:pt idx="3">
+                  <c:v>2.1159359999999999E-2</c:v>
+                </c:pt>
+                <c:pt idx="4">
+                  <c:v>6.6865350000000004E-2</c:v>
+                </c:pt>
+                <c:pt idx="5">
+                  <c:v>2.1874999999999999E-2</c:v>
+                </c:pt>
+                <c:pt idx="6">
+                  <c:v>4.9920850000000003E-2</c:v>
+                </c:pt>
+                <c:pt idx="7">
+                  <c:v>1.6368839999999999E-2</c:v>
+                </c:pt>
+                <c:pt idx="8">
+                  <c:v>4.3310580000000001E-2</c:v>
+                </c:pt>
+                <c:pt idx="9">
+                  <c:v>3.958623E-2</c:v>
+                </c:pt>
+                <c:pt idx="10">
+                  <c:v>7.0321729999999999E-2</c:v>
+                </c:pt>
+                <c:pt idx="11">
+                  <c:v>8.1381910000000002E-2</c:v>
+                </c:pt>
+                <c:pt idx="12">
+                  <c:v>5.078125E-2</c:v>
+                </c:pt>
+                <c:pt idx="13">
+                  <c:v>4.8368649999999999E-2</c:v>
+                </c:pt>
+                <c:pt idx="14">
+                  <c:v>4.3414349999999997E-2</c:v>
+                </c:pt>
+                <c:pt idx="15">
+                  <c:v>0.15458018000000001</c:v>
+                </c:pt>
+                <c:pt idx="16">
+                  <c:v>0.14607686</c:v>
+                </c:pt>
+                <c:pt idx="17">
+                  <c:v>0.16834774</c:v>
+                </c:pt>
+                <c:pt idx="18">
+                  <c:v>0.33298611</c:v>
+                </c:pt>
+                <c:pt idx="19">
+                  <c:v>0.46777428999999998</c:v>
+                </c:pt>
+                <c:pt idx="20">
+                  <c:v>0.54713173000000004</c:v>
+                </c:pt>
+                <c:pt idx="21">
+                  <c:v>0.58470955999999996</c:v>
+                </c:pt>
+                <c:pt idx="22">
+                  <c:v>0.61272800999999999</c:v>
+                </c:pt>
+                <c:pt idx="23">
+                  <c:v>0.51912703999999998</c:v>
+                </c:pt>
+                <c:pt idx="24">
+                  <c:v>0.47132987999999998</c:v>
+                </c:pt>
+                <c:pt idx="25">
+                  <c:v>0.49622825999999998</c:v>
+                </c:pt>
+                <c:pt idx="26">
+                  <c:v>0.65173610999999998</c:v>
+                </c:pt>
+                <c:pt idx="27">
+                  <c:v>0.75806788999999997</c:v>
+                </c:pt>
+                <c:pt idx="28">
+                  <c:v>0.74531354999999999</c:v>
+                </c:pt>
+                <c:pt idx="29">
+                  <c:v>0.70893751999999999</c:v>
+                </c:pt>
+                <c:pt idx="30">
+                  <c:v>0.77206142</c:v>
+                </c:pt>
+                <c:pt idx="31">
+                  <c:v>0.78463983999999998</c:v>
+                </c:pt>
+                <c:pt idx="32">
+                  <c:v>0.75787181000000003</c:v>
+                </c:pt>
+                <c:pt idx="33">
+                  <c:v>0.74021650000000005</c:v>
+                </c:pt>
+                <c:pt idx="34">
+                  <c:v>0.73305715000000005</c:v>
+                </c:pt>
+                <c:pt idx="35">
+                  <c:v>0.72641332000000003</c:v>
+                </c:pt>
+                <c:pt idx="36">
+                  <c:v>0.69709533999999995</c:v>
+                </c:pt>
+                <c:pt idx="37">
+                  <c:v>0.66845281000000001</c:v>
+                </c:pt>
+                <c:pt idx="38">
+                  <c:v>0.52459721000000004</c:v>
+                </c:pt>
+                <c:pt idx="39">
+                  <c:v>0.46363799</c:v>
+                </c:pt>
+                <c:pt idx="40">
+                  <c:v>0.32785045000000002</c:v>
+                </c:pt>
+                <c:pt idx="41">
+                  <c:v>0.25648324</c:v>
+                </c:pt>
+                <c:pt idx="42">
+                  <c:v>0.27721603</c:v>
+                </c:pt>
+                <c:pt idx="43">
+                  <c:v>0.23284473999999999</c:v>
+                </c:pt>
+                <c:pt idx="44">
+                  <c:v>0.15837610999999999</c:v>
+                </c:pt>
+                <c:pt idx="45">
+                  <c:v>7.7904660000000001E-2</c:v>
+                </c:pt>
+              </c:numCache>
+            </c:numRef>
+          </c:val>
+          <c:extLst>
+            <c:ext xmlns:c16="http://schemas.microsoft.com/office/drawing/2014/chart" uri="{C3380CC4-5D6E-409C-BE32-E72D297353CC}">
+              <c16:uniqueId val="{00000000-05BD-4745-8029-F25B6CEC24A4}"/>
+            </c:ext>
+          </c:extLst>
+        </c:ser>
+        <c:dLbls>
+          <c:showLegendKey val="0"/>
+          <c:showVal val="0"/>
+          <c:showCatName val="0"/>
+          <c:showSerName val="0"/>
+          <c:showPercent val="0"/>
+          <c:showBubbleSize val="0"/>
+        </c:dLbls>
+        <c:gapWidth val="50"/>
+        <c:overlap val="-27"/>
+        <c:axId val="307114927"/>
+        <c:axId val="187611167"/>
+      </c:barChart>
+      <c:lineChart>
+        <c:grouping val="standard"/>
+        <c:varyColors val="0"/>
+        <c:ser>
+          <c:idx val="1"/>
+          <c:order val="1"/>
+          <c:tx>
+            <c:v>chl-a</c:v>
+          </c:tx>
+          <c:spPr>
+            <a:ln w="28575" cap="rnd">
+              <a:solidFill>
+                <a:schemeClr val="accent6">
+                  <a:lumMod val="50000"/>
+                </a:schemeClr>
+              </a:solidFill>
+              <a:round/>
+            </a:ln>
+            <a:effectLst/>
+          </c:spPr>
+          <c:marker>
+            <c:symbol val="circle"/>
+            <c:size val="5"/>
+            <c:spPr>
+              <a:solidFill>
+                <a:schemeClr val="accent6">
+                  <a:lumMod val="50000"/>
+                </a:schemeClr>
+              </a:solidFill>
+              <a:ln w="9525">
+                <a:solidFill>
+                  <a:schemeClr val="accent6">
+                    <a:lumMod val="40000"/>
+                    <a:lumOff val="60000"/>
+                  </a:schemeClr>
+                </a:solidFill>
+              </a:ln>
+              <a:effectLst/>
+            </c:spPr>
+          </c:marker>
+          <c:val>
+            <c:numRef>
+              <c:f>'8daygroup'!$D$3:$D$48</c:f>
+              <c:numCache>
+                <c:formatCode>General</c:formatCode>
+                <c:ptCount val="46"/>
+                <c:pt idx="0">
+                  <c:v>0.108816</c:v>
+                </c:pt>
+                <c:pt idx="1">
+                  <c:v>0.10119</c:v>
+                </c:pt>
+                <c:pt idx="2">
+                  <c:v>0.103325</c:v>
+                </c:pt>
+                <c:pt idx="3">
+                  <c:v>0.11249099999999999</c:v>
+                </c:pt>
+                <c:pt idx="4">
+                  <c:v>0.116172</c:v>
+                </c:pt>
+                <c:pt idx="5">
+                  <c:v>0.107279</c:v>
+                </c:pt>
+                <c:pt idx="6">
+                  <c:v>0.103587</c:v>
+                </c:pt>
+                <c:pt idx="7">
+                  <c:v>0.110293</c:v>
+                </c:pt>
+                <c:pt idx="8">
+                  <c:v>0.102257</c:v>
+                </c:pt>
+                <c:pt idx="9">
+                  <c:v>9.7701999999999997E-2</c:v>
+                </c:pt>
+                <c:pt idx="10">
+                  <c:v>9.9617999999999998E-2</c:v>
+                </c:pt>
+                <c:pt idx="11">
+                  <c:v>0.103078</c:v>
+                </c:pt>
+                <c:pt idx="12">
+                  <c:v>0.104598</c:v>
+                </c:pt>
+                <c:pt idx="13">
+                  <c:v>0.107317</c:v>
+                </c:pt>
+                <c:pt idx="14">
+                  <c:v>0.108032</c:v>
+                </c:pt>
+                <c:pt idx="15">
+                  <c:v>0.11588</c:v>
+                </c:pt>
+                <c:pt idx="16">
+                  <c:v>0.12692400000000001</c:v>
+                </c:pt>
+                <c:pt idx="17">
+                  <c:v>0.12851799999999999</c:v>
+                </c:pt>
+                <c:pt idx="18">
+                  <c:v>0.133163</c:v>
+                </c:pt>
+                <c:pt idx="19">
+                  <c:v>0.15381700000000001</c:v>
+                </c:pt>
+                <c:pt idx="20">
+                  <c:v>0.17366500000000001</c:v>
+                </c:pt>
+                <c:pt idx="21">
+                  <c:v>0.173457</c:v>
+                </c:pt>
+                <c:pt idx="22">
+                  <c:v>0.192356</c:v>
+                </c:pt>
+                <c:pt idx="23">
+                  <c:v>0.187364</c:v>
+                </c:pt>
+                <c:pt idx="24">
+                  <c:v>0.184973</c:v>
+                </c:pt>
+                <c:pt idx="25">
+                  <c:v>0.197405</c:v>
+                </c:pt>
+                <c:pt idx="26">
+                  <c:v>0.20117499999999999</c:v>
+                </c:pt>
+                <c:pt idx="27">
+                  <c:v>0.187668</c:v>
+                </c:pt>
+                <c:pt idx="28">
+                  <c:v>0.174931</c:v>
+                </c:pt>
+                <c:pt idx="29">
+                  <c:v>0.17474600000000001</c:v>
+                </c:pt>
+                <c:pt idx="30">
+                  <c:v>0.18021899999999999</c:v>
+                </c:pt>
+                <c:pt idx="31">
+                  <c:v>0.16936699999999999</c:v>
+                </c:pt>
+                <c:pt idx="32">
+                  <c:v>0.147147</c:v>
+                </c:pt>
+                <c:pt idx="33">
+                  <c:v>0.15326000000000001</c:v>
+                </c:pt>
+                <c:pt idx="34">
+                  <c:v>0.14464299999999999</c:v>
+                </c:pt>
+                <c:pt idx="35">
+                  <c:v>0.14180300000000001</c:v>
+                </c:pt>
+                <c:pt idx="36">
+                  <c:v>0.13299800000000001</c:v>
+                </c:pt>
+                <c:pt idx="37">
+                  <c:v>0.13366700000000001</c:v>
+                </c:pt>
+                <c:pt idx="38">
+                  <c:v>0.120308</c:v>
+                </c:pt>
+                <c:pt idx="39">
+                  <c:v>0.109192</c:v>
+                </c:pt>
+                <c:pt idx="40">
+                  <c:v>0.111597</c:v>
+                </c:pt>
+                <c:pt idx="41">
+                  <c:v>0.103703</c:v>
+                </c:pt>
+                <c:pt idx="42">
+                  <c:v>0.103256</c:v>
+                </c:pt>
+                <c:pt idx="43">
+                  <c:v>0.105993</c:v>
+                </c:pt>
+                <c:pt idx="44">
+                  <c:v>0.103246</c:v>
+                </c:pt>
+                <c:pt idx="45">
+                  <c:v>0.10065200000000001</c:v>
+                </c:pt>
+              </c:numCache>
+            </c:numRef>
+          </c:val>
+          <c:smooth val="0"/>
+          <c:extLst>
+            <c:ext xmlns:c16="http://schemas.microsoft.com/office/drawing/2014/chart" uri="{C3380CC4-5D6E-409C-BE32-E72D297353CC}">
+              <c16:uniqueId val="{00000001-05BD-4745-8029-F25B6CEC24A4}"/>
+            </c:ext>
+          </c:extLst>
+        </c:ser>
+        <c:dLbls>
+          <c:showLegendKey val="0"/>
+          <c:showVal val="0"/>
+          <c:showCatName val="0"/>
+          <c:showSerName val="0"/>
+          <c:showPercent val="0"/>
+          <c:showBubbleSize val="0"/>
+        </c:dLbls>
+        <c:marker val="1"/>
+        <c:smooth val="0"/>
+        <c:axId val="187374831"/>
+        <c:axId val="462658415"/>
+      </c:lineChart>
+      <c:catAx>
+        <c:axId val="187374831"/>
+        <c:scaling>
+          <c:orientation val="minMax"/>
+        </c:scaling>
+        <c:delete val="1"/>
+        <c:axPos val="b"/>
+        <c:majorTickMark val="none"/>
+        <c:minorTickMark val="none"/>
+        <c:tickLblPos val="nextTo"/>
+        <c:crossAx val="462658415"/>
+        <c:crosses val="autoZero"/>
+        <c:auto val="1"/>
+        <c:lblAlgn val="ctr"/>
+        <c:lblOffset val="100"/>
+        <c:noMultiLvlLbl val="0"/>
+      </c:catAx>
+      <c:valAx>
+        <c:axId val="462658415"/>
+        <c:scaling>
+          <c:orientation val="minMax"/>
+          <c:min val="0"/>
+        </c:scaling>
+        <c:delete val="0"/>
+        <c:axPos val="l"/>
+        <c:majorGridlines>
+          <c:spPr>
+            <a:ln w="9525" cap="flat" cmpd="sng" algn="ctr">
+              <a:solidFill>
+                <a:schemeClr val="tx1">
+                  <a:lumMod val="15000"/>
+                  <a:lumOff val="85000"/>
+                </a:schemeClr>
+              </a:solidFill>
+              <a:round/>
+            </a:ln>
+            <a:effectLst/>
+          </c:spPr>
+        </c:majorGridlines>
+        <c:numFmt formatCode="General" sourceLinked="1"/>
+        <c:majorTickMark val="none"/>
+        <c:minorTickMark val="none"/>
+        <c:tickLblPos val="nextTo"/>
+        <c:spPr>
+          <a:noFill/>
+          <a:ln>
+            <a:noFill/>
+          </a:ln>
+          <a:effectLst/>
+        </c:spPr>
+        <c:txPr>
+          <a:bodyPr rot="-60000000" spcFirstLastPara="1" vertOverflow="ellipsis" vert="horz" wrap="square" anchor="ctr" anchorCtr="1"/>
+          <a:lstStyle/>
+          <a:p>
+            <a:pPr>
+              <a:defRPr sz="900" b="1" i="0" u="none" strike="noStrike" kern="1200" baseline="0">
+                <a:solidFill>
+                  <a:schemeClr val="accent6">
+                    <a:lumMod val="50000"/>
+                  </a:schemeClr>
+                </a:solidFill>
+                <a:latin typeface="+mn-lt"/>
+                <a:ea typeface="+mn-ea"/>
+                <a:cs typeface="+mn-cs"/>
+              </a:defRPr>
+            </a:pPr>
+            <a:endParaRPr lang="en-US"/>
+          </a:p>
+        </c:txPr>
+        <c:crossAx val="187374831"/>
+        <c:crosses val="autoZero"/>
+        <c:crossBetween val="between"/>
+        <c:majorUnit val="2.5000000000000005E-2"/>
+      </c:valAx>
+      <c:valAx>
+        <c:axId val="187611167"/>
+        <c:scaling>
+          <c:orientation val="minMax"/>
+          <c:max val="0.9"/>
+        </c:scaling>
+        <c:delete val="0"/>
+        <c:axPos val="r"/>
+        <c:numFmt formatCode="General" sourceLinked="1"/>
+        <c:majorTickMark val="out"/>
+        <c:minorTickMark val="none"/>
+        <c:tickLblPos val="none"/>
+        <c:spPr>
+          <a:noFill/>
+          <a:ln>
+            <a:noFill/>
+          </a:ln>
+          <a:effectLst/>
+        </c:spPr>
+        <c:txPr>
+          <a:bodyPr rot="-60000000" spcFirstLastPara="1" vertOverflow="ellipsis" vert="horz" wrap="square" anchor="ctr" anchorCtr="1"/>
+          <a:lstStyle/>
+          <a:p>
+            <a:pPr>
+              <a:defRPr sz="900" b="0" i="0" u="none" strike="noStrike" kern="1200" baseline="0">
+                <a:solidFill>
+                  <a:schemeClr val="tx1">
+                    <a:lumMod val="65000"/>
+                    <a:lumOff val="35000"/>
+                  </a:schemeClr>
+                </a:solidFill>
+                <a:latin typeface="+mn-lt"/>
+                <a:ea typeface="+mn-ea"/>
+                <a:cs typeface="+mn-cs"/>
+              </a:defRPr>
+            </a:pPr>
+            <a:endParaRPr lang="en-US"/>
+          </a:p>
+        </c:txPr>
+        <c:crossAx val="307114927"/>
+        <c:crosses val="max"/>
+        <c:crossBetween val="between"/>
+      </c:valAx>
+      <c:catAx>
+        <c:axId val="307114927"/>
+        <c:scaling>
+          <c:orientation val="minMax"/>
+        </c:scaling>
+        <c:delete val="1"/>
+        <c:axPos val="b"/>
+        <c:majorTickMark val="out"/>
+        <c:minorTickMark val="none"/>
+        <c:tickLblPos val="nextTo"/>
+        <c:crossAx val="187611167"/>
+        <c:crosses val="autoZero"/>
+        <c:auto val="1"/>
+        <c:lblAlgn val="ctr"/>
+        <c:lblOffset val="100"/>
+        <c:noMultiLvlLbl val="0"/>
+      </c:catAx>
+      <c:spPr>
+        <a:noFill/>
+        <a:ln>
+          <a:noFill/>
+        </a:ln>
+        <a:effectLst/>
+      </c:spPr>
+    </c:plotArea>
+    <c:legend>
+      <c:legendPos val="b"/>
+      <c:overlay val="0"/>
+      <c:spPr>
+        <a:noFill/>
+        <a:ln>
+          <a:noFill/>
+        </a:ln>
+        <a:effectLst/>
+      </c:spPr>
+      <c:txPr>
+        <a:bodyPr rot="0" spcFirstLastPara="1" vertOverflow="ellipsis" vert="horz" wrap="square" anchor="ctr" anchorCtr="1"/>
+        <a:lstStyle/>
+        <a:p>
+          <a:pPr>
+            <a:defRPr sz="900" b="0" i="0" u="none" strike="noStrike" kern="1200" baseline="0">
+              <a:solidFill>
+                <a:schemeClr val="tx1">
+                  <a:lumMod val="65000"/>
+                  <a:lumOff val="35000"/>
+                </a:schemeClr>
+              </a:solidFill>
+              <a:latin typeface="+mn-lt"/>
+              <a:ea typeface="+mn-ea"/>
+              <a:cs typeface="+mn-cs"/>
+            </a:defRPr>
+          </a:pPr>
+          <a:endParaRPr lang="en-US"/>
+        </a:p>
+      </c:txPr>
+    </c:legend>
+    <c:plotVisOnly val="1"/>
+    <c:dispBlanksAs val="gap"/>
+    <c:extLst>
+      <c:ext xmlns:c16r3="http://schemas.microsoft.com/office/drawing/2017/03/chart" uri="{56B9EC1D-385E-4148-901F-78D8002777C0}">
+        <c16r3:dataDisplayOptions16>
+          <c16r3:dispNaAsBlank val="1"/>
+        </c16r3:dataDisplayOptions16>
+      </c:ext>
+    </c:extLst>
+    <c:showDLblsOverMax val="0"/>
+  </c:chart>
+  <c:spPr>
+    <a:noFill/>
+    <a:ln>
+      <a:noFill/>
+    </a:ln>
+    <a:effectLst/>
+  </c:spPr>
+  <c:txPr>
+    <a:bodyPr/>
+    <a:lstStyle/>
+    <a:p>
+      <a:pPr>
+        <a:defRPr/>
+      </a:pPr>
+      <a:endParaRPr lang="en-US"/>
+    </a:p>
+  </c:txPr>
+  <c:externalData r:id="rId3">
+    <c:autoUpdate val="0"/>
+  </c:externalData>
+</c:chartSpace>
+</file>
+
+<file path=ppt/charts/chart9.xml><?xml version="1.0" encoding="utf-8"?>
+<c:chartSpace xmlns:c="http://schemas.openxmlformats.org/drawingml/2006/chart" xmlns:a="http://schemas.openxmlformats.org/drawingml/2006/main" xmlns:r="http://schemas.openxmlformats.org/officeDocument/2006/relationships" xmlns:c16r2="http://schemas.microsoft.com/office/drawing/2015/06/chart">
+  <c:date1904 val="0"/>
+  <c:lang val="en-GB"/>
+  <c:roundedCorners val="0"/>
+  <mc:AlternateContent xmlns:mc="http://schemas.openxmlformats.org/markup-compatibility/2006">
+    <mc:Choice xmlns:c14="http://schemas.microsoft.com/office/drawing/2007/8/2/chart" Requires="c14">
+      <c14:style val="102"/>
+    </mc:Choice>
+    <mc:Fallback>
+      <c:style val="2"/>
+    </mc:Fallback>
+  </mc:AlternateContent>
+  <c:chart>
+    <c:title>
+      <c:tx>
+        <c:rich>
+          <a:bodyPr rot="0" spcFirstLastPara="1" vertOverflow="ellipsis" vert="horz" wrap="square" anchor="ctr" anchorCtr="1"/>
+          <a:lstStyle/>
+          <a:p>
+            <a:pPr>
+              <a:defRPr sz="1400" b="0" i="0" u="none" strike="noStrike" kern="1200" spc="0" baseline="0">
+                <a:solidFill>
+                  <a:schemeClr val="tx1">
+                    <a:lumMod val="65000"/>
+                    <a:lumOff val="35000"/>
+                  </a:schemeClr>
+                </a:solidFill>
+                <a:latin typeface="+mn-lt"/>
+                <a:ea typeface="+mn-ea"/>
+                <a:cs typeface="+mn-cs"/>
+              </a:defRPr>
+            </a:pPr>
+            <a:r>
+              <a:rPr lang="en-GB" sz="1800" b="0" i="0" baseline="0">
+                <a:effectLst/>
+              </a:rPr>
+              <a:t>Average whale presence and chl-a - SE</a:t>
+            </a:r>
+            <a:endParaRPr lang="en-AU">
+              <a:effectLst/>
+            </a:endParaRPr>
+          </a:p>
+        </c:rich>
+      </c:tx>
+      <c:overlay val="0"/>
+      <c:spPr>
+        <a:noFill/>
+        <a:ln>
+          <a:noFill/>
+        </a:ln>
+        <a:effectLst/>
+      </c:spPr>
+      <c:txPr>
+        <a:bodyPr rot="0" spcFirstLastPara="1" vertOverflow="ellipsis" vert="horz" wrap="square" anchor="ctr" anchorCtr="1"/>
+        <a:lstStyle/>
+        <a:p>
+          <a:pPr>
+            <a:defRPr sz="1400" b="0" i="0" u="none" strike="noStrike" kern="1200" spc="0" baseline="0">
+              <a:solidFill>
+                <a:schemeClr val="tx1">
+                  <a:lumMod val="65000"/>
+                  <a:lumOff val="35000"/>
+                </a:schemeClr>
+              </a:solidFill>
+              <a:latin typeface="+mn-lt"/>
+              <a:ea typeface="+mn-ea"/>
+              <a:cs typeface="+mn-cs"/>
+            </a:defRPr>
+          </a:pPr>
+          <a:endParaRPr lang="en-US"/>
+        </a:p>
+      </c:txPr>
+    </c:title>
+    <c:autoTitleDeleted val="0"/>
+    <c:plotArea>
+      <c:layout>
+        <c:manualLayout>
+          <c:layoutTarget val="inner"/>
+          <c:xMode val="edge"/>
+          <c:yMode val="edge"/>
+          <c:x val="7.6433312908496726E-2"/>
+          <c:y val="0.16025823713323714"/>
+          <c:w val="0.86684742647058821"/>
+          <c:h val="0.67986501924001919"/>
+        </c:manualLayout>
+      </c:layout>
+      <c:barChart>
+        <c:barDir val="col"/>
+        <c:grouping val="clustered"/>
+        <c:varyColors val="0"/>
+        <c:ser>
+          <c:idx val="0"/>
+          <c:order val="0"/>
+          <c:tx>
+            <c:v>whale presence</c:v>
+          </c:tx>
+          <c:spPr>
+            <a:solidFill>
+              <a:srgbClr val="002060"/>
+            </a:solidFill>
+            <a:ln>
+              <a:noFill/>
+            </a:ln>
+            <a:effectLst/>
+          </c:spPr>
+          <c:invertIfNegative val="0"/>
+          <c:val>
+            <c:numRef>
+              <c:f>'8daygroup'!$B$3:$B$48</c:f>
+              <c:numCache>
+                <c:formatCode>General</c:formatCode>
+                <c:ptCount val="46"/>
+                <c:pt idx="0">
+                  <c:v>2.6053880000000001E-2</c:v>
+                </c:pt>
+                <c:pt idx="1">
+                  <c:v>3.4731989999999997E-2</c:v>
+                </c:pt>
+                <c:pt idx="2">
+                  <c:v>3.376229E-2</c:v>
+                </c:pt>
+                <c:pt idx="3">
+                  <c:v>2.1159359999999999E-2</c:v>
+                </c:pt>
+                <c:pt idx="4">
+                  <c:v>6.6865350000000004E-2</c:v>
+                </c:pt>
+                <c:pt idx="5">
+                  <c:v>2.1874999999999999E-2</c:v>
+                </c:pt>
+                <c:pt idx="6">
+                  <c:v>4.9920850000000003E-2</c:v>
+                </c:pt>
+                <c:pt idx="7">
+                  <c:v>1.6368839999999999E-2</c:v>
+                </c:pt>
+                <c:pt idx="8">
+                  <c:v>4.3310580000000001E-2</c:v>
+                </c:pt>
+                <c:pt idx="9">
+                  <c:v>3.958623E-2</c:v>
+                </c:pt>
+                <c:pt idx="10">
+                  <c:v>7.0321729999999999E-2</c:v>
+                </c:pt>
+                <c:pt idx="11">
+                  <c:v>8.1381910000000002E-2</c:v>
+                </c:pt>
+                <c:pt idx="12">
+                  <c:v>5.078125E-2</c:v>
+                </c:pt>
+                <c:pt idx="13">
+                  <c:v>4.8368649999999999E-2</c:v>
+                </c:pt>
+                <c:pt idx="14">
+                  <c:v>4.3414349999999997E-2</c:v>
+                </c:pt>
+                <c:pt idx="15">
+                  <c:v>0.15458018000000001</c:v>
+                </c:pt>
+                <c:pt idx="16">
+                  <c:v>0.14607686</c:v>
+                </c:pt>
+                <c:pt idx="17">
+                  <c:v>0.16834774</c:v>
+                </c:pt>
+                <c:pt idx="18">
+                  <c:v>0.33298611</c:v>
+                </c:pt>
+                <c:pt idx="19">
+                  <c:v>0.46777428999999998</c:v>
+                </c:pt>
+                <c:pt idx="20">
+                  <c:v>0.54713173000000004</c:v>
+                </c:pt>
+                <c:pt idx="21">
+                  <c:v>0.58470955999999996</c:v>
+                </c:pt>
+                <c:pt idx="22">
+                  <c:v>0.61272800999999999</c:v>
+                </c:pt>
+                <c:pt idx="23">
+                  <c:v>0.51912703999999998</c:v>
+                </c:pt>
+                <c:pt idx="24">
+                  <c:v>0.47132987999999998</c:v>
+                </c:pt>
+                <c:pt idx="25">
+                  <c:v>0.49622825999999998</c:v>
+                </c:pt>
+                <c:pt idx="26">
+                  <c:v>0.65173610999999998</c:v>
+                </c:pt>
+                <c:pt idx="27">
+                  <c:v>0.75806788999999997</c:v>
+                </c:pt>
+                <c:pt idx="28">
+                  <c:v>0.74531354999999999</c:v>
+                </c:pt>
+                <c:pt idx="29">
+                  <c:v>0.70893751999999999</c:v>
+                </c:pt>
+                <c:pt idx="30">
+                  <c:v>0.77206142</c:v>
+                </c:pt>
+                <c:pt idx="31">
+                  <c:v>0.78463983999999998</c:v>
+                </c:pt>
+                <c:pt idx="32">
+                  <c:v>0.75787181000000003</c:v>
+                </c:pt>
+                <c:pt idx="33">
+                  <c:v>0.74021650000000005</c:v>
+                </c:pt>
+                <c:pt idx="34">
+                  <c:v>0.73305715000000005</c:v>
+                </c:pt>
+                <c:pt idx="35">
+                  <c:v>0.72641332000000003</c:v>
+                </c:pt>
+                <c:pt idx="36">
+                  <c:v>0.69709533999999995</c:v>
+                </c:pt>
+                <c:pt idx="37">
+                  <c:v>0.66845281000000001</c:v>
+                </c:pt>
+                <c:pt idx="38">
+                  <c:v>0.52459721000000004</c:v>
+                </c:pt>
+                <c:pt idx="39">
+                  <c:v>0.46363799</c:v>
+                </c:pt>
+                <c:pt idx="40">
+                  <c:v>0.32785045000000002</c:v>
+                </c:pt>
+                <c:pt idx="41">
+                  <c:v>0.25648324</c:v>
+                </c:pt>
+                <c:pt idx="42">
+                  <c:v>0.27721603</c:v>
+                </c:pt>
+                <c:pt idx="43">
+                  <c:v>0.23284473999999999</c:v>
+                </c:pt>
+                <c:pt idx="44">
+                  <c:v>0.15837610999999999</c:v>
+                </c:pt>
+                <c:pt idx="45">
+                  <c:v>7.7904660000000001E-2</c:v>
+                </c:pt>
+              </c:numCache>
+            </c:numRef>
+          </c:val>
+          <c:extLst>
+            <c:ext xmlns:c16="http://schemas.microsoft.com/office/drawing/2014/chart" uri="{C3380CC4-5D6E-409C-BE32-E72D297353CC}">
+              <c16:uniqueId val="{00000000-0E36-0C4E-A58F-07AD2804576E}"/>
+            </c:ext>
+          </c:extLst>
+        </c:ser>
+        <c:dLbls>
+          <c:showLegendKey val="0"/>
+          <c:showVal val="0"/>
+          <c:showCatName val="0"/>
+          <c:showSerName val="0"/>
+          <c:showPercent val="0"/>
+          <c:showBubbleSize val="0"/>
+        </c:dLbls>
+        <c:gapWidth val="50"/>
+        <c:overlap val="-27"/>
+        <c:axId val="307114927"/>
+        <c:axId val="187611167"/>
+      </c:barChart>
+      <c:lineChart>
+        <c:grouping val="standard"/>
+        <c:varyColors val="0"/>
+        <c:ser>
+          <c:idx val="1"/>
+          <c:order val="1"/>
+          <c:tx>
+            <c:v>chl-a</c:v>
+          </c:tx>
+          <c:spPr>
+            <a:ln w="28575" cap="rnd">
+              <a:solidFill>
+                <a:schemeClr val="accent6">
+                  <a:lumMod val="50000"/>
+                </a:schemeClr>
+              </a:solidFill>
+              <a:round/>
+            </a:ln>
+            <a:effectLst/>
+          </c:spPr>
+          <c:marker>
+            <c:symbol val="circle"/>
+            <c:size val="5"/>
+            <c:spPr>
+              <a:solidFill>
+                <a:schemeClr val="accent6">
+                  <a:lumMod val="50000"/>
+                </a:schemeClr>
+              </a:solidFill>
+              <a:ln w="9525">
+                <a:solidFill>
+                  <a:schemeClr val="accent6">
+                    <a:lumMod val="40000"/>
+                    <a:lumOff val="60000"/>
+                  </a:schemeClr>
+                </a:solidFill>
+              </a:ln>
+              <a:effectLst/>
+            </c:spPr>
+          </c:marker>
+          <c:val>
+            <c:numRef>
+              <c:f>'8daygroup'!$D$3:$D$48</c:f>
+              <c:numCache>
+                <c:formatCode>General</c:formatCode>
+                <c:ptCount val="46"/>
+                <c:pt idx="0">
+                  <c:v>0.108816</c:v>
+                </c:pt>
+                <c:pt idx="1">
+                  <c:v>0.10119</c:v>
+                </c:pt>
+                <c:pt idx="2">
+                  <c:v>0.103325</c:v>
+                </c:pt>
+                <c:pt idx="3">
+                  <c:v>0.11249099999999999</c:v>
+                </c:pt>
+                <c:pt idx="4">
+                  <c:v>0.116172</c:v>
+                </c:pt>
+                <c:pt idx="5">
+                  <c:v>0.107279</c:v>
+                </c:pt>
+                <c:pt idx="6">
+                  <c:v>0.103587</c:v>
+                </c:pt>
+                <c:pt idx="7">
+                  <c:v>0.110293</c:v>
+                </c:pt>
+                <c:pt idx="8">
+                  <c:v>0.102257</c:v>
+                </c:pt>
+                <c:pt idx="9">
+                  <c:v>9.7701999999999997E-2</c:v>
+                </c:pt>
+                <c:pt idx="10">
+                  <c:v>9.9617999999999998E-2</c:v>
+                </c:pt>
+                <c:pt idx="11">
+                  <c:v>0.103078</c:v>
+                </c:pt>
+                <c:pt idx="12">
+                  <c:v>0.104598</c:v>
+                </c:pt>
+                <c:pt idx="13">
+                  <c:v>0.107317</c:v>
+                </c:pt>
+                <c:pt idx="14">
+                  <c:v>0.108032</c:v>
+                </c:pt>
+                <c:pt idx="15">
+                  <c:v>0.11588</c:v>
+                </c:pt>
+                <c:pt idx="16">
+                  <c:v>0.12692400000000001</c:v>
+                </c:pt>
+                <c:pt idx="17">
+                  <c:v>0.12851799999999999</c:v>
+                </c:pt>
+                <c:pt idx="18">
+                  <c:v>0.133163</c:v>
+                </c:pt>
+                <c:pt idx="19">
+                  <c:v>0.15381700000000001</c:v>
+                </c:pt>
+                <c:pt idx="20">
+                  <c:v>0.17366500000000001</c:v>
+                </c:pt>
+                <c:pt idx="21">
+                  <c:v>0.173457</c:v>
+                </c:pt>
+                <c:pt idx="22">
+                  <c:v>0.192356</c:v>
+                </c:pt>
+                <c:pt idx="23">
+                  <c:v>0.187364</c:v>
+                </c:pt>
+                <c:pt idx="24">
+                  <c:v>0.184973</c:v>
+                </c:pt>
+                <c:pt idx="25">
+                  <c:v>0.197405</c:v>
+                </c:pt>
+                <c:pt idx="26">
+                  <c:v>0.20117499999999999</c:v>
+                </c:pt>
+                <c:pt idx="27">
+                  <c:v>0.187668</c:v>
+                </c:pt>
+                <c:pt idx="28">
+                  <c:v>0.174931</c:v>
+                </c:pt>
+                <c:pt idx="29">
+                  <c:v>0.17474600000000001</c:v>
+                </c:pt>
+                <c:pt idx="30">
+                  <c:v>0.18021899999999999</c:v>
+                </c:pt>
+                <c:pt idx="31">
+                  <c:v>0.16936699999999999</c:v>
+                </c:pt>
+                <c:pt idx="32">
+                  <c:v>0.147147</c:v>
+                </c:pt>
+                <c:pt idx="33">
+                  <c:v>0.15326000000000001</c:v>
+                </c:pt>
+                <c:pt idx="34">
+                  <c:v>0.14464299999999999</c:v>
+                </c:pt>
+                <c:pt idx="35">
+                  <c:v>0.14180300000000001</c:v>
+                </c:pt>
+                <c:pt idx="36">
+                  <c:v>0.13299800000000001</c:v>
+                </c:pt>
+                <c:pt idx="37">
+                  <c:v>0.13366700000000001</c:v>
+                </c:pt>
+                <c:pt idx="38">
+                  <c:v>0.120308</c:v>
+                </c:pt>
+                <c:pt idx="39">
+                  <c:v>0.109192</c:v>
+                </c:pt>
+                <c:pt idx="40">
+                  <c:v>0.111597</c:v>
+                </c:pt>
+                <c:pt idx="41">
+                  <c:v>0.103703</c:v>
+                </c:pt>
+                <c:pt idx="42">
+                  <c:v>0.103256</c:v>
+                </c:pt>
+                <c:pt idx="43">
+                  <c:v>0.105993</c:v>
+                </c:pt>
+                <c:pt idx="44">
+                  <c:v>0.103246</c:v>
+                </c:pt>
+                <c:pt idx="45">
+                  <c:v>0.10065200000000001</c:v>
+                </c:pt>
+              </c:numCache>
+            </c:numRef>
+          </c:val>
+          <c:smooth val="0"/>
+          <c:extLst>
+            <c:ext xmlns:c16="http://schemas.microsoft.com/office/drawing/2014/chart" uri="{C3380CC4-5D6E-409C-BE32-E72D297353CC}">
+              <c16:uniqueId val="{00000001-0E36-0C4E-A58F-07AD2804576E}"/>
+            </c:ext>
+          </c:extLst>
+        </c:ser>
+        <c:dLbls>
+          <c:showLegendKey val="0"/>
+          <c:showVal val="0"/>
+          <c:showCatName val="0"/>
+          <c:showSerName val="0"/>
+          <c:showPercent val="0"/>
+          <c:showBubbleSize val="0"/>
+        </c:dLbls>
+        <c:marker val="1"/>
+        <c:smooth val="0"/>
+        <c:axId val="187374831"/>
+        <c:axId val="462658415"/>
+      </c:lineChart>
+      <c:catAx>
+        <c:axId val="187374831"/>
+        <c:scaling>
+          <c:orientation val="minMax"/>
+        </c:scaling>
+        <c:delete val="1"/>
+        <c:axPos val="b"/>
+        <c:majorTickMark val="none"/>
+        <c:minorTickMark val="none"/>
+        <c:tickLblPos val="nextTo"/>
+        <c:crossAx val="462658415"/>
+        <c:crosses val="autoZero"/>
+        <c:auto val="1"/>
+        <c:lblAlgn val="ctr"/>
+        <c:lblOffset val="100"/>
+        <c:noMultiLvlLbl val="0"/>
+      </c:catAx>
+      <c:valAx>
+        <c:axId val="462658415"/>
+        <c:scaling>
+          <c:orientation val="minMax"/>
+          <c:min val="0"/>
+        </c:scaling>
+        <c:delete val="0"/>
+        <c:axPos val="l"/>
+        <c:majorGridlines>
+          <c:spPr>
+            <a:ln w="9525" cap="flat" cmpd="sng" algn="ctr">
+              <a:solidFill>
+                <a:schemeClr val="tx1">
+                  <a:lumMod val="15000"/>
+                  <a:lumOff val="85000"/>
+                </a:schemeClr>
+              </a:solidFill>
+              <a:round/>
+            </a:ln>
+            <a:effectLst/>
+          </c:spPr>
+        </c:majorGridlines>
+        <c:numFmt formatCode="General" sourceLinked="1"/>
+        <c:majorTickMark val="none"/>
+        <c:minorTickMark val="none"/>
+        <c:tickLblPos val="none"/>
+        <c:spPr>
+          <a:noFill/>
+          <a:ln>
+            <a:noFill/>
+          </a:ln>
+          <a:effectLst/>
+        </c:spPr>
+        <c:txPr>
+          <a:bodyPr rot="-60000000" spcFirstLastPara="1" vertOverflow="ellipsis" vert="horz" wrap="square" anchor="ctr" anchorCtr="1"/>
+          <a:lstStyle/>
+          <a:p>
+            <a:pPr>
+              <a:defRPr sz="900" b="0" i="0" u="none" strike="noStrike" kern="1200" baseline="0">
+                <a:solidFill>
+                  <a:schemeClr val="tx1">
+                    <a:lumMod val="65000"/>
+                    <a:lumOff val="35000"/>
+                  </a:schemeClr>
+                </a:solidFill>
+                <a:latin typeface="+mn-lt"/>
+                <a:ea typeface="+mn-ea"/>
+                <a:cs typeface="+mn-cs"/>
+              </a:defRPr>
+            </a:pPr>
+            <a:endParaRPr lang="en-US"/>
+          </a:p>
+        </c:txPr>
+        <c:crossAx val="187374831"/>
+        <c:crosses val="autoZero"/>
+        <c:crossBetween val="between"/>
+        <c:majorUnit val="2.5000000000000005E-2"/>
       </c:valAx>
       <c:valAx>
         <c:axId val="187611167"/>
@@ -3653,6 +6413,166 @@
 </cs:colorStyle>
 </file>
 
+<file path=ppt/charts/colors6.xml><?xml version="1.0" encoding="utf-8"?>
+<cs:colorStyle xmlns:cs="http://schemas.microsoft.com/office/drawing/2012/chartStyle" xmlns:a="http://schemas.openxmlformats.org/drawingml/2006/main" meth="cycle" id="10">
+  <a:schemeClr val="accent1"/>
+  <a:schemeClr val="accent2"/>
+  <a:schemeClr val="accent3"/>
+  <a:schemeClr val="accent4"/>
+  <a:schemeClr val="accent5"/>
+  <a:schemeClr val="accent6"/>
+  <cs:variation/>
+  <cs:variation>
+    <a:lumMod val="60000"/>
+  </cs:variation>
+  <cs:variation>
+    <a:lumMod val="80000"/>
+    <a:lumOff val="20000"/>
+  </cs:variation>
+  <cs:variation>
+    <a:lumMod val="80000"/>
+  </cs:variation>
+  <cs:variation>
+    <a:lumMod val="60000"/>
+    <a:lumOff val="40000"/>
+  </cs:variation>
+  <cs:variation>
+    <a:lumMod val="50000"/>
+  </cs:variation>
+  <cs:variation>
+    <a:lumMod val="70000"/>
+    <a:lumOff val="30000"/>
+  </cs:variation>
+  <cs:variation>
+    <a:lumMod val="70000"/>
+  </cs:variation>
+  <cs:variation>
+    <a:lumMod val="50000"/>
+    <a:lumOff val="50000"/>
+  </cs:variation>
+</cs:colorStyle>
+</file>
+
+<file path=ppt/charts/colors7.xml><?xml version="1.0" encoding="utf-8"?>
+<cs:colorStyle xmlns:cs="http://schemas.microsoft.com/office/drawing/2012/chartStyle" xmlns:a="http://schemas.openxmlformats.org/drawingml/2006/main" meth="cycle" id="10">
+  <a:schemeClr val="accent1"/>
+  <a:schemeClr val="accent2"/>
+  <a:schemeClr val="accent3"/>
+  <a:schemeClr val="accent4"/>
+  <a:schemeClr val="accent5"/>
+  <a:schemeClr val="accent6"/>
+  <cs:variation/>
+  <cs:variation>
+    <a:lumMod val="60000"/>
+  </cs:variation>
+  <cs:variation>
+    <a:lumMod val="80000"/>
+    <a:lumOff val="20000"/>
+  </cs:variation>
+  <cs:variation>
+    <a:lumMod val="80000"/>
+  </cs:variation>
+  <cs:variation>
+    <a:lumMod val="60000"/>
+    <a:lumOff val="40000"/>
+  </cs:variation>
+  <cs:variation>
+    <a:lumMod val="50000"/>
+  </cs:variation>
+  <cs:variation>
+    <a:lumMod val="70000"/>
+    <a:lumOff val="30000"/>
+  </cs:variation>
+  <cs:variation>
+    <a:lumMod val="70000"/>
+  </cs:variation>
+  <cs:variation>
+    <a:lumMod val="50000"/>
+    <a:lumOff val="50000"/>
+  </cs:variation>
+</cs:colorStyle>
+</file>
+
+<file path=ppt/charts/colors8.xml><?xml version="1.0" encoding="utf-8"?>
+<cs:colorStyle xmlns:cs="http://schemas.microsoft.com/office/drawing/2012/chartStyle" xmlns:a="http://schemas.openxmlformats.org/drawingml/2006/main" meth="cycle" id="10">
+  <a:schemeClr val="accent1"/>
+  <a:schemeClr val="accent2"/>
+  <a:schemeClr val="accent3"/>
+  <a:schemeClr val="accent4"/>
+  <a:schemeClr val="accent5"/>
+  <a:schemeClr val="accent6"/>
+  <cs:variation/>
+  <cs:variation>
+    <a:lumMod val="60000"/>
+  </cs:variation>
+  <cs:variation>
+    <a:lumMod val="80000"/>
+    <a:lumOff val="20000"/>
+  </cs:variation>
+  <cs:variation>
+    <a:lumMod val="80000"/>
+  </cs:variation>
+  <cs:variation>
+    <a:lumMod val="60000"/>
+    <a:lumOff val="40000"/>
+  </cs:variation>
+  <cs:variation>
+    <a:lumMod val="50000"/>
+  </cs:variation>
+  <cs:variation>
+    <a:lumMod val="70000"/>
+    <a:lumOff val="30000"/>
+  </cs:variation>
+  <cs:variation>
+    <a:lumMod val="70000"/>
+  </cs:variation>
+  <cs:variation>
+    <a:lumMod val="50000"/>
+    <a:lumOff val="50000"/>
+  </cs:variation>
+</cs:colorStyle>
+</file>
+
+<file path=ppt/charts/colors9.xml><?xml version="1.0" encoding="utf-8"?>
+<cs:colorStyle xmlns:cs="http://schemas.microsoft.com/office/drawing/2012/chartStyle" xmlns:a="http://schemas.openxmlformats.org/drawingml/2006/main" meth="cycle" id="10">
+  <a:schemeClr val="accent1"/>
+  <a:schemeClr val="accent2"/>
+  <a:schemeClr val="accent3"/>
+  <a:schemeClr val="accent4"/>
+  <a:schemeClr val="accent5"/>
+  <a:schemeClr val="accent6"/>
+  <cs:variation/>
+  <cs:variation>
+    <a:lumMod val="60000"/>
+  </cs:variation>
+  <cs:variation>
+    <a:lumMod val="80000"/>
+    <a:lumOff val="20000"/>
+  </cs:variation>
+  <cs:variation>
+    <a:lumMod val="80000"/>
+  </cs:variation>
+  <cs:variation>
+    <a:lumMod val="60000"/>
+    <a:lumOff val="40000"/>
+  </cs:variation>
+  <cs:variation>
+    <a:lumMod val="50000"/>
+  </cs:variation>
+  <cs:variation>
+    <a:lumMod val="70000"/>
+    <a:lumOff val="30000"/>
+  </cs:variation>
+  <cs:variation>
+    <a:lumMod val="70000"/>
+  </cs:variation>
+  <cs:variation>
+    <a:lumMod val="50000"/>
+    <a:lumOff val="50000"/>
+  </cs:variation>
+</cs:colorStyle>
+</file>
+
 <file path=ppt/charts/style1.xml><?xml version="1.0" encoding="utf-8"?>
 <cs:chartStyle xmlns:cs="http://schemas.microsoft.com/office/drawing/2012/chartStyle" xmlns:a="http://schemas.openxmlformats.org/drawingml/2006/main" id="201">
   <cs:axisTitle>
@@ -5666,6 +8586,2018 @@
 </file>
 
 <file path=ppt/charts/style5.xml><?xml version="1.0" encoding="utf-8"?>
+<cs:chartStyle xmlns:cs="http://schemas.microsoft.com/office/drawing/2012/chartStyle" xmlns:a="http://schemas.openxmlformats.org/drawingml/2006/main" id="201">
+  <cs:axisTitle>
+    <cs:lnRef idx="0"/>
+    <cs:fillRef idx="0"/>
+    <cs:effectRef idx="0"/>
+    <cs:fontRef idx="minor">
+      <a:schemeClr val="tx1">
+        <a:lumMod val="65000"/>
+        <a:lumOff val="35000"/>
+      </a:schemeClr>
+    </cs:fontRef>
+    <cs:defRPr sz="1000" kern="1200"/>
+  </cs:axisTitle>
+  <cs:categoryAxis>
+    <cs:lnRef idx="0"/>
+    <cs:fillRef idx="0"/>
+    <cs:effectRef idx="0"/>
+    <cs:fontRef idx="minor">
+      <a:schemeClr val="tx1">
+        <a:lumMod val="65000"/>
+        <a:lumOff val="35000"/>
+      </a:schemeClr>
+    </cs:fontRef>
+    <cs:spPr>
+      <a:ln w="9525" cap="flat" cmpd="sng" algn="ctr">
+        <a:solidFill>
+          <a:schemeClr val="tx1">
+            <a:lumMod val="15000"/>
+            <a:lumOff val="85000"/>
+          </a:schemeClr>
+        </a:solidFill>
+        <a:round/>
+      </a:ln>
+    </cs:spPr>
+    <cs:defRPr sz="900" kern="1200"/>
+  </cs:categoryAxis>
+  <cs:chartArea mods="allowNoFillOverride allowNoLineOverride">
+    <cs:lnRef idx="0"/>
+    <cs:fillRef idx="0"/>
+    <cs:effectRef idx="0"/>
+    <cs:fontRef idx="minor">
+      <a:schemeClr val="tx1"/>
+    </cs:fontRef>
+    <cs:spPr>
+      <a:solidFill>
+        <a:schemeClr val="bg1"/>
+      </a:solidFill>
+      <a:ln w="9525" cap="flat" cmpd="sng" algn="ctr">
+        <a:solidFill>
+          <a:schemeClr val="tx1">
+            <a:lumMod val="15000"/>
+            <a:lumOff val="85000"/>
+          </a:schemeClr>
+        </a:solidFill>
+        <a:round/>
+      </a:ln>
+    </cs:spPr>
+    <cs:defRPr sz="1000" kern="1200"/>
+  </cs:chartArea>
+  <cs:dataLabel>
+    <cs:lnRef idx="0"/>
+    <cs:fillRef idx="0"/>
+    <cs:effectRef idx="0"/>
+    <cs:fontRef idx="minor">
+      <a:schemeClr val="tx1">
+        <a:lumMod val="75000"/>
+        <a:lumOff val="25000"/>
+      </a:schemeClr>
+    </cs:fontRef>
+    <cs:defRPr sz="900" kern="1200"/>
+  </cs:dataLabel>
+  <cs:dataLabelCallout>
+    <cs:lnRef idx="0"/>
+    <cs:fillRef idx="0"/>
+    <cs:effectRef idx="0"/>
+    <cs:fontRef idx="minor">
+      <a:schemeClr val="dk1">
+        <a:lumMod val="65000"/>
+        <a:lumOff val="35000"/>
+      </a:schemeClr>
+    </cs:fontRef>
+    <cs:spPr>
+      <a:solidFill>
+        <a:schemeClr val="lt1"/>
+      </a:solidFill>
+      <a:ln>
+        <a:solidFill>
+          <a:schemeClr val="dk1">
+            <a:lumMod val="25000"/>
+            <a:lumOff val="75000"/>
+          </a:schemeClr>
+        </a:solidFill>
+      </a:ln>
+    </cs:spPr>
+    <cs:defRPr sz="900" kern="1200"/>
+    <cs:bodyPr rot="0" spcFirstLastPara="1" vertOverflow="clip" horzOverflow="clip" vert="horz" wrap="square" lIns="36576" tIns="18288" rIns="36576" bIns="18288" anchor="ctr" anchorCtr="1">
+      <a:spAutoFit/>
+    </cs:bodyPr>
+  </cs:dataLabelCallout>
+  <cs:dataPoint>
+    <cs:lnRef idx="0"/>
+    <cs:fillRef idx="1">
+      <cs:styleClr val="auto"/>
+    </cs:fillRef>
+    <cs:effectRef idx="0"/>
+    <cs:fontRef idx="minor">
+      <a:schemeClr val="tx1"/>
+    </cs:fontRef>
+  </cs:dataPoint>
+  <cs:dataPoint3D>
+    <cs:lnRef idx="0"/>
+    <cs:fillRef idx="1">
+      <cs:styleClr val="auto"/>
+    </cs:fillRef>
+    <cs:effectRef idx="0"/>
+    <cs:fontRef idx="minor">
+      <a:schemeClr val="tx1"/>
+    </cs:fontRef>
+  </cs:dataPoint3D>
+  <cs:dataPointLine>
+    <cs:lnRef idx="0">
+      <cs:styleClr val="auto"/>
+    </cs:lnRef>
+    <cs:fillRef idx="1"/>
+    <cs:effectRef idx="0"/>
+    <cs:fontRef idx="minor">
+      <a:schemeClr val="tx1"/>
+    </cs:fontRef>
+    <cs:spPr>
+      <a:ln w="28575" cap="rnd">
+        <a:solidFill>
+          <a:schemeClr val="phClr"/>
+        </a:solidFill>
+        <a:round/>
+      </a:ln>
+    </cs:spPr>
+  </cs:dataPointLine>
+  <cs:dataPointMarker>
+    <cs:lnRef idx="0">
+      <cs:styleClr val="auto"/>
+    </cs:lnRef>
+    <cs:fillRef idx="1">
+      <cs:styleClr val="auto"/>
+    </cs:fillRef>
+    <cs:effectRef idx="0"/>
+    <cs:fontRef idx="minor">
+      <a:schemeClr val="tx1"/>
+    </cs:fontRef>
+    <cs:spPr>
+      <a:ln w="9525">
+        <a:solidFill>
+          <a:schemeClr val="phClr"/>
+        </a:solidFill>
+      </a:ln>
+    </cs:spPr>
+  </cs:dataPointMarker>
+  <cs:dataPointMarkerLayout symbol="circle" size="5"/>
+  <cs:dataPointWireframe>
+    <cs:lnRef idx="0">
+      <cs:styleClr val="auto"/>
+    </cs:lnRef>
+    <cs:fillRef idx="1"/>
+    <cs:effectRef idx="0"/>
+    <cs:fontRef idx="minor">
+      <a:schemeClr val="tx1"/>
+    </cs:fontRef>
+    <cs:spPr>
+      <a:ln w="9525" cap="rnd">
+        <a:solidFill>
+          <a:schemeClr val="phClr"/>
+        </a:solidFill>
+        <a:round/>
+      </a:ln>
+    </cs:spPr>
+  </cs:dataPointWireframe>
+  <cs:dataTable>
+    <cs:lnRef idx="0"/>
+    <cs:fillRef idx="0"/>
+    <cs:effectRef idx="0"/>
+    <cs:fontRef idx="minor">
+      <a:schemeClr val="tx1">
+        <a:lumMod val="65000"/>
+        <a:lumOff val="35000"/>
+      </a:schemeClr>
+    </cs:fontRef>
+    <cs:spPr>
+      <a:noFill/>
+      <a:ln w="9525" cap="flat" cmpd="sng" algn="ctr">
+        <a:solidFill>
+          <a:schemeClr val="tx1">
+            <a:lumMod val="15000"/>
+            <a:lumOff val="85000"/>
+          </a:schemeClr>
+        </a:solidFill>
+        <a:round/>
+      </a:ln>
+    </cs:spPr>
+    <cs:defRPr sz="900" kern="1200"/>
+  </cs:dataTable>
+  <cs:downBar>
+    <cs:lnRef idx="0"/>
+    <cs:fillRef idx="0"/>
+    <cs:effectRef idx="0"/>
+    <cs:fontRef idx="minor">
+      <a:schemeClr val="dk1"/>
+    </cs:fontRef>
+    <cs:spPr>
+      <a:solidFill>
+        <a:schemeClr val="dk1">
+          <a:lumMod val="65000"/>
+          <a:lumOff val="35000"/>
+        </a:schemeClr>
+      </a:solidFill>
+      <a:ln w="9525">
+        <a:solidFill>
+          <a:schemeClr val="tx1">
+            <a:lumMod val="65000"/>
+            <a:lumOff val="35000"/>
+          </a:schemeClr>
+        </a:solidFill>
+      </a:ln>
+    </cs:spPr>
+  </cs:downBar>
+  <cs:dropLine>
+    <cs:lnRef idx="0"/>
+    <cs:fillRef idx="0"/>
+    <cs:effectRef idx="0"/>
+    <cs:fontRef idx="minor">
+      <a:schemeClr val="tx1"/>
+    </cs:fontRef>
+    <cs:spPr>
+      <a:ln w="9525" cap="flat" cmpd="sng" algn="ctr">
+        <a:solidFill>
+          <a:schemeClr val="tx1">
+            <a:lumMod val="35000"/>
+            <a:lumOff val="65000"/>
+          </a:schemeClr>
+        </a:solidFill>
+        <a:round/>
+      </a:ln>
+    </cs:spPr>
+  </cs:dropLine>
+  <cs:errorBar>
+    <cs:lnRef idx="0"/>
+    <cs:fillRef idx="0"/>
+    <cs:effectRef idx="0"/>
+    <cs:fontRef idx="minor">
+      <a:schemeClr val="tx1"/>
+    </cs:fontRef>
+    <cs:spPr>
+      <a:ln w="9525" cap="flat" cmpd="sng" algn="ctr">
+        <a:solidFill>
+          <a:schemeClr val="tx1">
+            <a:lumMod val="65000"/>
+            <a:lumOff val="35000"/>
+          </a:schemeClr>
+        </a:solidFill>
+        <a:round/>
+      </a:ln>
+    </cs:spPr>
+  </cs:errorBar>
+  <cs:floor>
+    <cs:lnRef idx="0"/>
+    <cs:fillRef idx="0"/>
+    <cs:effectRef idx="0"/>
+    <cs:fontRef idx="minor">
+      <a:schemeClr val="tx1"/>
+    </cs:fontRef>
+    <cs:spPr>
+      <a:noFill/>
+      <a:ln>
+        <a:noFill/>
+      </a:ln>
+    </cs:spPr>
+  </cs:floor>
+  <cs:gridlineMajor>
+    <cs:lnRef idx="0"/>
+    <cs:fillRef idx="0"/>
+    <cs:effectRef idx="0"/>
+    <cs:fontRef idx="minor">
+      <a:schemeClr val="tx1"/>
+    </cs:fontRef>
+    <cs:spPr>
+      <a:ln w="9525" cap="flat" cmpd="sng" algn="ctr">
+        <a:solidFill>
+          <a:schemeClr val="tx1">
+            <a:lumMod val="15000"/>
+            <a:lumOff val="85000"/>
+          </a:schemeClr>
+        </a:solidFill>
+        <a:round/>
+      </a:ln>
+    </cs:spPr>
+  </cs:gridlineMajor>
+  <cs:gridlineMinor>
+    <cs:lnRef idx="0"/>
+    <cs:fillRef idx="0"/>
+    <cs:effectRef idx="0"/>
+    <cs:fontRef idx="minor">
+      <a:schemeClr val="tx1"/>
+    </cs:fontRef>
+    <cs:spPr>
+      <a:ln w="9525" cap="flat" cmpd="sng" algn="ctr">
+        <a:solidFill>
+          <a:schemeClr val="tx1">
+            <a:lumMod val="5000"/>
+            <a:lumOff val="95000"/>
+          </a:schemeClr>
+        </a:solidFill>
+        <a:round/>
+      </a:ln>
+    </cs:spPr>
+  </cs:gridlineMinor>
+  <cs:hiLoLine>
+    <cs:lnRef idx="0"/>
+    <cs:fillRef idx="0"/>
+    <cs:effectRef idx="0"/>
+    <cs:fontRef idx="minor">
+      <a:schemeClr val="tx1"/>
+    </cs:fontRef>
+    <cs:spPr>
+      <a:ln w="9525" cap="flat" cmpd="sng" algn="ctr">
+        <a:solidFill>
+          <a:schemeClr val="tx1">
+            <a:lumMod val="75000"/>
+            <a:lumOff val="25000"/>
+          </a:schemeClr>
+        </a:solidFill>
+        <a:round/>
+      </a:ln>
+    </cs:spPr>
+  </cs:hiLoLine>
+  <cs:leaderLine>
+    <cs:lnRef idx="0"/>
+    <cs:fillRef idx="0"/>
+    <cs:effectRef idx="0"/>
+    <cs:fontRef idx="minor">
+      <a:schemeClr val="tx1"/>
+    </cs:fontRef>
+    <cs:spPr>
+      <a:ln w="9525" cap="flat" cmpd="sng" algn="ctr">
+        <a:solidFill>
+          <a:schemeClr val="tx1">
+            <a:lumMod val="35000"/>
+            <a:lumOff val="65000"/>
+          </a:schemeClr>
+        </a:solidFill>
+        <a:round/>
+      </a:ln>
+    </cs:spPr>
+  </cs:leaderLine>
+  <cs:legend>
+    <cs:lnRef idx="0"/>
+    <cs:fillRef idx="0"/>
+    <cs:effectRef idx="0"/>
+    <cs:fontRef idx="minor">
+      <a:schemeClr val="tx1">
+        <a:lumMod val="65000"/>
+        <a:lumOff val="35000"/>
+      </a:schemeClr>
+    </cs:fontRef>
+    <cs:defRPr sz="900" kern="1200"/>
+  </cs:legend>
+  <cs:plotArea mods="allowNoFillOverride allowNoLineOverride">
+    <cs:lnRef idx="0"/>
+    <cs:fillRef idx="0"/>
+    <cs:effectRef idx="0"/>
+    <cs:fontRef idx="minor">
+      <a:schemeClr val="tx1"/>
+    </cs:fontRef>
+  </cs:plotArea>
+  <cs:plotArea3D mods="allowNoFillOverride allowNoLineOverride">
+    <cs:lnRef idx="0"/>
+    <cs:fillRef idx="0"/>
+    <cs:effectRef idx="0"/>
+    <cs:fontRef idx="minor">
+      <a:schemeClr val="tx1"/>
+    </cs:fontRef>
+  </cs:plotArea3D>
+  <cs:seriesAxis>
+    <cs:lnRef idx="0"/>
+    <cs:fillRef idx="0"/>
+    <cs:effectRef idx="0"/>
+    <cs:fontRef idx="minor">
+      <a:schemeClr val="tx1">
+        <a:lumMod val="65000"/>
+        <a:lumOff val="35000"/>
+      </a:schemeClr>
+    </cs:fontRef>
+    <cs:defRPr sz="900" kern="1200"/>
+  </cs:seriesAxis>
+  <cs:seriesLine>
+    <cs:lnRef idx="0"/>
+    <cs:fillRef idx="0"/>
+    <cs:effectRef idx="0"/>
+    <cs:fontRef idx="minor">
+      <a:schemeClr val="tx1"/>
+    </cs:fontRef>
+    <cs:spPr>
+      <a:ln w="9525" cap="flat" cmpd="sng" algn="ctr">
+        <a:solidFill>
+          <a:schemeClr val="tx1">
+            <a:lumMod val="35000"/>
+            <a:lumOff val="65000"/>
+          </a:schemeClr>
+        </a:solidFill>
+        <a:round/>
+      </a:ln>
+    </cs:spPr>
+  </cs:seriesLine>
+  <cs:title>
+    <cs:lnRef idx="0"/>
+    <cs:fillRef idx="0"/>
+    <cs:effectRef idx="0"/>
+    <cs:fontRef idx="minor">
+      <a:schemeClr val="tx1">
+        <a:lumMod val="65000"/>
+        <a:lumOff val="35000"/>
+      </a:schemeClr>
+    </cs:fontRef>
+    <cs:defRPr sz="1400" b="0" kern="1200" spc="0" baseline="0"/>
+  </cs:title>
+  <cs:trendline>
+    <cs:lnRef idx="0">
+      <cs:styleClr val="auto"/>
+    </cs:lnRef>
+    <cs:fillRef idx="0"/>
+    <cs:effectRef idx="0"/>
+    <cs:fontRef idx="minor">
+      <a:schemeClr val="tx1"/>
+    </cs:fontRef>
+    <cs:spPr>
+      <a:ln w="19050" cap="rnd">
+        <a:solidFill>
+          <a:schemeClr val="phClr"/>
+        </a:solidFill>
+        <a:prstDash val="sysDot"/>
+      </a:ln>
+    </cs:spPr>
+  </cs:trendline>
+  <cs:trendlineLabel>
+    <cs:lnRef idx="0"/>
+    <cs:fillRef idx="0"/>
+    <cs:effectRef idx="0"/>
+    <cs:fontRef idx="minor">
+      <a:schemeClr val="tx1">
+        <a:lumMod val="65000"/>
+        <a:lumOff val="35000"/>
+      </a:schemeClr>
+    </cs:fontRef>
+    <cs:defRPr sz="900" kern="1200"/>
+  </cs:trendlineLabel>
+  <cs:upBar>
+    <cs:lnRef idx="0"/>
+    <cs:fillRef idx="0"/>
+    <cs:effectRef idx="0"/>
+    <cs:fontRef idx="minor">
+      <a:schemeClr val="dk1"/>
+    </cs:fontRef>
+    <cs:spPr>
+      <a:solidFill>
+        <a:schemeClr val="lt1"/>
+      </a:solidFill>
+      <a:ln w="9525">
+        <a:solidFill>
+          <a:schemeClr val="tx1">
+            <a:lumMod val="15000"/>
+            <a:lumOff val="85000"/>
+          </a:schemeClr>
+        </a:solidFill>
+      </a:ln>
+    </cs:spPr>
+  </cs:upBar>
+  <cs:valueAxis>
+    <cs:lnRef idx="0"/>
+    <cs:fillRef idx="0"/>
+    <cs:effectRef idx="0"/>
+    <cs:fontRef idx="minor">
+      <a:schemeClr val="tx1">
+        <a:lumMod val="65000"/>
+        <a:lumOff val="35000"/>
+      </a:schemeClr>
+    </cs:fontRef>
+    <cs:defRPr sz="900" kern="1200"/>
+  </cs:valueAxis>
+  <cs:wall>
+    <cs:lnRef idx="0"/>
+    <cs:fillRef idx="0"/>
+    <cs:effectRef idx="0"/>
+    <cs:fontRef idx="minor">
+      <a:schemeClr val="tx1"/>
+    </cs:fontRef>
+    <cs:spPr>
+      <a:noFill/>
+      <a:ln>
+        <a:noFill/>
+      </a:ln>
+    </cs:spPr>
+  </cs:wall>
+</cs:chartStyle>
+</file>
+
+<file path=ppt/charts/style6.xml><?xml version="1.0" encoding="utf-8"?>
+<cs:chartStyle xmlns:cs="http://schemas.microsoft.com/office/drawing/2012/chartStyle" xmlns:a="http://schemas.openxmlformats.org/drawingml/2006/main" id="201">
+  <cs:axisTitle>
+    <cs:lnRef idx="0"/>
+    <cs:fillRef idx="0"/>
+    <cs:effectRef idx="0"/>
+    <cs:fontRef idx="minor">
+      <a:schemeClr val="tx1">
+        <a:lumMod val="65000"/>
+        <a:lumOff val="35000"/>
+      </a:schemeClr>
+    </cs:fontRef>
+    <cs:defRPr sz="1000" kern="1200"/>
+  </cs:axisTitle>
+  <cs:categoryAxis>
+    <cs:lnRef idx="0"/>
+    <cs:fillRef idx="0"/>
+    <cs:effectRef idx="0"/>
+    <cs:fontRef idx="minor">
+      <a:schemeClr val="tx1">
+        <a:lumMod val="65000"/>
+        <a:lumOff val="35000"/>
+      </a:schemeClr>
+    </cs:fontRef>
+    <cs:spPr>
+      <a:ln w="9525" cap="flat" cmpd="sng" algn="ctr">
+        <a:solidFill>
+          <a:schemeClr val="tx1">
+            <a:lumMod val="15000"/>
+            <a:lumOff val="85000"/>
+          </a:schemeClr>
+        </a:solidFill>
+        <a:round/>
+      </a:ln>
+    </cs:spPr>
+    <cs:defRPr sz="900" kern="1200"/>
+  </cs:categoryAxis>
+  <cs:chartArea mods="allowNoFillOverride allowNoLineOverride">
+    <cs:lnRef idx="0"/>
+    <cs:fillRef idx="0"/>
+    <cs:effectRef idx="0"/>
+    <cs:fontRef idx="minor">
+      <a:schemeClr val="tx1"/>
+    </cs:fontRef>
+    <cs:spPr>
+      <a:solidFill>
+        <a:schemeClr val="bg1"/>
+      </a:solidFill>
+      <a:ln w="9525" cap="flat" cmpd="sng" algn="ctr">
+        <a:solidFill>
+          <a:schemeClr val="tx1">
+            <a:lumMod val="15000"/>
+            <a:lumOff val="85000"/>
+          </a:schemeClr>
+        </a:solidFill>
+        <a:round/>
+      </a:ln>
+    </cs:spPr>
+    <cs:defRPr sz="1000" kern="1200"/>
+  </cs:chartArea>
+  <cs:dataLabel>
+    <cs:lnRef idx="0"/>
+    <cs:fillRef idx="0"/>
+    <cs:effectRef idx="0"/>
+    <cs:fontRef idx="minor">
+      <a:schemeClr val="tx1">
+        <a:lumMod val="75000"/>
+        <a:lumOff val="25000"/>
+      </a:schemeClr>
+    </cs:fontRef>
+    <cs:defRPr sz="900" kern="1200"/>
+  </cs:dataLabel>
+  <cs:dataLabelCallout>
+    <cs:lnRef idx="0"/>
+    <cs:fillRef idx="0"/>
+    <cs:effectRef idx="0"/>
+    <cs:fontRef idx="minor">
+      <a:schemeClr val="dk1">
+        <a:lumMod val="65000"/>
+        <a:lumOff val="35000"/>
+      </a:schemeClr>
+    </cs:fontRef>
+    <cs:spPr>
+      <a:solidFill>
+        <a:schemeClr val="lt1"/>
+      </a:solidFill>
+      <a:ln>
+        <a:solidFill>
+          <a:schemeClr val="dk1">
+            <a:lumMod val="25000"/>
+            <a:lumOff val="75000"/>
+          </a:schemeClr>
+        </a:solidFill>
+      </a:ln>
+    </cs:spPr>
+    <cs:defRPr sz="900" kern="1200"/>
+    <cs:bodyPr rot="0" spcFirstLastPara="1" vertOverflow="clip" horzOverflow="clip" vert="horz" wrap="square" lIns="36576" tIns="18288" rIns="36576" bIns="18288" anchor="ctr" anchorCtr="1">
+      <a:spAutoFit/>
+    </cs:bodyPr>
+  </cs:dataLabelCallout>
+  <cs:dataPoint>
+    <cs:lnRef idx="0"/>
+    <cs:fillRef idx="1">
+      <cs:styleClr val="auto"/>
+    </cs:fillRef>
+    <cs:effectRef idx="0"/>
+    <cs:fontRef idx="minor">
+      <a:schemeClr val="tx1"/>
+    </cs:fontRef>
+  </cs:dataPoint>
+  <cs:dataPoint3D>
+    <cs:lnRef idx="0"/>
+    <cs:fillRef idx="1">
+      <cs:styleClr val="auto"/>
+    </cs:fillRef>
+    <cs:effectRef idx="0"/>
+    <cs:fontRef idx="minor">
+      <a:schemeClr val="tx1"/>
+    </cs:fontRef>
+  </cs:dataPoint3D>
+  <cs:dataPointLine>
+    <cs:lnRef idx="0">
+      <cs:styleClr val="auto"/>
+    </cs:lnRef>
+    <cs:fillRef idx="1"/>
+    <cs:effectRef idx="0"/>
+    <cs:fontRef idx="minor">
+      <a:schemeClr val="tx1"/>
+    </cs:fontRef>
+    <cs:spPr>
+      <a:ln w="28575" cap="rnd">
+        <a:solidFill>
+          <a:schemeClr val="phClr"/>
+        </a:solidFill>
+        <a:round/>
+      </a:ln>
+    </cs:spPr>
+  </cs:dataPointLine>
+  <cs:dataPointMarker>
+    <cs:lnRef idx="0">
+      <cs:styleClr val="auto"/>
+    </cs:lnRef>
+    <cs:fillRef idx="1">
+      <cs:styleClr val="auto"/>
+    </cs:fillRef>
+    <cs:effectRef idx="0"/>
+    <cs:fontRef idx="minor">
+      <a:schemeClr val="tx1"/>
+    </cs:fontRef>
+    <cs:spPr>
+      <a:ln w="9525">
+        <a:solidFill>
+          <a:schemeClr val="phClr"/>
+        </a:solidFill>
+      </a:ln>
+    </cs:spPr>
+  </cs:dataPointMarker>
+  <cs:dataPointMarkerLayout symbol="circle" size="5"/>
+  <cs:dataPointWireframe>
+    <cs:lnRef idx="0">
+      <cs:styleClr val="auto"/>
+    </cs:lnRef>
+    <cs:fillRef idx="1"/>
+    <cs:effectRef idx="0"/>
+    <cs:fontRef idx="minor">
+      <a:schemeClr val="tx1"/>
+    </cs:fontRef>
+    <cs:spPr>
+      <a:ln w="9525" cap="rnd">
+        <a:solidFill>
+          <a:schemeClr val="phClr"/>
+        </a:solidFill>
+        <a:round/>
+      </a:ln>
+    </cs:spPr>
+  </cs:dataPointWireframe>
+  <cs:dataTable>
+    <cs:lnRef idx="0"/>
+    <cs:fillRef idx="0"/>
+    <cs:effectRef idx="0"/>
+    <cs:fontRef idx="minor">
+      <a:schemeClr val="tx1">
+        <a:lumMod val="65000"/>
+        <a:lumOff val="35000"/>
+      </a:schemeClr>
+    </cs:fontRef>
+    <cs:spPr>
+      <a:noFill/>
+      <a:ln w="9525" cap="flat" cmpd="sng" algn="ctr">
+        <a:solidFill>
+          <a:schemeClr val="tx1">
+            <a:lumMod val="15000"/>
+            <a:lumOff val="85000"/>
+          </a:schemeClr>
+        </a:solidFill>
+        <a:round/>
+      </a:ln>
+    </cs:spPr>
+    <cs:defRPr sz="900" kern="1200"/>
+  </cs:dataTable>
+  <cs:downBar>
+    <cs:lnRef idx="0"/>
+    <cs:fillRef idx="0"/>
+    <cs:effectRef idx="0"/>
+    <cs:fontRef idx="minor">
+      <a:schemeClr val="dk1"/>
+    </cs:fontRef>
+    <cs:spPr>
+      <a:solidFill>
+        <a:schemeClr val="dk1">
+          <a:lumMod val="65000"/>
+          <a:lumOff val="35000"/>
+        </a:schemeClr>
+      </a:solidFill>
+      <a:ln w="9525">
+        <a:solidFill>
+          <a:schemeClr val="tx1">
+            <a:lumMod val="65000"/>
+            <a:lumOff val="35000"/>
+          </a:schemeClr>
+        </a:solidFill>
+      </a:ln>
+    </cs:spPr>
+  </cs:downBar>
+  <cs:dropLine>
+    <cs:lnRef idx="0"/>
+    <cs:fillRef idx="0"/>
+    <cs:effectRef idx="0"/>
+    <cs:fontRef idx="minor">
+      <a:schemeClr val="tx1"/>
+    </cs:fontRef>
+    <cs:spPr>
+      <a:ln w="9525" cap="flat" cmpd="sng" algn="ctr">
+        <a:solidFill>
+          <a:schemeClr val="tx1">
+            <a:lumMod val="35000"/>
+            <a:lumOff val="65000"/>
+          </a:schemeClr>
+        </a:solidFill>
+        <a:round/>
+      </a:ln>
+    </cs:spPr>
+  </cs:dropLine>
+  <cs:errorBar>
+    <cs:lnRef idx="0"/>
+    <cs:fillRef idx="0"/>
+    <cs:effectRef idx="0"/>
+    <cs:fontRef idx="minor">
+      <a:schemeClr val="tx1"/>
+    </cs:fontRef>
+    <cs:spPr>
+      <a:ln w="9525" cap="flat" cmpd="sng" algn="ctr">
+        <a:solidFill>
+          <a:schemeClr val="tx1">
+            <a:lumMod val="65000"/>
+            <a:lumOff val="35000"/>
+          </a:schemeClr>
+        </a:solidFill>
+        <a:round/>
+      </a:ln>
+    </cs:spPr>
+  </cs:errorBar>
+  <cs:floor>
+    <cs:lnRef idx="0"/>
+    <cs:fillRef idx="0"/>
+    <cs:effectRef idx="0"/>
+    <cs:fontRef idx="minor">
+      <a:schemeClr val="tx1"/>
+    </cs:fontRef>
+    <cs:spPr>
+      <a:noFill/>
+      <a:ln>
+        <a:noFill/>
+      </a:ln>
+    </cs:spPr>
+  </cs:floor>
+  <cs:gridlineMajor>
+    <cs:lnRef idx="0"/>
+    <cs:fillRef idx="0"/>
+    <cs:effectRef idx="0"/>
+    <cs:fontRef idx="minor">
+      <a:schemeClr val="tx1"/>
+    </cs:fontRef>
+    <cs:spPr>
+      <a:ln w="9525" cap="flat" cmpd="sng" algn="ctr">
+        <a:solidFill>
+          <a:schemeClr val="tx1">
+            <a:lumMod val="15000"/>
+            <a:lumOff val="85000"/>
+          </a:schemeClr>
+        </a:solidFill>
+        <a:round/>
+      </a:ln>
+    </cs:spPr>
+  </cs:gridlineMajor>
+  <cs:gridlineMinor>
+    <cs:lnRef idx="0"/>
+    <cs:fillRef idx="0"/>
+    <cs:effectRef idx="0"/>
+    <cs:fontRef idx="minor">
+      <a:schemeClr val="tx1"/>
+    </cs:fontRef>
+    <cs:spPr>
+      <a:ln w="9525" cap="flat" cmpd="sng" algn="ctr">
+        <a:solidFill>
+          <a:schemeClr val="tx1">
+            <a:lumMod val="5000"/>
+            <a:lumOff val="95000"/>
+          </a:schemeClr>
+        </a:solidFill>
+        <a:round/>
+      </a:ln>
+    </cs:spPr>
+  </cs:gridlineMinor>
+  <cs:hiLoLine>
+    <cs:lnRef idx="0"/>
+    <cs:fillRef idx="0"/>
+    <cs:effectRef idx="0"/>
+    <cs:fontRef idx="minor">
+      <a:schemeClr val="tx1"/>
+    </cs:fontRef>
+    <cs:spPr>
+      <a:ln w="9525" cap="flat" cmpd="sng" algn="ctr">
+        <a:solidFill>
+          <a:schemeClr val="tx1">
+            <a:lumMod val="75000"/>
+            <a:lumOff val="25000"/>
+          </a:schemeClr>
+        </a:solidFill>
+        <a:round/>
+      </a:ln>
+    </cs:spPr>
+  </cs:hiLoLine>
+  <cs:leaderLine>
+    <cs:lnRef idx="0"/>
+    <cs:fillRef idx="0"/>
+    <cs:effectRef idx="0"/>
+    <cs:fontRef idx="minor">
+      <a:schemeClr val="tx1"/>
+    </cs:fontRef>
+    <cs:spPr>
+      <a:ln w="9525" cap="flat" cmpd="sng" algn="ctr">
+        <a:solidFill>
+          <a:schemeClr val="tx1">
+            <a:lumMod val="35000"/>
+            <a:lumOff val="65000"/>
+          </a:schemeClr>
+        </a:solidFill>
+        <a:round/>
+      </a:ln>
+    </cs:spPr>
+  </cs:leaderLine>
+  <cs:legend>
+    <cs:lnRef idx="0"/>
+    <cs:fillRef idx="0"/>
+    <cs:effectRef idx="0"/>
+    <cs:fontRef idx="minor">
+      <a:schemeClr val="tx1">
+        <a:lumMod val="65000"/>
+        <a:lumOff val="35000"/>
+      </a:schemeClr>
+    </cs:fontRef>
+    <cs:defRPr sz="900" kern="1200"/>
+  </cs:legend>
+  <cs:plotArea mods="allowNoFillOverride allowNoLineOverride">
+    <cs:lnRef idx="0"/>
+    <cs:fillRef idx="0"/>
+    <cs:effectRef idx="0"/>
+    <cs:fontRef idx="minor">
+      <a:schemeClr val="tx1"/>
+    </cs:fontRef>
+  </cs:plotArea>
+  <cs:plotArea3D mods="allowNoFillOverride allowNoLineOverride">
+    <cs:lnRef idx="0"/>
+    <cs:fillRef idx="0"/>
+    <cs:effectRef idx="0"/>
+    <cs:fontRef idx="minor">
+      <a:schemeClr val="tx1"/>
+    </cs:fontRef>
+  </cs:plotArea3D>
+  <cs:seriesAxis>
+    <cs:lnRef idx="0"/>
+    <cs:fillRef idx="0"/>
+    <cs:effectRef idx="0"/>
+    <cs:fontRef idx="minor">
+      <a:schemeClr val="tx1">
+        <a:lumMod val="65000"/>
+        <a:lumOff val="35000"/>
+      </a:schemeClr>
+    </cs:fontRef>
+    <cs:defRPr sz="900" kern="1200"/>
+  </cs:seriesAxis>
+  <cs:seriesLine>
+    <cs:lnRef idx="0"/>
+    <cs:fillRef idx="0"/>
+    <cs:effectRef idx="0"/>
+    <cs:fontRef idx="minor">
+      <a:schemeClr val="tx1"/>
+    </cs:fontRef>
+    <cs:spPr>
+      <a:ln w="9525" cap="flat" cmpd="sng" algn="ctr">
+        <a:solidFill>
+          <a:schemeClr val="tx1">
+            <a:lumMod val="35000"/>
+            <a:lumOff val="65000"/>
+          </a:schemeClr>
+        </a:solidFill>
+        <a:round/>
+      </a:ln>
+    </cs:spPr>
+  </cs:seriesLine>
+  <cs:title>
+    <cs:lnRef idx="0"/>
+    <cs:fillRef idx="0"/>
+    <cs:effectRef idx="0"/>
+    <cs:fontRef idx="minor">
+      <a:schemeClr val="tx1">
+        <a:lumMod val="65000"/>
+        <a:lumOff val="35000"/>
+      </a:schemeClr>
+    </cs:fontRef>
+    <cs:defRPr sz="1400" b="0" kern="1200" spc="0" baseline="0"/>
+  </cs:title>
+  <cs:trendline>
+    <cs:lnRef idx="0">
+      <cs:styleClr val="auto"/>
+    </cs:lnRef>
+    <cs:fillRef idx="0"/>
+    <cs:effectRef idx="0"/>
+    <cs:fontRef idx="minor">
+      <a:schemeClr val="tx1"/>
+    </cs:fontRef>
+    <cs:spPr>
+      <a:ln w="19050" cap="rnd">
+        <a:solidFill>
+          <a:schemeClr val="phClr"/>
+        </a:solidFill>
+        <a:prstDash val="sysDot"/>
+      </a:ln>
+    </cs:spPr>
+  </cs:trendline>
+  <cs:trendlineLabel>
+    <cs:lnRef idx="0"/>
+    <cs:fillRef idx="0"/>
+    <cs:effectRef idx="0"/>
+    <cs:fontRef idx="minor">
+      <a:schemeClr val="tx1">
+        <a:lumMod val="65000"/>
+        <a:lumOff val="35000"/>
+      </a:schemeClr>
+    </cs:fontRef>
+    <cs:defRPr sz="900" kern="1200"/>
+  </cs:trendlineLabel>
+  <cs:upBar>
+    <cs:lnRef idx="0"/>
+    <cs:fillRef idx="0"/>
+    <cs:effectRef idx="0"/>
+    <cs:fontRef idx="minor">
+      <a:schemeClr val="dk1"/>
+    </cs:fontRef>
+    <cs:spPr>
+      <a:solidFill>
+        <a:schemeClr val="lt1"/>
+      </a:solidFill>
+      <a:ln w="9525">
+        <a:solidFill>
+          <a:schemeClr val="tx1">
+            <a:lumMod val="15000"/>
+            <a:lumOff val="85000"/>
+          </a:schemeClr>
+        </a:solidFill>
+      </a:ln>
+    </cs:spPr>
+  </cs:upBar>
+  <cs:valueAxis>
+    <cs:lnRef idx="0"/>
+    <cs:fillRef idx="0"/>
+    <cs:effectRef idx="0"/>
+    <cs:fontRef idx="minor">
+      <a:schemeClr val="tx1">
+        <a:lumMod val="65000"/>
+        <a:lumOff val="35000"/>
+      </a:schemeClr>
+    </cs:fontRef>
+    <cs:defRPr sz="900" kern="1200"/>
+  </cs:valueAxis>
+  <cs:wall>
+    <cs:lnRef idx="0"/>
+    <cs:fillRef idx="0"/>
+    <cs:effectRef idx="0"/>
+    <cs:fontRef idx="minor">
+      <a:schemeClr val="tx1"/>
+    </cs:fontRef>
+    <cs:spPr>
+      <a:noFill/>
+      <a:ln>
+        <a:noFill/>
+      </a:ln>
+    </cs:spPr>
+  </cs:wall>
+</cs:chartStyle>
+</file>
+
+<file path=ppt/charts/style7.xml><?xml version="1.0" encoding="utf-8"?>
+<cs:chartStyle xmlns:cs="http://schemas.microsoft.com/office/drawing/2012/chartStyle" xmlns:a="http://schemas.openxmlformats.org/drawingml/2006/main" id="201">
+  <cs:axisTitle>
+    <cs:lnRef idx="0"/>
+    <cs:fillRef idx="0"/>
+    <cs:effectRef idx="0"/>
+    <cs:fontRef idx="minor">
+      <a:schemeClr val="tx1">
+        <a:lumMod val="65000"/>
+        <a:lumOff val="35000"/>
+      </a:schemeClr>
+    </cs:fontRef>
+    <cs:defRPr sz="1000" kern="1200"/>
+  </cs:axisTitle>
+  <cs:categoryAxis>
+    <cs:lnRef idx="0"/>
+    <cs:fillRef idx="0"/>
+    <cs:effectRef idx="0"/>
+    <cs:fontRef idx="minor">
+      <a:schemeClr val="tx1">
+        <a:lumMod val="65000"/>
+        <a:lumOff val="35000"/>
+      </a:schemeClr>
+    </cs:fontRef>
+    <cs:spPr>
+      <a:ln w="9525" cap="flat" cmpd="sng" algn="ctr">
+        <a:solidFill>
+          <a:schemeClr val="tx1">
+            <a:lumMod val="15000"/>
+            <a:lumOff val="85000"/>
+          </a:schemeClr>
+        </a:solidFill>
+        <a:round/>
+      </a:ln>
+    </cs:spPr>
+    <cs:defRPr sz="900" kern="1200"/>
+  </cs:categoryAxis>
+  <cs:chartArea mods="allowNoFillOverride allowNoLineOverride">
+    <cs:lnRef idx="0"/>
+    <cs:fillRef idx="0"/>
+    <cs:effectRef idx="0"/>
+    <cs:fontRef idx="minor">
+      <a:schemeClr val="tx1"/>
+    </cs:fontRef>
+    <cs:spPr>
+      <a:solidFill>
+        <a:schemeClr val="bg1"/>
+      </a:solidFill>
+      <a:ln w="9525" cap="flat" cmpd="sng" algn="ctr">
+        <a:solidFill>
+          <a:schemeClr val="tx1">
+            <a:lumMod val="15000"/>
+            <a:lumOff val="85000"/>
+          </a:schemeClr>
+        </a:solidFill>
+        <a:round/>
+      </a:ln>
+    </cs:spPr>
+    <cs:defRPr sz="1000" kern="1200"/>
+  </cs:chartArea>
+  <cs:dataLabel>
+    <cs:lnRef idx="0"/>
+    <cs:fillRef idx="0"/>
+    <cs:effectRef idx="0"/>
+    <cs:fontRef idx="minor">
+      <a:schemeClr val="tx1">
+        <a:lumMod val="75000"/>
+        <a:lumOff val="25000"/>
+      </a:schemeClr>
+    </cs:fontRef>
+    <cs:defRPr sz="900" kern="1200"/>
+  </cs:dataLabel>
+  <cs:dataLabelCallout>
+    <cs:lnRef idx="0"/>
+    <cs:fillRef idx="0"/>
+    <cs:effectRef idx="0"/>
+    <cs:fontRef idx="minor">
+      <a:schemeClr val="dk1">
+        <a:lumMod val="65000"/>
+        <a:lumOff val="35000"/>
+      </a:schemeClr>
+    </cs:fontRef>
+    <cs:spPr>
+      <a:solidFill>
+        <a:schemeClr val="lt1"/>
+      </a:solidFill>
+      <a:ln>
+        <a:solidFill>
+          <a:schemeClr val="dk1">
+            <a:lumMod val="25000"/>
+            <a:lumOff val="75000"/>
+          </a:schemeClr>
+        </a:solidFill>
+      </a:ln>
+    </cs:spPr>
+    <cs:defRPr sz="900" kern="1200"/>
+    <cs:bodyPr rot="0" spcFirstLastPara="1" vertOverflow="clip" horzOverflow="clip" vert="horz" wrap="square" lIns="36576" tIns="18288" rIns="36576" bIns="18288" anchor="ctr" anchorCtr="1">
+      <a:spAutoFit/>
+    </cs:bodyPr>
+  </cs:dataLabelCallout>
+  <cs:dataPoint>
+    <cs:lnRef idx="0"/>
+    <cs:fillRef idx="1">
+      <cs:styleClr val="auto"/>
+    </cs:fillRef>
+    <cs:effectRef idx="0"/>
+    <cs:fontRef idx="minor">
+      <a:schemeClr val="tx1"/>
+    </cs:fontRef>
+  </cs:dataPoint>
+  <cs:dataPoint3D>
+    <cs:lnRef idx="0"/>
+    <cs:fillRef idx="1">
+      <cs:styleClr val="auto"/>
+    </cs:fillRef>
+    <cs:effectRef idx="0"/>
+    <cs:fontRef idx="minor">
+      <a:schemeClr val="tx1"/>
+    </cs:fontRef>
+  </cs:dataPoint3D>
+  <cs:dataPointLine>
+    <cs:lnRef idx="0">
+      <cs:styleClr val="auto"/>
+    </cs:lnRef>
+    <cs:fillRef idx="1"/>
+    <cs:effectRef idx="0"/>
+    <cs:fontRef idx="minor">
+      <a:schemeClr val="tx1"/>
+    </cs:fontRef>
+    <cs:spPr>
+      <a:ln w="28575" cap="rnd">
+        <a:solidFill>
+          <a:schemeClr val="phClr"/>
+        </a:solidFill>
+        <a:round/>
+      </a:ln>
+    </cs:spPr>
+  </cs:dataPointLine>
+  <cs:dataPointMarker>
+    <cs:lnRef idx="0">
+      <cs:styleClr val="auto"/>
+    </cs:lnRef>
+    <cs:fillRef idx="1">
+      <cs:styleClr val="auto"/>
+    </cs:fillRef>
+    <cs:effectRef idx="0"/>
+    <cs:fontRef idx="minor">
+      <a:schemeClr val="tx1"/>
+    </cs:fontRef>
+    <cs:spPr>
+      <a:ln w="9525">
+        <a:solidFill>
+          <a:schemeClr val="phClr"/>
+        </a:solidFill>
+      </a:ln>
+    </cs:spPr>
+  </cs:dataPointMarker>
+  <cs:dataPointMarkerLayout symbol="circle" size="5"/>
+  <cs:dataPointWireframe>
+    <cs:lnRef idx="0">
+      <cs:styleClr val="auto"/>
+    </cs:lnRef>
+    <cs:fillRef idx="1"/>
+    <cs:effectRef idx="0"/>
+    <cs:fontRef idx="minor">
+      <a:schemeClr val="tx1"/>
+    </cs:fontRef>
+    <cs:spPr>
+      <a:ln w="9525" cap="rnd">
+        <a:solidFill>
+          <a:schemeClr val="phClr"/>
+        </a:solidFill>
+        <a:round/>
+      </a:ln>
+    </cs:spPr>
+  </cs:dataPointWireframe>
+  <cs:dataTable>
+    <cs:lnRef idx="0"/>
+    <cs:fillRef idx="0"/>
+    <cs:effectRef idx="0"/>
+    <cs:fontRef idx="minor">
+      <a:schemeClr val="tx1">
+        <a:lumMod val="65000"/>
+        <a:lumOff val="35000"/>
+      </a:schemeClr>
+    </cs:fontRef>
+    <cs:spPr>
+      <a:noFill/>
+      <a:ln w="9525" cap="flat" cmpd="sng" algn="ctr">
+        <a:solidFill>
+          <a:schemeClr val="tx1">
+            <a:lumMod val="15000"/>
+            <a:lumOff val="85000"/>
+          </a:schemeClr>
+        </a:solidFill>
+        <a:round/>
+      </a:ln>
+    </cs:spPr>
+    <cs:defRPr sz="900" kern="1200"/>
+  </cs:dataTable>
+  <cs:downBar>
+    <cs:lnRef idx="0"/>
+    <cs:fillRef idx="0"/>
+    <cs:effectRef idx="0"/>
+    <cs:fontRef idx="minor">
+      <a:schemeClr val="dk1"/>
+    </cs:fontRef>
+    <cs:spPr>
+      <a:solidFill>
+        <a:schemeClr val="dk1">
+          <a:lumMod val="65000"/>
+          <a:lumOff val="35000"/>
+        </a:schemeClr>
+      </a:solidFill>
+      <a:ln w="9525">
+        <a:solidFill>
+          <a:schemeClr val="tx1">
+            <a:lumMod val="65000"/>
+            <a:lumOff val="35000"/>
+          </a:schemeClr>
+        </a:solidFill>
+      </a:ln>
+    </cs:spPr>
+  </cs:downBar>
+  <cs:dropLine>
+    <cs:lnRef idx="0"/>
+    <cs:fillRef idx="0"/>
+    <cs:effectRef idx="0"/>
+    <cs:fontRef idx="minor">
+      <a:schemeClr val="tx1"/>
+    </cs:fontRef>
+    <cs:spPr>
+      <a:ln w="9525" cap="flat" cmpd="sng" algn="ctr">
+        <a:solidFill>
+          <a:schemeClr val="tx1">
+            <a:lumMod val="35000"/>
+            <a:lumOff val="65000"/>
+          </a:schemeClr>
+        </a:solidFill>
+        <a:round/>
+      </a:ln>
+    </cs:spPr>
+  </cs:dropLine>
+  <cs:errorBar>
+    <cs:lnRef idx="0"/>
+    <cs:fillRef idx="0"/>
+    <cs:effectRef idx="0"/>
+    <cs:fontRef idx="minor">
+      <a:schemeClr val="tx1"/>
+    </cs:fontRef>
+    <cs:spPr>
+      <a:ln w="9525" cap="flat" cmpd="sng" algn="ctr">
+        <a:solidFill>
+          <a:schemeClr val="tx1">
+            <a:lumMod val="65000"/>
+            <a:lumOff val="35000"/>
+          </a:schemeClr>
+        </a:solidFill>
+        <a:round/>
+      </a:ln>
+    </cs:spPr>
+  </cs:errorBar>
+  <cs:floor>
+    <cs:lnRef idx="0"/>
+    <cs:fillRef idx="0"/>
+    <cs:effectRef idx="0"/>
+    <cs:fontRef idx="minor">
+      <a:schemeClr val="tx1"/>
+    </cs:fontRef>
+    <cs:spPr>
+      <a:noFill/>
+      <a:ln>
+        <a:noFill/>
+      </a:ln>
+    </cs:spPr>
+  </cs:floor>
+  <cs:gridlineMajor>
+    <cs:lnRef idx="0"/>
+    <cs:fillRef idx="0"/>
+    <cs:effectRef idx="0"/>
+    <cs:fontRef idx="minor">
+      <a:schemeClr val="tx1"/>
+    </cs:fontRef>
+    <cs:spPr>
+      <a:ln w="9525" cap="flat" cmpd="sng" algn="ctr">
+        <a:solidFill>
+          <a:schemeClr val="tx1">
+            <a:lumMod val="15000"/>
+            <a:lumOff val="85000"/>
+          </a:schemeClr>
+        </a:solidFill>
+        <a:round/>
+      </a:ln>
+    </cs:spPr>
+  </cs:gridlineMajor>
+  <cs:gridlineMinor>
+    <cs:lnRef idx="0"/>
+    <cs:fillRef idx="0"/>
+    <cs:effectRef idx="0"/>
+    <cs:fontRef idx="minor">
+      <a:schemeClr val="tx1"/>
+    </cs:fontRef>
+    <cs:spPr>
+      <a:ln w="9525" cap="flat" cmpd="sng" algn="ctr">
+        <a:solidFill>
+          <a:schemeClr val="tx1">
+            <a:lumMod val="5000"/>
+            <a:lumOff val="95000"/>
+          </a:schemeClr>
+        </a:solidFill>
+        <a:round/>
+      </a:ln>
+    </cs:spPr>
+  </cs:gridlineMinor>
+  <cs:hiLoLine>
+    <cs:lnRef idx="0"/>
+    <cs:fillRef idx="0"/>
+    <cs:effectRef idx="0"/>
+    <cs:fontRef idx="minor">
+      <a:schemeClr val="tx1"/>
+    </cs:fontRef>
+    <cs:spPr>
+      <a:ln w="9525" cap="flat" cmpd="sng" algn="ctr">
+        <a:solidFill>
+          <a:schemeClr val="tx1">
+            <a:lumMod val="75000"/>
+            <a:lumOff val="25000"/>
+          </a:schemeClr>
+        </a:solidFill>
+        <a:round/>
+      </a:ln>
+    </cs:spPr>
+  </cs:hiLoLine>
+  <cs:leaderLine>
+    <cs:lnRef idx="0"/>
+    <cs:fillRef idx="0"/>
+    <cs:effectRef idx="0"/>
+    <cs:fontRef idx="minor">
+      <a:schemeClr val="tx1"/>
+    </cs:fontRef>
+    <cs:spPr>
+      <a:ln w="9525" cap="flat" cmpd="sng" algn="ctr">
+        <a:solidFill>
+          <a:schemeClr val="tx1">
+            <a:lumMod val="35000"/>
+            <a:lumOff val="65000"/>
+          </a:schemeClr>
+        </a:solidFill>
+        <a:round/>
+      </a:ln>
+    </cs:spPr>
+  </cs:leaderLine>
+  <cs:legend>
+    <cs:lnRef idx="0"/>
+    <cs:fillRef idx="0"/>
+    <cs:effectRef idx="0"/>
+    <cs:fontRef idx="minor">
+      <a:schemeClr val="tx1">
+        <a:lumMod val="65000"/>
+        <a:lumOff val="35000"/>
+      </a:schemeClr>
+    </cs:fontRef>
+    <cs:defRPr sz="900" kern="1200"/>
+  </cs:legend>
+  <cs:plotArea mods="allowNoFillOverride allowNoLineOverride">
+    <cs:lnRef idx="0"/>
+    <cs:fillRef idx="0"/>
+    <cs:effectRef idx="0"/>
+    <cs:fontRef idx="minor">
+      <a:schemeClr val="tx1"/>
+    </cs:fontRef>
+  </cs:plotArea>
+  <cs:plotArea3D mods="allowNoFillOverride allowNoLineOverride">
+    <cs:lnRef idx="0"/>
+    <cs:fillRef idx="0"/>
+    <cs:effectRef idx="0"/>
+    <cs:fontRef idx="minor">
+      <a:schemeClr val="tx1"/>
+    </cs:fontRef>
+  </cs:plotArea3D>
+  <cs:seriesAxis>
+    <cs:lnRef idx="0"/>
+    <cs:fillRef idx="0"/>
+    <cs:effectRef idx="0"/>
+    <cs:fontRef idx="minor">
+      <a:schemeClr val="tx1">
+        <a:lumMod val="65000"/>
+        <a:lumOff val="35000"/>
+      </a:schemeClr>
+    </cs:fontRef>
+    <cs:defRPr sz="900" kern="1200"/>
+  </cs:seriesAxis>
+  <cs:seriesLine>
+    <cs:lnRef idx="0"/>
+    <cs:fillRef idx="0"/>
+    <cs:effectRef idx="0"/>
+    <cs:fontRef idx="minor">
+      <a:schemeClr val="tx1"/>
+    </cs:fontRef>
+    <cs:spPr>
+      <a:ln w="9525" cap="flat" cmpd="sng" algn="ctr">
+        <a:solidFill>
+          <a:schemeClr val="tx1">
+            <a:lumMod val="35000"/>
+            <a:lumOff val="65000"/>
+          </a:schemeClr>
+        </a:solidFill>
+        <a:round/>
+      </a:ln>
+    </cs:spPr>
+  </cs:seriesLine>
+  <cs:title>
+    <cs:lnRef idx="0"/>
+    <cs:fillRef idx="0"/>
+    <cs:effectRef idx="0"/>
+    <cs:fontRef idx="minor">
+      <a:schemeClr val="tx1">
+        <a:lumMod val="65000"/>
+        <a:lumOff val="35000"/>
+      </a:schemeClr>
+    </cs:fontRef>
+    <cs:defRPr sz="1400" b="0" kern="1200" spc="0" baseline="0"/>
+  </cs:title>
+  <cs:trendline>
+    <cs:lnRef idx="0">
+      <cs:styleClr val="auto"/>
+    </cs:lnRef>
+    <cs:fillRef idx="0"/>
+    <cs:effectRef idx="0"/>
+    <cs:fontRef idx="minor">
+      <a:schemeClr val="tx1"/>
+    </cs:fontRef>
+    <cs:spPr>
+      <a:ln w="19050" cap="rnd">
+        <a:solidFill>
+          <a:schemeClr val="phClr"/>
+        </a:solidFill>
+        <a:prstDash val="sysDot"/>
+      </a:ln>
+    </cs:spPr>
+  </cs:trendline>
+  <cs:trendlineLabel>
+    <cs:lnRef idx="0"/>
+    <cs:fillRef idx="0"/>
+    <cs:effectRef idx="0"/>
+    <cs:fontRef idx="minor">
+      <a:schemeClr val="tx1">
+        <a:lumMod val="65000"/>
+        <a:lumOff val="35000"/>
+      </a:schemeClr>
+    </cs:fontRef>
+    <cs:defRPr sz="900" kern="1200"/>
+  </cs:trendlineLabel>
+  <cs:upBar>
+    <cs:lnRef idx="0"/>
+    <cs:fillRef idx="0"/>
+    <cs:effectRef idx="0"/>
+    <cs:fontRef idx="minor">
+      <a:schemeClr val="dk1"/>
+    </cs:fontRef>
+    <cs:spPr>
+      <a:solidFill>
+        <a:schemeClr val="lt1"/>
+      </a:solidFill>
+      <a:ln w="9525">
+        <a:solidFill>
+          <a:schemeClr val="tx1">
+            <a:lumMod val="15000"/>
+            <a:lumOff val="85000"/>
+          </a:schemeClr>
+        </a:solidFill>
+      </a:ln>
+    </cs:spPr>
+  </cs:upBar>
+  <cs:valueAxis>
+    <cs:lnRef idx="0"/>
+    <cs:fillRef idx="0"/>
+    <cs:effectRef idx="0"/>
+    <cs:fontRef idx="minor">
+      <a:schemeClr val="tx1">
+        <a:lumMod val="65000"/>
+        <a:lumOff val="35000"/>
+      </a:schemeClr>
+    </cs:fontRef>
+    <cs:defRPr sz="900" kern="1200"/>
+  </cs:valueAxis>
+  <cs:wall>
+    <cs:lnRef idx="0"/>
+    <cs:fillRef idx="0"/>
+    <cs:effectRef idx="0"/>
+    <cs:fontRef idx="minor">
+      <a:schemeClr val="tx1"/>
+    </cs:fontRef>
+    <cs:spPr>
+      <a:noFill/>
+      <a:ln>
+        <a:noFill/>
+      </a:ln>
+    </cs:spPr>
+  </cs:wall>
+</cs:chartStyle>
+</file>
+
+<file path=ppt/charts/style8.xml><?xml version="1.0" encoding="utf-8"?>
+<cs:chartStyle xmlns:cs="http://schemas.microsoft.com/office/drawing/2012/chartStyle" xmlns:a="http://schemas.openxmlformats.org/drawingml/2006/main" id="201">
+  <cs:axisTitle>
+    <cs:lnRef idx="0"/>
+    <cs:fillRef idx="0"/>
+    <cs:effectRef idx="0"/>
+    <cs:fontRef idx="minor">
+      <a:schemeClr val="tx1">
+        <a:lumMod val="65000"/>
+        <a:lumOff val="35000"/>
+      </a:schemeClr>
+    </cs:fontRef>
+    <cs:defRPr sz="1000" kern="1200"/>
+  </cs:axisTitle>
+  <cs:categoryAxis>
+    <cs:lnRef idx="0"/>
+    <cs:fillRef idx="0"/>
+    <cs:effectRef idx="0"/>
+    <cs:fontRef idx="minor">
+      <a:schemeClr val="tx1">
+        <a:lumMod val="65000"/>
+        <a:lumOff val="35000"/>
+      </a:schemeClr>
+    </cs:fontRef>
+    <cs:spPr>
+      <a:ln w="9525" cap="flat" cmpd="sng" algn="ctr">
+        <a:solidFill>
+          <a:schemeClr val="tx1">
+            <a:lumMod val="15000"/>
+            <a:lumOff val="85000"/>
+          </a:schemeClr>
+        </a:solidFill>
+        <a:round/>
+      </a:ln>
+    </cs:spPr>
+    <cs:defRPr sz="900" kern="1200"/>
+  </cs:categoryAxis>
+  <cs:chartArea mods="allowNoFillOverride allowNoLineOverride">
+    <cs:lnRef idx="0"/>
+    <cs:fillRef idx="0"/>
+    <cs:effectRef idx="0"/>
+    <cs:fontRef idx="minor">
+      <a:schemeClr val="tx1"/>
+    </cs:fontRef>
+    <cs:spPr>
+      <a:solidFill>
+        <a:schemeClr val="bg1"/>
+      </a:solidFill>
+      <a:ln w="9525" cap="flat" cmpd="sng" algn="ctr">
+        <a:solidFill>
+          <a:schemeClr val="tx1">
+            <a:lumMod val="15000"/>
+            <a:lumOff val="85000"/>
+          </a:schemeClr>
+        </a:solidFill>
+        <a:round/>
+      </a:ln>
+    </cs:spPr>
+    <cs:defRPr sz="1000" kern="1200"/>
+  </cs:chartArea>
+  <cs:dataLabel>
+    <cs:lnRef idx="0"/>
+    <cs:fillRef idx="0"/>
+    <cs:effectRef idx="0"/>
+    <cs:fontRef idx="minor">
+      <a:schemeClr val="tx1">
+        <a:lumMod val="75000"/>
+        <a:lumOff val="25000"/>
+      </a:schemeClr>
+    </cs:fontRef>
+    <cs:defRPr sz="900" kern="1200"/>
+  </cs:dataLabel>
+  <cs:dataLabelCallout>
+    <cs:lnRef idx="0"/>
+    <cs:fillRef idx="0"/>
+    <cs:effectRef idx="0"/>
+    <cs:fontRef idx="minor">
+      <a:schemeClr val="dk1">
+        <a:lumMod val="65000"/>
+        <a:lumOff val="35000"/>
+      </a:schemeClr>
+    </cs:fontRef>
+    <cs:spPr>
+      <a:solidFill>
+        <a:schemeClr val="lt1"/>
+      </a:solidFill>
+      <a:ln>
+        <a:solidFill>
+          <a:schemeClr val="dk1">
+            <a:lumMod val="25000"/>
+            <a:lumOff val="75000"/>
+          </a:schemeClr>
+        </a:solidFill>
+      </a:ln>
+    </cs:spPr>
+    <cs:defRPr sz="900" kern="1200"/>
+    <cs:bodyPr rot="0" spcFirstLastPara="1" vertOverflow="clip" horzOverflow="clip" vert="horz" wrap="square" lIns="36576" tIns="18288" rIns="36576" bIns="18288" anchor="ctr" anchorCtr="1">
+      <a:spAutoFit/>
+    </cs:bodyPr>
+  </cs:dataLabelCallout>
+  <cs:dataPoint>
+    <cs:lnRef idx="0"/>
+    <cs:fillRef idx="1">
+      <cs:styleClr val="auto"/>
+    </cs:fillRef>
+    <cs:effectRef idx="0"/>
+    <cs:fontRef idx="minor">
+      <a:schemeClr val="tx1"/>
+    </cs:fontRef>
+  </cs:dataPoint>
+  <cs:dataPoint3D>
+    <cs:lnRef idx="0"/>
+    <cs:fillRef idx="1">
+      <cs:styleClr val="auto"/>
+    </cs:fillRef>
+    <cs:effectRef idx="0"/>
+    <cs:fontRef idx="minor">
+      <a:schemeClr val="tx1"/>
+    </cs:fontRef>
+  </cs:dataPoint3D>
+  <cs:dataPointLine>
+    <cs:lnRef idx="0">
+      <cs:styleClr val="auto"/>
+    </cs:lnRef>
+    <cs:fillRef idx="1"/>
+    <cs:effectRef idx="0"/>
+    <cs:fontRef idx="minor">
+      <a:schemeClr val="tx1"/>
+    </cs:fontRef>
+    <cs:spPr>
+      <a:ln w="28575" cap="rnd">
+        <a:solidFill>
+          <a:schemeClr val="phClr"/>
+        </a:solidFill>
+        <a:round/>
+      </a:ln>
+    </cs:spPr>
+  </cs:dataPointLine>
+  <cs:dataPointMarker>
+    <cs:lnRef idx="0">
+      <cs:styleClr val="auto"/>
+    </cs:lnRef>
+    <cs:fillRef idx="1">
+      <cs:styleClr val="auto"/>
+    </cs:fillRef>
+    <cs:effectRef idx="0"/>
+    <cs:fontRef idx="minor">
+      <a:schemeClr val="tx1"/>
+    </cs:fontRef>
+    <cs:spPr>
+      <a:ln w="9525">
+        <a:solidFill>
+          <a:schemeClr val="phClr"/>
+        </a:solidFill>
+      </a:ln>
+    </cs:spPr>
+  </cs:dataPointMarker>
+  <cs:dataPointMarkerLayout symbol="circle" size="5"/>
+  <cs:dataPointWireframe>
+    <cs:lnRef idx="0">
+      <cs:styleClr val="auto"/>
+    </cs:lnRef>
+    <cs:fillRef idx="1"/>
+    <cs:effectRef idx="0"/>
+    <cs:fontRef idx="minor">
+      <a:schemeClr val="tx1"/>
+    </cs:fontRef>
+    <cs:spPr>
+      <a:ln w="9525" cap="rnd">
+        <a:solidFill>
+          <a:schemeClr val="phClr"/>
+        </a:solidFill>
+        <a:round/>
+      </a:ln>
+    </cs:spPr>
+  </cs:dataPointWireframe>
+  <cs:dataTable>
+    <cs:lnRef idx="0"/>
+    <cs:fillRef idx="0"/>
+    <cs:effectRef idx="0"/>
+    <cs:fontRef idx="minor">
+      <a:schemeClr val="tx1">
+        <a:lumMod val="65000"/>
+        <a:lumOff val="35000"/>
+      </a:schemeClr>
+    </cs:fontRef>
+    <cs:spPr>
+      <a:noFill/>
+      <a:ln w="9525" cap="flat" cmpd="sng" algn="ctr">
+        <a:solidFill>
+          <a:schemeClr val="tx1">
+            <a:lumMod val="15000"/>
+            <a:lumOff val="85000"/>
+          </a:schemeClr>
+        </a:solidFill>
+        <a:round/>
+      </a:ln>
+    </cs:spPr>
+    <cs:defRPr sz="900" kern="1200"/>
+  </cs:dataTable>
+  <cs:downBar>
+    <cs:lnRef idx="0"/>
+    <cs:fillRef idx="0"/>
+    <cs:effectRef idx="0"/>
+    <cs:fontRef idx="minor">
+      <a:schemeClr val="dk1"/>
+    </cs:fontRef>
+    <cs:spPr>
+      <a:solidFill>
+        <a:schemeClr val="dk1">
+          <a:lumMod val="65000"/>
+          <a:lumOff val="35000"/>
+        </a:schemeClr>
+      </a:solidFill>
+      <a:ln w="9525">
+        <a:solidFill>
+          <a:schemeClr val="tx1">
+            <a:lumMod val="65000"/>
+            <a:lumOff val="35000"/>
+          </a:schemeClr>
+        </a:solidFill>
+      </a:ln>
+    </cs:spPr>
+  </cs:downBar>
+  <cs:dropLine>
+    <cs:lnRef idx="0"/>
+    <cs:fillRef idx="0"/>
+    <cs:effectRef idx="0"/>
+    <cs:fontRef idx="minor">
+      <a:schemeClr val="tx1"/>
+    </cs:fontRef>
+    <cs:spPr>
+      <a:ln w="9525" cap="flat" cmpd="sng" algn="ctr">
+        <a:solidFill>
+          <a:schemeClr val="tx1">
+            <a:lumMod val="35000"/>
+            <a:lumOff val="65000"/>
+          </a:schemeClr>
+        </a:solidFill>
+        <a:round/>
+      </a:ln>
+    </cs:spPr>
+  </cs:dropLine>
+  <cs:errorBar>
+    <cs:lnRef idx="0"/>
+    <cs:fillRef idx="0"/>
+    <cs:effectRef idx="0"/>
+    <cs:fontRef idx="minor">
+      <a:schemeClr val="tx1"/>
+    </cs:fontRef>
+    <cs:spPr>
+      <a:ln w="9525" cap="flat" cmpd="sng" algn="ctr">
+        <a:solidFill>
+          <a:schemeClr val="tx1">
+            <a:lumMod val="65000"/>
+            <a:lumOff val="35000"/>
+          </a:schemeClr>
+        </a:solidFill>
+        <a:round/>
+      </a:ln>
+    </cs:spPr>
+  </cs:errorBar>
+  <cs:floor>
+    <cs:lnRef idx="0"/>
+    <cs:fillRef idx="0"/>
+    <cs:effectRef idx="0"/>
+    <cs:fontRef idx="minor">
+      <a:schemeClr val="tx1"/>
+    </cs:fontRef>
+    <cs:spPr>
+      <a:noFill/>
+      <a:ln>
+        <a:noFill/>
+      </a:ln>
+    </cs:spPr>
+  </cs:floor>
+  <cs:gridlineMajor>
+    <cs:lnRef idx="0"/>
+    <cs:fillRef idx="0"/>
+    <cs:effectRef idx="0"/>
+    <cs:fontRef idx="minor">
+      <a:schemeClr val="tx1"/>
+    </cs:fontRef>
+    <cs:spPr>
+      <a:ln w="9525" cap="flat" cmpd="sng" algn="ctr">
+        <a:solidFill>
+          <a:schemeClr val="tx1">
+            <a:lumMod val="15000"/>
+            <a:lumOff val="85000"/>
+          </a:schemeClr>
+        </a:solidFill>
+        <a:round/>
+      </a:ln>
+    </cs:spPr>
+  </cs:gridlineMajor>
+  <cs:gridlineMinor>
+    <cs:lnRef idx="0"/>
+    <cs:fillRef idx="0"/>
+    <cs:effectRef idx="0"/>
+    <cs:fontRef idx="minor">
+      <a:schemeClr val="tx1"/>
+    </cs:fontRef>
+    <cs:spPr>
+      <a:ln w="9525" cap="flat" cmpd="sng" algn="ctr">
+        <a:solidFill>
+          <a:schemeClr val="tx1">
+            <a:lumMod val="5000"/>
+            <a:lumOff val="95000"/>
+          </a:schemeClr>
+        </a:solidFill>
+        <a:round/>
+      </a:ln>
+    </cs:spPr>
+  </cs:gridlineMinor>
+  <cs:hiLoLine>
+    <cs:lnRef idx="0"/>
+    <cs:fillRef idx="0"/>
+    <cs:effectRef idx="0"/>
+    <cs:fontRef idx="minor">
+      <a:schemeClr val="tx1"/>
+    </cs:fontRef>
+    <cs:spPr>
+      <a:ln w="9525" cap="flat" cmpd="sng" algn="ctr">
+        <a:solidFill>
+          <a:schemeClr val="tx1">
+            <a:lumMod val="75000"/>
+            <a:lumOff val="25000"/>
+          </a:schemeClr>
+        </a:solidFill>
+        <a:round/>
+      </a:ln>
+    </cs:spPr>
+  </cs:hiLoLine>
+  <cs:leaderLine>
+    <cs:lnRef idx="0"/>
+    <cs:fillRef idx="0"/>
+    <cs:effectRef idx="0"/>
+    <cs:fontRef idx="minor">
+      <a:schemeClr val="tx1"/>
+    </cs:fontRef>
+    <cs:spPr>
+      <a:ln w="9525" cap="flat" cmpd="sng" algn="ctr">
+        <a:solidFill>
+          <a:schemeClr val="tx1">
+            <a:lumMod val="35000"/>
+            <a:lumOff val="65000"/>
+          </a:schemeClr>
+        </a:solidFill>
+        <a:round/>
+      </a:ln>
+    </cs:spPr>
+  </cs:leaderLine>
+  <cs:legend>
+    <cs:lnRef idx="0"/>
+    <cs:fillRef idx="0"/>
+    <cs:effectRef idx="0"/>
+    <cs:fontRef idx="minor">
+      <a:schemeClr val="tx1">
+        <a:lumMod val="65000"/>
+        <a:lumOff val="35000"/>
+      </a:schemeClr>
+    </cs:fontRef>
+    <cs:defRPr sz="900" kern="1200"/>
+  </cs:legend>
+  <cs:plotArea mods="allowNoFillOverride allowNoLineOverride">
+    <cs:lnRef idx="0"/>
+    <cs:fillRef idx="0"/>
+    <cs:effectRef idx="0"/>
+    <cs:fontRef idx="minor">
+      <a:schemeClr val="tx1"/>
+    </cs:fontRef>
+  </cs:plotArea>
+  <cs:plotArea3D mods="allowNoFillOverride allowNoLineOverride">
+    <cs:lnRef idx="0"/>
+    <cs:fillRef idx="0"/>
+    <cs:effectRef idx="0"/>
+    <cs:fontRef idx="minor">
+      <a:schemeClr val="tx1"/>
+    </cs:fontRef>
+  </cs:plotArea3D>
+  <cs:seriesAxis>
+    <cs:lnRef idx="0"/>
+    <cs:fillRef idx="0"/>
+    <cs:effectRef idx="0"/>
+    <cs:fontRef idx="minor">
+      <a:schemeClr val="tx1">
+        <a:lumMod val="65000"/>
+        <a:lumOff val="35000"/>
+      </a:schemeClr>
+    </cs:fontRef>
+    <cs:defRPr sz="900" kern="1200"/>
+  </cs:seriesAxis>
+  <cs:seriesLine>
+    <cs:lnRef idx="0"/>
+    <cs:fillRef idx="0"/>
+    <cs:effectRef idx="0"/>
+    <cs:fontRef idx="minor">
+      <a:schemeClr val="tx1"/>
+    </cs:fontRef>
+    <cs:spPr>
+      <a:ln w="9525" cap="flat" cmpd="sng" algn="ctr">
+        <a:solidFill>
+          <a:schemeClr val="tx1">
+            <a:lumMod val="35000"/>
+            <a:lumOff val="65000"/>
+          </a:schemeClr>
+        </a:solidFill>
+        <a:round/>
+      </a:ln>
+    </cs:spPr>
+  </cs:seriesLine>
+  <cs:title>
+    <cs:lnRef idx="0"/>
+    <cs:fillRef idx="0"/>
+    <cs:effectRef idx="0"/>
+    <cs:fontRef idx="minor">
+      <a:schemeClr val="tx1">
+        <a:lumMod val="65000"/>
+        <a:lumOff val="35000"/>
+      </a:schemeClr>
+    </cs:fontRef>
+    <cs:defRPr sz="1400" b="0" kern="1200" spc="0" baseline="0"/>
+  </cs:title>
+  <cs:trendline>
+    <cs:lnRef idx="0">
+      <cs:styleClr val="auto"/>
+    </cs:lnRef>
+    <cs:fillRef idx="0"/>
+    <cs:effectRef idx="0"/>
+    <cs:fontRef idx="minor">
+      <a:schemeClr val="tx1"/>
+    </cs:fontRef>
+    <cs:spPr>
+      <a:ln w="19050" cap="rnd">
+        <a:solidFill>
+          <a:schemeClr val="phClr"/>
+        </a:solidFill>
+        <a:prstDash val="sysDot"/>
+      </a:ln>
+    </cs:spPr>
+  </cs:trendline>
+  <cs:trendlineLabel>
+    <cs:lnRef idx="0"/>
+    <cs:fillRef idx="0"/>
+    <cs:effectRef idx="0"/>
+    <cs:fontRef idx="minor">
+      <a:schemeClr val="tx1">
+        <a:lumMod val="65000"/>
+        <a:lumOff val="35000"/>
+      </a:schemeClr>
+    </cs:fontRef>
+    <cs:defRPr sz="900" kern="1200"/>
+  </cs:trendlineLabel>
+  <cs:upBar>
+    <cs:lnRef idx="0"/>
+    <cs:fillRef idx="0"/>
+    <cs:effectRef idx="0"/>
+    <cs:fontRef idx="minor">
+      <a:schemeClr val="dk1"/>
+    </cs:fontRef>
+    <cs:spPr>
+      <a:solidFill>
+        <a:schemeClr val="lt1"/>
+      </a:solidFill>
+      <a:ln w="9525">
+        <a:solidFill>
+          <a:schemeClr val="tx1">
+            <a:lumMod val="15000"/>
+            <a:lumOff val="85000"/>
+          </a:schemeClr>
+        </a:solidFill>
+      </a:ln>
+    </cs:spPr>
+  </cs:upBar>
+  <cs:valueAxis>
+    <cs:lnRef idx="0"/>
+    <cs:fillRef idx="0"/>
+    <cs:effectRef idx="0"/>
+    <cs:fontRef idx="minor">
+      <a:schemeClr val="tx1">
+        <a:lumMod val="65000"/>
+        <a:lumOff val="35000"/>
+      </a:schemeClr>
+    </cs:fontRef>
+    <cs:defRPr sz="900" kern="1200"/>
+  </cs:valueAxis>
+  <cs:wall>
+    <cs:lnRef idx="0"/>
+    <cs:fillRef idx="0"/>
+    <cs:effectRef idx="0"/>
+    <cs:fontRef idx="minor">
+      <a:schemeClr val="tx1"/>
+    </cs:fontRef>
+    <cs:spPr>
+      <a:noFill/>
+      <a:ln>
+        <a:noFill/>
+      </a:ln>
+    </cs:spPr>
+  </cs:wall>
+</cs:chartStyle>
+</file>
+
+<file path=ppt/charts/style9.xml><?xml version="1.0" encoding="utf-8"?>
 <cs:chartStyle xmlns:cs="http://schemas.microsoft.com/office/drawing/2012/chartStyle" xmlns:a="http://schemas.openxmlformats.org/drawingml/2006/main" id="201">
   <cs:axisTitle>
     <cs:lnRef idx="0"/>
@@ -6363,7 +11295,7 @@
           <a:p>
             <a:fld id="{DD916FDA-4F8F-6649-9B49-DCD60F760A33}" type="datetimeFigureOut">
               <a:rPr lang="en-US" smtClean="0"/>
-              <a:t>3/6/21</a:t>
+              <a:t>3/8/21</a:t>
             </a:fld>
             <a:endParaRPr lang="en-US"/>
           </a:p>
@@ -6563,7 +11495,7 @@
           <a:p>
             <a:fld id="{DD916FDA-4F8F-6649-9B49-DCD60F760A33}" type="datetimeFigureOut">
               <a:rPr lang="en-US" smtClean="0"/>
-              <a:t>3/6/21</a:t>
+              <a:t>3/8/21</a:t>
             </a:fld>
             <a:endParaRPr lang="en-US"/>
           </a:p>
@@ -6773,7 +11705,7 @@
           <a:p>
             <a:fld id="{DD916FDA-4F8F-6649-9B49-DCD60F760A33}" type="datetimeFigureOut">
               <a:rPr lang="en-US" smtClean="0"/>
-              <a:t>3/6/21</a:t>
+              <a:t>3/8/21</a:t>
             </a:fld>
             <a:endParaRPr lang="en-US"/>
           </a:p>
@@ -6973,7 +11905,7 @@
           <a:p>
             <a:fld id="{DD916FDA-4F8F-6649-9B49-DCD60F760A33}" type="datetimeFigureOut">
               <a:rPr lang="en-US" smtClean="0"/>
-              <a:t>3/6/21</a:t>
+              <a:t>3/8/21</a:t>
             </a:fld>
             <a:endParaRPr lang="en-US"/>
           </a:p>
@@ -7249,7 +12181,7 @@
           <a:p>
             <a:fld id="{DD916FDA-4F8F-6649-9B49-DCD60F760A33}" type="datetimeFigureOut">
               <a:rPr lang="en-US" smtClean="0"/>
-              <a:t>3/6/21</a:t>
+              <a:t>3/8/21</a:t>
             </a:fld>
             <a:endParaRPr lang="en-US"/>
           </a:p>
@@ -7517,7 +12449,7 @@
           <a:p>
             <a:fld id="{DD916FDA-4F8F-6649-9B49-DCD60F760A33}" type="datetimeFigureOut">
               <a:rPr lang="en-US" smtClean="0"/>
-              <a:t>3/6/21</a:t>
+              <a:t>3/8/21</a:t>
             </a:fld>
             <a:endParaRPr lang="en-US"/>
           </a:p>
@@ -7932,7 +12864,7 @@
           <a:p>
             <a:fld id="{DD916FDA-4F8F-6649-9B49-DCD60F760A33}" type="datetimeFigureOut">
               <a:rPr lang="en-US" smtClean="0"/>
-              <a:t>3/6/21</a:t>
+              <a:t>3/8/21</a:t>
             </a:fld>
             <a:endParaRPr lang="en-US"/>
           </a:p>
@@ -8074,7 +13006,7 @@
           <a:p>
             <a:fld id="{DD916FDA-4F8F-6649-9B49-DCD60F760A33}" type="datetimeFigureOut">
               <a:rPr lang="en-US" smtClean="0"/>
-              <a:t>3/6/21</a:t>
+              <a:t>3/8/21</a:t>
             </a:fld>
             <a:endParaRPr lang="en-US"/>
           </a:p>
@@ -8187,7 +13119,7 @@
           <a:p>
             <a:fld id="{DD916FDA-4F8F-6649-9B49-DCD60F760A33}" type="datetimeFigureOut">
               <a:rPr lang="en-US" smtClean="0"/>
-              <a:t>3/6/21</a:t>
+              <a:t>3/8/21</a:t>
             </a:fld>
             <a:endParaRPr lang="en-US"/>
           </a:p>
@@ -8500,7 +13432,7 @@
           <a:p>
             <a:fld id="{DD916FDA-4F8F-6649-9B49-DCD60F760A33}" type="datetimeFigureOut">
               <a:rPr lang="en-US" smtClean="0"/>
-              <a:t>3/6/21</a:t>
+              <a:t>3/8/21</a:t>
             </a:fld>
             <a:endParaRPr lang="en-US"/>
           </a:p>
@@ -8789,7 +13721,7 @@
           <a:p>
             <a:fld id="{DD916FDA-4F8F-6649-9B49-DCD60F760A33}" type="datetimeFigureOut">
               <a:rPr lang="en-US" smtClean="0"/>
-              <a:t>3/6/21</a:t>
+              <a:t>3/8/21</a:t>
             </a:fld>
             <a:endParaRPr lang="en-US"/>
           </a:p>
@@ -9032,7 +13964,7 @@
           <a:p>
             <a:fld id="{DD916FDA-4F8F-6649-9B49-DCD60F760A33}" type="datetimeFigureOut">
               <a:rPr lang="en-US" smtClean="0"/>
-              <a:t>3/6/21</a:t>
+              <a:t>3/8/21</a:t>
             </a:fld>
             <a:endParaRPr lang="en-US"/>
           </a:p>
@@ -10048,7 +14980,7 @@
             <p:nvPr>
               <p:extLst>
                 <p:ext uri="{D42A27DB-BD31-4B8C-83A1-F6EECF244321}">
-                  <p14:modId xmlns:p14="http://schemas.microsoft.com/office/powerpoint/2010/main" val="507782354"/>
+                  <p14:modId xmlns:p14="http://schemas.microsoft.com/office/powerpoint/2010/main" val="1723592459"/>
                 </p:ext>
               </p:extLst>
             </p:nvPr>
@@ -11949,6 +16881,2049 @@
 </p:sld>
 </file>
 
+<file path=ppt/slides/slide3.xml><?xml version="1.0" encoding="utf-8"?>
+<p:sld xmlns:a="http://schemas.openxmlformats.org/drawingml/2006/main" xmlns:r="http://schemas.openxmlformats.org/officeDocument/2006/relationships" xmlns:p="http://schemas.openxmlformats.org/presentationml/2006/main">
+  <p:cSld>
+    <p:spTree>
+      <p:nvGrpSpPr>
+        <p:cNvPr id="1" name=""/>
+        <p:cNvGrpSpPr/>
+        <p:nvPr/>
+      </p:nvGrpSpPr>
+      <p:grpSpPr>
+        <a:xfrm>
+          <a:off x="0" y="0"/>
+          <a:ext cx="0" cy="0"/>
+          <a:chOff x="0" y="0"/>
+          <a:chExt cx="0" cy="0"/>
+        </a:xfrm>
+      </p:grpSpPr>
+      <p:graphicFrame>
+        <p:nvGraphicFramePr>
+          <p:cNvPr id="4" name="Chart 3">
+            <a:extLst>
+              <a:ext uri="{FF2B5EF4-FFF2-40B4-BE49-F238E27FC236}">
+                <a16:creationId xmlns:a16="http://schemas.microsoft.com/office/drawing/2014/main" id="{A25103AF-F47F-684A-97D4-3FDDD30F96A8}"/>
+              </a:ext>
+            </a:extLst>
+          </p:cNvPr>
+          <p:cNvGraphicFramePr>
+            <a:graphicFrameLocks/>
+          </p:cNvGraphicFramePr>
+          <p:nvPr>
+            <p:extLst>
+              <p:ext uri="{D42A27DB-BD31-4B8C-83A1-F6EECF244321}">
+                <p14:modId xmlns:p14="http://schemas.microsoft.com/office/powerpoint/2010/main" val="3122769109"/>
+              </p:ext>
+            </p:extLst>
+          </p:nvPr>
+        </p:nvGraphicFramePr>
+        <p:xfrm>
+          <a:off x="29536" y="100012"/>
+          <a:ext cx="5876163" cy="3328114"/>
+        </p:xfrm>
+        <a:graphic>
+          <a:graphicData uri="http://schemas.openxmlformats.org/drawingml/2006/chart">
+            <c:chart xmlns:c="http://schemas.openxmlformats.org/drawingml/2006/chart" xmlns:r="http://schemas.openxmlformats.org/officeDocument/2006/relationships" r:id="rId2"/>
+          </a:graphicData>
+        </a:graphic>
+      </p:graphicFrame>
+      <p:grpSp>
+        <p:nvGrpSpPr>
+          <p:cNvPr id="45" name="Group 44">
+            <a:extLst>
+              <a:ext uri="{FF2B5EF4-FFF2-40B4-BE49-F238E27FC236}">
+                <a16:creationId xmlns:a16="http://schemas.microsoft.com/office/drawing/2014/main" id="{D8D83932-4528-A946-ADDE-F0F361BDC714}"/>
+              </a:ext>
+            </a:extLst>
+          </p:cNvPr>
+          <p:cNvGrpSpPr/>
+          <p:nvPr/>
+        </p:nvGrpSpPr>
+        <p:grpSpPr>
+          <a:xfrm>
+            <a:off x="370690" y="564776"/>
+            <a:ext cx="5321200" cy="2507041"/>
+            <a:chOff x="575815" y="711750"/>
+            <a:chExt cx="5321200" cy="2549019"/>
+          </a:xfrm>
+        </p:grpSpPr>
+        <p:grpSp>
+          <p:nvGrpSpPr>
+            <p:cNvPr id="16" name="Group 15">
+              <a:extLst>
+                <a:ext uri="{FF2B5EF4-FFF2-40B4-BE49-F238E27FC236}">
+                  <a16:creationId xmlns:a16="http://schemas.microsoft.com/office/drawing/2014/main" id="{EEBB2025-4922-824F-8D7A-A587767B7290}"/>
+                </a:ext>
+              </a:extLst>
+            </p:cNvPr>
+            <p:cNvGrpSpPr/>
+            <p:nvPr/>
+          </p:nvGrpSpPr>
+          <p:grpSpPr>
+            <a:xfrm>
+              <a:off x="575815" y="711750"/>
+              <a:ext cx="4783585" cy="2549019"/>
+              <a:chOff x="770128" y="865631"/>
+              <a:chExt cx="9769856" cy="5518235"/>
+            </a:xfrm>
+          </p:grpSpPr>
+          <p:sp>
+            <p:nvSpPr>
+              <p:cNvPr id="17" name="Rectangle 16">
+                <a:extLst>
+                  <a:ext uri="{FF2B5EF4-FFF2-40B4-BE49-F238E27FC236}">
+                    <a16:creationId xmlns:a16="http://schemas.microsoft.com/office/drawing/2014/main" id="{F5357E53-C989-AD45-B393-6EF80474715C}"/>
+                  </a:ext>
+                </a:extLst>
+              </p:cNvPr>
+              <p:cNvSpPr/>
+              <p:nvPr/>
+            </p:nvSpPr>
+            <p:spPr>
+              <a:xfrm>
+                <a:off x="770128" y="865631"/>
+                <a:ext cx="863600" cy="5518235"/>
+              </a:xfrm>
+              <a:prstGeom prst="rect">
+                <a:avLst/>
+              </a:prstGeom>
+              <a:solidFill>
+                <a:schemeClr val="bg2">
+                  <a:lumMod val="75000"/>
+                  <a:alpha val="31000"/>
+                </a:schemeClr>
+              </a:solidFill>
+              <a:ln>
+                <a:noFill/>
+              </a:ln>
+            </p:spPr>
+            <p:style>
+              <a:lnRef idx="2">
+                <a:schemeClr val="accent1">
+                  <a:shade val="50000"/>
+                </a:schemeClr>
+              </a:lnRef>
+              <a:fillRef idx="1">
+                <a:schemeClr val="accent1"/>
+              </a:fillRef>
+              <a:effectRef idx="0">
+                <a:schemeClr val="accent1"/>
+              </a:effectRef>
+              <a:fontRef idx="minor">
+                <a:schemeClr val="lt1"/>
+              </a:fontRef>
+            </p:style>
+            <p:txBody>
+              <a:bodyPr rtlCol="0" anchor="ctr"/>
+              <a:lstStyle/>
+              <a:p>
+                <a:pPr algn="ctr"/>
+                <a:endParaRPr lang="en-US" dirty="0"/>
+              </a:p>
+            </p:txBody>
+          </p:sp>
+          <p:sp>
+            <p:nvSpPr>
+              <p:cNvPr id="18" name="Rectangle 17">
+                <a:extLst>
+                  <a:ext uri="{FF2B5EF4-FFF2-40B4-BE49-F238E27FC236}">
+                    <a16:creationId xmlns:a16="http://schemas.microsoft.com/office/drawing/2014/main" id="{0FBF98D3-B59E-D54D-A0D5-706E05741C3C}"/>
+                  </a:ext>
+                </a:extLst>
+              </p:cNvPr>
+              <p:cNvSpPr/>
+              <p:nvPr/>
+            </p:nvSpPr>
+            <p:spPr>
+              <a:xfrm>
+                <a:off x="2483104" y="865631"/>
+                <a:ext cx="863600" cy="5518235"/>
+              </a:xfrm>
+              <a:prstGeom prst="rect">
+                <a:avLst/>
+              </a:prstGeom>
+              <a:solidFill>
+                <a:schemeClr val="bg2">
+                  <a:lumMod val="75000"/>
+                  <a:alpha val="31000"/>
+                </a:schemeClr>
+              </a:solidFill>
+              <a:ln>
+                <a:noFill/>
+              </a:ln>
+            </p:spPr>
+            <p:style>
+              <a:lnRef idx="2">
+                <a:schemeClr val="accent1">
+                  <a:shade val="50000"/>
+                </a:schemeClr>
+              </a:lnRef>
+              <a:fillRef idx="1">
+                <a:schemeClr val="accent1"/>
+              </a:fillRef>
+              <a:effectRef idx="0">
+                <a:schemeClr val="accent1"/>
+              </a:effectRef>
+              <a:fontRef idx="minor">
+                <a:schemeClr val="lt1"/>
+              </a:fontRef>
+            </p:style>
+            <p:txBody>
+              <a:bodyPr rtlCol="0" anchor="ctr"/>
+              <a:lstStyle/>
+              <a:p>
+                <a:pPr algn="ctr"/>
+                <a:endParaRPr lang="en-US" dirty="0"/>
+              </a:p>
+            </p:txBody>
+          </p:sp>
+          <p:sp>
+            <p:nvSpPr>
+              <p:cNvPr id="19" name="Rectangle 18">
+                <a:extLst>
+                  <a:ext uri="{FF2B5EF4-FFF2-40B4-BE49-F238E27FC236}">
+                    <a16:creationId xmlns:a16="http://schemas.microsoft.com/office/drawing/2014/main" id="{E31FB7EB-EDE3-1E44-98FF-AB2F45DABFF6}"/>
+                  </a:ext>
+                </a:extLst>
+              </p:cNvPr>
+              <p:cNvSpPr/>
+              <p:nvPr/>
+            </p:nvSpPr>
+            <p:spPr>
+              <a:xfrm>
+                <a:off x="4305808" y="865631"/>
+                <a:ext cx="863600" cy="5518235"/>
+              </a:xfrm>
+              <a:prstGeom prst="rect">
+                <a:avLst/>
+              </a:prstGeom>
+              <a:solidFill>
+                <a:schemeClr val="bg2">
+                  <a:lumMod val="75000"/>
+                  <a:alpha val="31000"/>
+                </a:schemeClr>
+              </a:solidFill>
+              <a:ln>
+                <a:noFill/>
+              </a:ln>
+            </p:spPr>
+            <p:style>
+              <a:lnRef idx="2">
+                <a:schemeClr val="accent1">
+                  <a:shade val="50000"/>
+                </a:schemeClr>
+              </a:lnRef>
+              <a:fillRef idx="1">
+                <a:schemeClr val="accent1"/>
+              </a:fillRef>
+              <a:effectRef idx="0">
+                <a:schemeClr val="accent1"/>
+              </a:effectRef>
+              <a:fontRef idx="minor">
+                <a:schemeClr val="lt1"/>
+              </a:fontRef>
+            </p:style>
+            <p:txBody>
+              <a:bodyPr rtlCol="0" anchor="ctr"/>
+              <a:lstStyle/>
+              <a:p>
+                <a:pPr algn="ctr"/>
+                <a:endParaRPr lang="en-US" dirty="0"/>
+              </a:p>
+            </p:txBody>
+          </p:sp>
+          <p:sp>
+            <p:nvSpPr>
+              <p:cNvPr id="20" name="Rectangle 19">
+                <a:extLst>
+                  <a:ext uri="{FF2B5EF4-FFF2-40B4-BE49-F238E27FC236}">
+                    <a16:creationId xmlns:a16="http://schemas.microsoft.com/office/drawing/2014/main" id="{F9510B35-94A7-D54F-B02A-1879B3353E1A}"/>
+                  </a:ext>
+                </a:extLst>
+              </p:cNvPr>
+              <p:cNvSpPr/>
+              <p:nvPr/>
+            </p:nvSpPr>
+            <p:spPr>
+              <a:xfrm>
+                <a:off x="6096000" y="865631"/>
+                <a:ext cx="863600" cy="5518235"/>
+              </a:xfrm>
+              <a:prstGeom prst="rect">
+                <a:avLst/>
+              </a:prstGeom>
+              <a:solidFill>
+                <a:schemeClr val="bg2">
+                  <a:lumMod val="75000"/>
+                  <a:alpha val="31000"/>
+                </a:schemeClr>
+              </a:solidFill>
+              <a:ln>
+                <a:noFill/>
+              </a:ln>
+            </p:spPr>
+            <p:style>
+              <a:lnRef idx="2">
+                <a:schemeClr val="accent1">
+                  <a:shade val="50000"/>
+                </a:schemeClr>
+              </a:lnRef>
+              <a:fillRef idx="1">
+                <a:schemeClr val="accent1"/>
+              </a:fillRef>
+              <a:effectRef idx="0">
+                <a:schemeClr val="accent1"/>
+              </a:effectRef>
+              <a:fontRef idx="minor">
+                <a:schemeClr val="lt1"/>
+              </a:fontRef>
+            </p:style>
+            <p:txBody>
+              <a:bodyPr rtlCol="0" anchor="ctr"/>
+              <a:lstStyle/>
+              <a:p>
+                <a:pPr algn="ctr"/>
+                <a:endParaRPr lang="en-US" dirty="0"/>
+              </a:p>
+            </p:txBody>
+          </p:sp>
+          <p:sp>
+            <p:nvSpPr>
+              <p:cNvPr id="21" name="Rectangle 20">
+                <a:extLst>
+                  <a:ext uri="{FF2B5EF4-FFF2-40B4-BE49-F238E27FC236}">
+                    <a16:creationId xmlns:a16="http://schemas.microsoft.com/office/drawing/2014/main" id="{46BA1FBC-64C5-EE45-B068-3D01ED732A24}"/>
+                  </a:ext>
+                </a:extLst>
+              </p:cNvPr>
+              <p:cNvSpPr/>
+              <p:nvPr/>
+            </p:nvSpPr>
+            <p:spPr>
+              <a:xfrm>
+                <a:off x="7886192" y="865631"/>
+                <a:ext cx="863600" cy="5518235"/>
+              </a:xfrm>
+              <a:prstGeom prst="rect">
+                <a:avLst/>
+              </a:prstGeom>
+              <a:solidFill>
+                <a:schemeClr val="bg2">
+                  <a:lumMod val="75000"/>
+                  <a:alpha val="31000"/>
+                </a:schemeClr>
+              </a:solidFill>
+              <a:ln>
+                <a:noFill/>
+              </a:ln>
+            </p:spPr>
+            <p:style>
+              <a:lnRef idx="2">
+                <a:schemeClr val="accent1">
+                  <a:shade val="50000"/>
+                </a:schemeClr>
+              </a:lnRef>
+              <a:fillRef idx="1">
+                <a:schemeClr val="accent1"/>
+              </a:fillRef>
+              <a:effectRef idx="0">
+                <a:schemeClr val="accent1"/>
+              </a:effectRef>
+              <a:fontRef idx="minor">
+                <a:schemeClr val="lt1"/>
+              </a:fontRef>
+            </p:style>
+            <p:txBody>
+              <a:bodyPr rtlCol="0" anchor="ctr"/>
+              <a:lstStyle/>
+              <a:p>
+                <a:pPr algn="ctr"/>
+                <a:endParaRPr lang="en-US" dirty="0"/>
+              </a:p>
+            </p:txBody>
+          </p:sp>
+          <p:sp>
+            <p:nvSpPr>
+              <p:cNvPr id="22" name="Rectangle 21">
+                <a:extLst>
+                  <a:ext uri="{FF2B5EF4-FFF2-40B4-BE49-F238E27FC236}">
+                    <a16:creationId xmlns:a16="http://schemas.microsoft.com/office/drawing/2014/main" id="{5E8D7700-1123-154D-944D-E2BDF9874D1C}"/>
+                  </a:ext>
+                </a:extLst>
+              </p:cNvPr>
+              <p:cNvSpPr/>
+              <p:nvPr/>
+            </p:nvSpPr>
+            <p:spPr>
+              <a:xfrm>
+                <a:off x="9676384" y="865631"/>
+                <a:ext cx="863600" cy="5518235"/>
+              </a:xfrm>
+              <a:prstGeom prst="rect">
+                <a:avLst/>
+              </a:prstGeom>
+              <a:solidFill>
+                <a:schemeClr val="bg2">
+                  <a:lumMod val="75000"/>
+                  <a:alpha val="31000"/>
+                </a:schemeClr>
+              </a:solidFill>
+              <a:ln>
+                <a:noFill/>
+              </a:ln>
+            </p:spPr>
+            <p:style>
+              <a:lnRef idx="2">
+                <a:schemeClr val="accent1">
+                  <a:shade val="50000"/>
+                </a:schemeClr>
+              </a:lnRef>
+              <a:fillRef idx="1">
+                <a:schemeClr val="accent1"/>
+              </a:fillRef>
+              <a:effectRef idx="0">
+                <a:schemeClr val="accent1"/>
+              </a:effectRef>
+              <a:fontRef idx="minor">
+                <a:schemeClr val="lt1"/>
+              </a:fontRef>
+            </p:style>
+            <p:txBody>
+              <a:bodyPr rtlCol="0" anchor="ctr"/>
+              <a:lstStyle/>
+              <a:p>
+                <a:pPr algn="ctr"/>
+                <a:endParaRPr lang="en-US" dirty="0"/>
+              </a:p>
+            </p:txBody>
+          </p:sp>
+        </p:grpSp>
+        <p:sp>
+          <p:nvSpPr>
+            <p:cNvPr id="44" name="TextBox 1">
+              <a:extLst>
+                <a:ext uri="{FF2B5EF4-FFF2-40B4-BE49-F238E27FC236}">
+                  <a16:creationId xmlns:a16="http://schemas.microsoft.com/office/drawing/2014/main" id="{AC2D7ACF-28D2-1045-BA00-188EE2AB01F7}"/>
+                </a:ext>
+              </a:extLst>
+            </p:cNvPr>
+            <p:cNvSpPr txBox="1"/>
+            <p:nvPr/>
+          </p:nvSpPr>
+          <p:spPr>
+            <a:xfrm>
+              <a:off x="606970" y="3059324"/>
+              <a:ext cx="5290045" cy="201445"/>
+            </a:xfrm>
+            <a:prstGeom prst="rect">
+              <a:avLst/>
+            </a:prstGeom>
+          </p:spPr>
+          <p:txBody>
+            <a:bodyPr wrap="square" rtlCol="0"/>
+            <a:lstStyle>
+              <a:lvl1pPr marL="0" indent="0">
+                <a:defRPr sz="1100">
+                  <a:latin typeface="+mn-lt"/>
+                  <a:ea typeface="+mn-ea"/>
+                  <a:cs typeface="+mn-cs"/>
+                </a:defRPr>
+              </a:lvl1pPr>
+              <a:lvl2pPr marL="457200" indent="0">
+                <a:defRPr sz="1100">
+                  <a:latin typeface="+mn-lt"/>
+                  <a:ea typeface="+mn-ea"/>
+                  <a:cs typeface="+mn-cs"/>
+                </a:defRPr>
+              </a:lvl2pPr>
+              <a:lvl3pPr marL="914400" indent="0">
+                <a:defRPr sz="1100">
+                  <a:latin typeface="+mn-lt"/>
+                  <a:ea typeface="+mn-ea"/>
+                  <a:cs typeface="+mn-cs"/>
+                </a:defRPr>
+              </a:lvl3pPr>
+              <a:lvl4pPr marL="1371600" indent="0">
+                <a:defRPr sz="1100">
+                  <a:latin typeface="+mn-lt"/>
+                  <a:ea typeface="+mn-ea"/>
+                  <a:cs typeface="+mn-cs"/>
+                </a:defRPr>
+              </a:lvl4pPr>
+              <a:lvl5pPr marL="1828800" indent="0">
+                <a:defRPr sz="1100">
+                  <a:latin typeface="+mn-lt"/>
+                  <a:ea typeface="+mn-ea"/>
+                  <a:cs typeface="+mn-cs"/>
+                </a:defRPr>
+              </a:lvl5pPr>
+              <a:lvl6pPr marL="2286000" indent="0">
+                <a:defRPr sz="1100">
+                  <a:latin typeface="+mn-lt"/>
+                  <a:ea typeface="+mn-ea"/>
+                  <a:cs typeface="+mn-cs"/>
+                </a:defRPr>
+              </a:lvl6pPr>
+              <a:lvl7pPr marL="2743200" indent="0">
+                <a:defRPr sz="1100">
+                  <a:latin typeface="+mn-lt"/>
+                  <a:ea typeface="+mn-ea"/>
+                  <a:cs typeface="+mn-cs"/>
+                </a:defRPr>
+              </a:lvl7pPr>
+              <a:lvl8pPr marL="3200400" indent="0">
+                <a:defRPr sz="1100">
+                  <a:latin typeface="+mn-lt"/>
+                  <a:ea typeface="+mn-ea"/>
+                  <a:cs typeface="+mn-cs"/>
+                </a:defRPr>
+              </a:lvl8pPr>
+              <a:lvl9pPr marL="3657600" indent="0">
+                <a:defRPr sz="1100">
+                  <a:latin typeface="+mn-lt"/>
+                  <a:ea typeface="+mn-ea"/>
+                  <a:cs typeface="+mn-cs"/>
+                </a:defRPr>
+              </a:lvl9pPr>
+            </a:lstStyle>
+            <a:p>
+              <a:r>
+                <a:rPr lang="en-US" sz="1000" dirty="0"/>
+                <a:t>Jan           Feb      Mar         Apr        May         Jun         Jul          Aug        Sep         Oct        Nov          Dec</a:t>
+              </a:r>
+            </a:p>
+          </p:txBody>
+        </p:sp>
+      </p:grpSp>
+      <p:grpSp>
+        <p:nvGrpSpPr>
+          <p:cNvPr id="2" name="Group 1">
+            <a:extLst>
+              <a:ext uri="{FF2B5EF4-FFF2-40B4-BE49-F238E27FC236}">
+                <a16:creationId xmlns:a16="http://schemas.microsoft.com/office/drawing/2014/main" id="{9C75034F-8AE4-654D-AC83-880172EE3F9A}"/>
+              </a:ext>
+            </a:extLst>
+          </p:cNvPr>
+          <p:cNvGrpSpPr/>
+          <p:nvPr/>
+        </p:nvGrpSpPr>
+        <p:grpSpPr>
+          <a:xfrm>
+            <a:off x="5944738" y="16810"/>
+            <a:ext cx="5876572" cy="3329862"/>
+            <a:chOff x="6009701" y="100011"/>
+            <a:chExt cx="5876572" cy="3329862"/>
+          </a:xfrm>
+        </p:grpSpPr>
+        <p:graphicFrame>
+          <p:nvGraphicFramePr>
+            <p:cNvPr id="5" name="Chart 4">
+              <a:extLst>
+                <a:ext uri="{FF2B5EF4-FFF2-40B4-BE49-F238E27FC236}">
+                  <a16:creationId xmlns:a16="http://schemas.microsoft.com/office/drawing/2014/main" id="{FD1C244A-863E-0448-A8A5-7F6A2780B1B6}"/>
+                </a:ext>
+              </a:extLst>
+            </p:cNvPr>
+            <p:cNvGraphicFramePr>
+              <a:graphicFrameLocks/>
+            </p:cNvGraphicFramePr>
+            <p:nvPr>
+              <p:extLst>
+                <p:ext uri="{D42A27DB-BD31-4B8C-83A1-F6EECF244321}">
+                  <p14:modId xmlns:p14="http://schemas.microsoft.com/office/powerpoint/2010/main" val="1344937297"/>
+                </p:ext>
+              </p:extLst>
+            </p:nvPr>
+          </p:nvGraphicFramePr>
+          <p:xfrm>
+            <a:off x="6009701" y="100011"/>
+            <a:ext cx="5876572" cy="3329862"/>
+          </p:xfrm>
+          <a:graphic>
+            <a:graphicData uri="http://schemas.openxmlformats.org/drawingml/2006/chart">
+              <c:chart xmlns:c="http://schemas.openxmlformats.org/drawingml/2006/chart" xmlns:r="http://schemas.openxmlformats.org/officeDocument/2006/relationships" r:id="rId3"/>
+            </a:graphicData>
+          </a:graphic>
+        </p:graphicFrame>
+        <p:grpSp>
+          <p:nvGrpSpPr>
+            <p:cNvPr id="46" name="Group 45">
+              <a:extLst>
+                <a:ext uri="{FF2B5EF4-FFF2-40B4-BE49-F238E27FC236}">
+                  <a16:creationId xmlns:a16="http://schemas.microsoft.com/office/drawing/2014/main" id="{3B45783F-AA40-014D-8066-D07289C01F4A}"/>
+                </a:ext>
+              </a:extLst>
+            </p:cNvPr>
+            <p:cNvGrpSpPr/>
+            <p:nvPr/>
+          </p:nvGrpSpPr>
+          <p:grpSpPr>
+            <a:xfrm>
+              <a:off x="6375302" y="619874"/>
+              <a:ext cx="5269851" cy="2452813"/>
+              <a:chOff x="575815" y="711750"/>
+              <a:chExt cx="5321200" cy="2549019"/>
+            </a:xfrm>
+          </p:grpSpPr>
+          <p:grpSp>
+            <p:nvGrpSpPr>
+              <p:cNvPr id="47" name="Group 46">
+                <a:extLst>
+                  <a:ext uri="{FF2B5EF4-FFF2-40B4-BE49-F238E27FC236}">
+                    <a16:creationId xmlns:a16="http://schemas.microsoft.com/office/drawing/2014/main" id="{16FCC2CA-1741-A440-9B1F-80ED9D8B58E0}"/>
+                  </a:ext>
+                </a:extLst>
+              </p:cNvPr>
+              <p:cNvGrpSpPr/>
+              <p:nvPr/>
+            </p:nvGrpSpPr>
+            <p:grpSpPr>
+              <a:xfrm>
+                <a:off x="575815" y="711750"/>
+                <a:ext cx="4783585" cy="2549019"/>
+                <a:chOff x="770128" y="865631"/>
+                <a:chExt cx="9769856" cy="5518235"/>
+              </a:xfrm>
+            </p:grpSpPr>
+            <p:sp>
+              <p:nvSpPr>
+                <p:cNvPr id="49" name="Rectangle 48">
+                  <a:extLst>
+                    <a:ext uri="{FF2B5EF4-FFF2-40B4-BE49-F238E27FC236}">
+                      <a16:creationId xmlns:a16="http://schemas.microsoft.com/office/drawing/2014/main" id="{B24B8081-D5FC-0742-B37B-004ED2D4E855}"/>
+                    </a:ext>
+                  </a:extLst>
+                </p:cNvPr>
+                <p:cNvSpPr/>
+                <p:nvPr/>
+              </p:nvSpPr>
+              <p:spPr>
+                <a:xfrm>
+                  <a:off x="770128" y="865631"/>
+                  <a:ext cx="863600" cy="5518235"/>
+                </a:xfrm>
+                <a:prstGeom prst="rect">
+                  <a:avLst/>
+                </a:prstGeom>
+                <a:solidFill>
+                  <a:schemeClr val="bg2">
+                    <a:lumMod val="75000"/>
+                    <a:alpha val="31000"/>
+                  </a:schemeClr>
+                </a:solidFill>
+                <a:ln>
+                  <a:noFill/>
+                </a:ln>
+              </p:spPr>
+              <p:style>
+                <a:lnRef idx="2">
+                  <a:schemeClr val="accent1">
+                    <a:shade val="50000"/>
+                  </a:schemeClr>
+                </a:lnRef>
+                <a:fillRef idx="1">
+                  <a:schemeClr val="accent1"/>
+                </a:fillRef>
+                <a:effectRef idx="0">
+                  <a:schemeClr val="accent1"/>
+                </a:effectRef>
+                <a:fontRef idx="minor">
+                  <a:schemeClr val="lt1"/>
+                </a:fontRef>
+              </p:style>
+              <p:txBody>
+                <a:bodyPr rtlCol="0" anchor="ctr"/>
+                <a:lstStyle/>
+                <a:p>
+                  <a:pPr algn="ctr"/>
+                  <a:endParaRPr lang="en-US" dirty="0"/>
+                </a:p>
+              </p:txBody>
+            </p:sp>
+            <p:sp>
+              <p:nvSpPr>
+                <p:cNvPr id="50" name="Rectangle 49">
+                  <a:extLst>
+                    <a:ext uri="{FF2B5EF4-FFF2-40B4-BE49-F238E27FC236}">
+                      <a16:creationId xmlns:a16="http://schemas.microsoft.com/office/drawing/2014/main" id="{BF63A747-3FA2-8D45-A3BC-43E18311A7DE}"/>
+                    </a:ext>
+                  </a:extLst>
+                </p:cNvPr>
+                <p:cNvSpPr/>
+                <p:nvPr/>
+              </p:nvSpPr>
+              <p:spPr>
+                <a:xfrm>
+                  <a:off x="2483104" y="865631"/>
+                  <a:ext cx="863600" cy="5518235"/>
+                </a:xfrm>
+                <a:prstGeom prst="rect">
+                  <a:avLst/>
+                </a:prstGeom>
+                <a:solidFill>
+                  <a:schemeClr val="bg2">
+                    <a:lumMod val="75000"/>
+                    <a:alpha val="31000"/>
+                  </a:schemeClr>
+                </a:solidFill>
+                <a:ln>
+                  <a:noFill/>
+                </a:ln>
+              </p:spPr>
+              <p:style>
+                <a:lnRef idx="2">
+                  <a:schemeClr val="accent1">
+                    <a:shade val="50000"/>
+                  </a:schemeClr>
+                </a:lnRef>
+                <a:fillRef idx="1">
+                  <a:schemeClr val="accent1"/>
+                </a:fillRef>
+                <a:effectRef idx="0">
+                  <a:schemeClr val="accent1"/>
+                </a:effectRef>
+                <a:fontRef idx="minor">
+                  <a:schemeClr val="lt1"/>
+                </a:fontRef>
+              </p:style>
+              <p:txBody>
+                <a:bodyPr rtlCol="0" anchor="ctr"/>
+                <a:lstStyle/>
+                <a:p>
+                  <a:pPr algn="ctr"/>
+                  <a:endParaRPr lang="en-US" dirty="0"/>
+                </a:p>
+              </p:txBody>
+            </p:sp>
+            <p:sp>
+              <p:nvSpPr>
+                <p:cNvPr id="51" name="Rectangle 50">
+                  <a:extLst>
+                    <a:ext uri="{FF2B5EF4-FFF2-40B4-BE49-F238E27FC236}">
+                      <a16:creationId xmlns:a16="http://schemas.microsoft.com/office/drawing/2014/main" id="{6096AABC-9912-0C44-9B58-B2EC707E42B5}"/>
+                    </a:ext>
+                  </a:extLst>
+                </p:cNvPr>
+                <p:cNvSpPr/>
+                <p:nvPr/>
+              </p:nvSpPr>
+              <p:spPr>
+                <a:xfrm>
+                  <a:off x="4305808" y="865631"/>
+                  <a:ext cx="863600" cy="5518235"/>
+                </a:xfrm>
+                <a:prstGeom prst="rect">
+                  <a:avLst/>
+                </a:prstGeom>
+                <a:solidFill>
+                  <a:schemeClr val="bg2">
+                    <a:lumMod val="75000"/>
+                    <a:alpha val="31000"/>
+                  </a:schemeClr>
+                </a:solidFill>
+                <a:ln>
+                  <a:noFill/>
+                </a:ln>
+              </p:spPr>
+              <p:style>
+                <a:lnRef idx="2">
+                  <a:schemeClr val="accent1">
+                    <a:shade val="50000"/>
+                  </a:schemeClr>
+                </a:lnRef>
+                <a:fillRef idx="1">
+                  <a:schemeClr val="accent1"/>
+                </a:fillRef>
+                <a:effectRef idx="0">
+                  <a:schemeClr val="accent1"/>
+                </a:effectRef>
+                <a:fontRef idx="minor">
+                  <a:schemeClr val="lt1"/>
+                </a:fontRef>
+              </p:style>
+              <p:txBody>
+                <a:bodyPr rtlCol="0" anchor="ctr"/>
+                <a:lstStyle/>
+                <a:p>
+                  <a:pPr algn="ctr"/>
+                  <a:endParaRPr lang="en-US" dirty="0"/>
+                </a:p>
+              </p:txBody>
+            </p:sp>
+            <p:sp>
+              <p:nvSpPr>
+                <p:cNvPr id="52" name="Rectangle 51">
+                  <a:extLst>
+                    <a:ext uri="{FF2B5EF4-FFF2-40B4-BE49-F238E27FC236}">
+                      <a16:creationId xmlns:a16="http://schemas.microsoft.com/office/drawing/2014/main" id="{92EDC601-7C2B-6646-ABE0-36463EC9CE6D}"/>
+                    </a:ext>
+                  </a:extLst>
+                </p:cNvPr>
+                <p:cNvSpPr/>
+                <p:nvPr/>
+              </p:nvSpPr>
+              <p:spPr>
+                <a:xfrm>
+                  <a:off x="6096000" y="865631"/>
+                  <a:ext cx="863600" cy="5518235"/>
+                </a:xfrm>
+                <a:prstGeom prst="rect">
+                  <a:avLst/>
+                </a:prstGeom>
+                <a:solidFill>
+                  <a:schemeClr val="bg2">
+                    <a:lumMod val="75000"/>
+                    <a:alpha val="31000"/>
+                  </a:schemeClr>
+                </a:solidFill>
+                <a:ln>
+                  <a:noFill/>
+                </a:ln>
+              </p:spPr>
+              <p:style>
+                <a:lnRef idx="2">
+                  <a:schemeClr val="accent1">
+                    <a:shade val="50000"/>
+                  </a:schemeClr>
+                </a:lnRef>
+                <a:fillRef idx="1">
+                  <a:schemeClr val="accent1"/>
+                </a:fillRef>
+                <a:effectRef idx="0">
+                  <a:schemeClr val="accent1"/>
+                </a:effectRef>
+                <a:fontRef idx="minor">
+                  <a:schemeClr val="lt1"/>
+                </a:fontRef>
+              </p:style>
+              <p:txBody>
+                <a:bodyPr rtlCol="0" anchor="ctr"/>
+                <a:lstStyle/>
+                <a:p>
+                  <a:pPr algn="ctr"/>
+                  <a:endParaRPr lang="en-US" dirty="0"/>
+                </a:p>
+              </p:txBody>
+            </p:sp>
+            <p:sp>
+              <p:nvSpPr>
+                <p:cNvPr id="53" name="Rectangle 52">
+                  <a:extLst>
+                    <a:ext uri="{FF2B5EF4-FFF2-40B4-BE49-F238E27FC236}">
+                      <a16:creationId xmlns:a16="http://schemas.microsoft.com/office/drawing/2014/main" id="{D63E1332-9DDE-5548-8425-810C5A76E08C}"/>
+                    </a:ext>
+                  </a:extLst>
+                </p:cNvPr>
+                <p:cNvSpPr/>
+                <p:nvPr/>
+              </p:nvSpPr>
+              <p:spPr>
+                <a:xfrm>
+                  <a:off x="7886192" y="865631"/>
+                  <a:ext cx="863600" cy="5518235"/>
+                </a:xfrm>
+                <a:prstGeom prst="rect">
+                  <a:avLst/>
+                </a:prstGeom>
+                <a:solidFill>
+                  <a:schemeClr val="bg2">
+                    <a:lumMod val="75000"/>
+                    <a:alpha val="31000"/>
+                  </a:schemeClr>
+                </a:solidFill>
+                <a:ln>
+                  <a:noFill/>
+                </a:ln>
+              </p:spPr>
+              <p:style>
+                <a:lnRef idx="2">
+                  <a:schemeClr val="accent1">
+                    <a:shade val="50000"/>
+                  </a:schemeClr>
+                </a:lnRef>
+                <a:fillRef idx="1">
+                  <a:schemeClr val="accent1"/>
+                </a:fillRef>
+                <a:effectRef idx="0">
+                  <a:schemeClr val="accent1"/>
+                </a:effectRef>
+                <a:fontRef idx="minor">
+                  <a:schemeClr val="lt1"/>
+                </a:fontRef>
+              </p:style>
+              <p:txBody>
+                <a:bodyPr rtlCol="0" anchor="ctr"/>
+                <a:lstStyle/>
+                <a:p>
+                  <a:pPr algn="ctr"/>
+                  <a:endParaRPr lang="en-US" dirty="0"/>
+                </a:p>
+              </p:txBody>
+            </p:sp>
+            <p:sp>
+              <p:nvSpPr>
+                <p:cNvPr id="54" name="Rectangle 53">
+                  <a:extLst>
+                    <a:ext uri="{FF2B5EF4-FFF2-40B4-BE49-F238E27FC236}">
+                      <a16:creationId xmlns:a16="http://schemas.microsoft.com/office/drawing/2014/main" id="{5D606024-2971-AA48-AE9C-3D7AB0CB1626}"/>
+                    </a:ext>
+                  </a:extLst>
+                </p:cNvPr>
+                <p:cNvSpPr/>
+                <p:nvPr/>
+              </p:nvSpPr>
+              <p:spPr>
+                <a:xfrm>
+                  <a:off x="9676384" y="865631"/>
+                  <a:ext cx="863600" cy="5518235"/>
+                </a:xfrm>
+                <a:prstGeom prst="rect">
+                  <a:avLst/>
+                </a:prstGeom>
+                <a:solidFill>
+                  <a:schemeClr val="bg2">
+                    <a:lumMod val="75000"/>
+                    <a:alpha val="31000"/>
+                  </a:schemeClr>
+                </a:solidFill>
+                <a:ln>
+                  <a:noFill/>
+                </a:ln>
+              </p:spPr>
+              <p:style>
+                <a:lnRef idx="2">
+                  <a:schemeClr val="accent1">
+                    <a:shade val="50000"/>
+                  </a:schemeClr>
+                </a:lnRef>
+                <a:fillRef idx="1">
+                  <a:schemeClr val="accent1"/>
+                </a:fillRef>
+                <a:effectRef idx="0">
+                  <a:schemeClr val="accent1"/>
+                </a:effectRef>
+                <a:fontRef idx="minor">
+                  <a:schemeClr val="lt1"/>
+                </a:fontRef>
+              </p:style>
+              <p:txBody>
+                <a:bodyPr rtlCol="0" anchor="ctr"/>
+                <a:lstStyle/>
+                <a:p>
+                  <a:pPr algn="ctr"/>
+                  <a:endParaRPr lang="en-US" dirty="0"/>
+                </a:p>
+              </p:txBody>
+            </p:sp>
+          </p:grpSp>
+          <p:sp>
+            <p:nvSpPr>
+              <p:cNvPr id="48" name="TextBox 1">
+                <a:extLst>
+                  <a:ext uri="{FF2B5EF4-FFF2-40B4-BE49-F238E27FC236}">
+                    <a16:creationId xmlns:a16="http://schemas.microsoft.com/office/drawing/2014/main" id="{AA66A71E-9018-5546-95A3-693006553CEE}"/>
+                  </a:ext>
+                </a:extLst>
+              </p:cNvPr>
+              <p:cNvSpPr txBox="1"/>
+              <p:nvPr/>
+            </p:nvSpPr>
+            <p:spPr>
+              <a:xfrm>
+                <a:off x="606970" y="3059324"/>
+                <a:ext cx="5290045" cy="201445"/>
+              </a:xfrm>
+              <a:prstGeom prst="rect">
+                <a:avLst/>
+              </a:prstGeom>
+            </p:spPr>
+            <p:txBody>
+              <a:bodyPr wrap="square" rtlCol="0"/>
+              <a:lstStyle>
+                <a:lvl1pPr marL="0" indent="0">
+                  <a:defRPr sz="1100">
+                    <a:latin typeface="+mn-lt"/>
+                    <a:ea typeface="+mn-ea"/>
+                    <a:cs typeface="+mn-cs"/>
+                  </a:defRPr>
+                </a:lvl1pPr>
+                <a:lvl2pPr marL="457200" indent="0">
+                  <a:defRPr sz="1100">
+                    <a:latin typeface="+mn-lt"/>
+                    <a:ea typeface="+mn-ea"/>
+                    <a:cs typeface="+mn-cs"/>
+                  </a:defRPr>
+                </a:lvl2pPr>
+                <a:lvl3pPr marL="914400" indent="0">
+                  <a:defRPr sz="1100">
+                    <a:latin typeface="+mn-lt"/>
+                    <a:ea typeface="+mn-ea"/>
+                    <a:cs typeface="+mn-cs"/>
+                  </a:defRPr>
+                </a:lvl3pPr>
+                <a:lvl4pPr marL="1371600" indent="0">
+                  <a:defRPr sz="1100">
+                    <a:latin typeface="+mn-lt"/>
+                    <a:ea typeface="+mn-ea"/>
+                    <a:cs typeface="+mn-cs"/>
+                  </a:defRPr>
+                </a:lvl4pPr>
+                <a:lvl5pPr marL="1828800" indent="0">
+                  <a:defRPr sz="1100">
+                    <a:latin typeface="+mn-lt"/>
+                    <a:ea typeface="+mn-ea"/>
+                    <a:cs typeface="+mn-cs"/>
+                  </a:defRPr>
+                </a:lvl5pPr>
+                <a:lvl6pPr marL="2286000" indent="0">
+                  <a:defRPr sz="1100">
+                    <a:latin typeface="+mn-lt"/>
+                    <a:ea typeface="+mn-ea"/>
+                    <a:cs typeface="+mn-cs"/>
+                  </a:defRPr>
+                </a:lvl6pPr>
+                <a:lvl7pPr marL="2743200" indent="0">
+                  <a:defRPr sz="1100">
+                    <a:latin typeface="+mn-lt"/>
+                    <a:ea typeface="+mn-ea"/>
+                    <a:cs typeface="+mn-cs"/>
+                  </a:defRPr>
+                </a:lvl7pPr>
+                <a:lvl8pPr marL="3200400" indent="0">
+                  <a:defRPr sz="1100">
+                    <a:latin typeface="+mn-lt"/>
+                    <a:ea typeface="+mn-ea"/>
+                    <a:cs typeface="+mn-cs"/>
+                  </a:defRPr>
+                </a:lvl8pPr>
+                <a:lvl9pPr marL="3657600" indent="0">
+                  <a:defRPr sz="1100">
+                    <a:latin typeface="+mn-lt"/>
+                    <a:ea typeface="+mn-ea"/>
+                    <a:cs typeface="+mn-cs"/>
+                  </a:defRPr>
+                </a:lvl9pPr>
+              </a:lstStyle>
+              <a:p>
+                <a:r>
+                  <a:rPr lang="en-US" sz="1000" dirty="0"/>
+                  <a:t>Jan           Feb      Mar         Apr        May         Jun         Jul          Aug        Sep         Oct        Nov          Dec</a:t>
+                </a:r>
+              </a:p>
+            </p:txBody>
+          </p:sp>
+        </p:grpSp>
+      </p:grpSp>
+      <p:grpSp>
+        <p:nvGrpSpPr>
+          <p:cNvPr id="65" name="Group 64">
+            <a:extLst>
+              <a:ext uri="{FF2B5EF4-FFF2-40B4-BE49-F238E27FC236}">
+                <a16:creationId xmlns:a16="http://schemas.microsoft.com/office/drawing/2014/main" id="{8811E584-54FB-5C4C-BED1-A2936C602D97}"/>
+              </a:ext>
+            </a:extLst>
+          </p:cNvPr>
+          <p:cNvGrpSpPr/>
+          <p:nvPr/>
+        </p:nvGrpSpPr>
+        <p:grpSpPr>
+          <a:xfrm>
+            <a:off x="6330256" y="3961064"/>
+            <a:ext cx="5321200" cy="2454025"/>
+            <a:chOff x="575815" y="711750"/>
+            <a:chExt cx="5321200" cy="2549019"/>
+          </a:xfrm>
+        </p:grpSpPr>
+        <p:grpSp>
+          <p:nvGrpSpPr>
+            <p:cNvPr id="66" name="Group 65">
+              <a:extLst>
+                <a:ext uri="{FF2B5EF4-FFF2-40B4-BE49-F238E27FC236}">
+                  <a16:creationId xmlns:a16="http://schemas.microsoft.com/office/drawing/2014/main" id="{80DD933A-9F9A-944D-A164-B10384623685}"/>
+                </a:ext>
+              </a:extLst>
+            </p:cNvPr>
+            <p:cNvGrpSpPr/>
+            <p:nvPr/>
+          </p:nvGrpSpPr>
+          <p:grpSpPr>
+            <a:xfrm>
+              <a:off x="575815" y="711750"/>
+              <a:ext cx="4783585" cy="2549019"/>
+              <a:chOff x="770128" y="865631"/>
+              <a:chExt cx="9769856" cy="5518235"/>
+            </a:xfrm>
+          </p:grpSpPr>
+          <p:sp>
+            <p:nvSpPr>
+              <p:cNvPr id="68" name="Rectangle 67">
+                <a:extLst>
+                  <a:ext uri="{FF2B5EF4-FFF2-40B4-BE49-F238E27FC236}">
+                    <a16:creationId xmlns:a16="http://schemas.microsoft.com/office/drawing/2014/main" id="{1C40CDF3-F49B-8043-B299-D38E973B7924}"/>
+                  </a:ext>
+                </a:extLst>
+              </p:cNvPr>
+              <p:cNvSpPr/>
+              <p:nvPr/>
+            </p:nvSpPr>
+            <p:spPr>
+              <a:xfrm>
+                <a:off x="770128" y="865631"/>
+                <a:ext cx="863600" cy="5518235"/>
+              </a:xfrm>
+              <a:prstGeom prst="rect">
+                <a:avLst/>
+              </a:prstGeom>
+              <a:solidFill>
+                <a:schemeClr val="bg2">
+                  <a:lumMod val="75000"/>
+                  <a:alpha val="31000"/>
+                </a:schemeClr>
+              </a:solidFill>
+              <a:ln>
+                <a:noFill/>
+              </a:ln>
+            </p:spPr>
+            <p:style>
+              <a:lnRef idx="2">
+                <a:schemeClr val="accent1">
+                  <a:shade val="50000"/>
+                </a:schemeClr>
+              </a:lnRef>
+              <a:fillRef idx="1">
+                <a:schemeClr val="accent1"/>
+              </a:fillRef>
+              <a:effectRef idx="0">
+                <a:schemeClr val="accent1"/>
+              </a:effectRef>
+              <a:fontRef idx="minor">
+                <a:schemeClr val="lt1"/>
+              </a:fontRef>
+            </p:style>
+            <p:txBody>
+              <a:bodyPr rtlCol="0" anchor="ctr"/>
+              <a:lstStyle/>
+              <a:p>
+                <a:pPr algn="ctr"/>
+                <a:endParaRPr lang="en-US" dirty="0"/>
+              </a:p>
+            </p:txBody>
+          </p:sp>
+          <p:sp>
+            <p:nvSpPr>
+              <p:cNvPr id="69" name="Rectangle 68">
+                <a:extLst>
+                  <a:ext uri="{FF2B5EF4-FFF2-40B4-BE49-F238E27FC236}">
+                    <a16:creationId xmlns:a16="http://schemas.microsoft.com/office/drawing/2014/main" id="{214A823D-AB3A-8347-9B8E-9E8F9ACBEFEA}"/>
+                  </a:ext>
+                </a:extLst>
+              </p:cNvPr>
+              <p:cNvSpPr/>
+              <p:nvPr/>
+            </p:nvSpPr>
+            <p:spPr>
+              <a:xfrm>
+                <a:off x="2483104" y="865631"/>
+                <a:ext cx="863600" cy="5518235"/>
+              </a:xfrm>
+              <a:prstGeom prst="rect">
+                <a:avLst/>
+              </a:prstGeom>
+              <a:solidFill>
+                <a:schemeClr val="bg2">
+                  <a:lumMod val="75000"/>
+                  <a:alpha val="31000"/>
+                </a:schemeClr>
+              </a:solidFill>
+              <a:ln>
+                <a:noFill/>
+              </a:ln>
+            </p:spPr>
+            <p:style>
+              <a:lnRef idx="2">
+                <a:schemeClr val="accent1">
+                  <a:shade val="50000"/>
+                </a:schemeClr>
+              </a:lnRef>
+              <a:fillRef idx="1">
+                <a:schemeClr val="accent1"/>
+              </a:fillRef>
+              <a:effectRef idx="0">
+                <a:schemeClr val="accent1"/>
+              </a:effectRef>
+              <a:fontRef idx="minor">
+                <a:schemeClr val="lt1"/>
+              </a:fontRef>
+            </p:style>
+            <p:txBody>
+              <a:bodyPr rtlCol="0" anchor="ctr"/>
+              <a:lstStyle/>
+              <a:p>
+                <a:pPr algn="ctr"/>
+                <a:endParaRPr lang="en-US" dirty="0"/>
+              </a:p>
+            </p:txBody>
+          </p:sp>
+          <p:sp>
+            <p:nvSpPr>
+              <p:cNvPr id="70" name="Rectangle 69">
+                <a:extLst>
+                  <a:ext uri="{FF2B5EF4-FFF2-40B4-BE49-F238E27FC236}">
+                    <a16:creationId xmlns:a16="http://schemas.microsoft.com/office/drawing/2014/main" id="{D000E98C-2B40-1344-8AD2-997623754643}"/>
+                  </a:ext>
+                </a:extLst>
+              </p:cNvPr>
+              <p:cNvSpPr/>
+              <p:nvPr/>
+            </p:nvSpPr>
+            <p:spPr>
+              <a:xfrm>
+                <a:off x="4305808" y="865631"/>
+                <a:ext cx="863600" cy="5518235"/>
+              </a:xfrm>
+              <a:prstGeom prst="rect">
+                <a:avLst/>
+              </a:prstGeom>
+              <a:solidFill>
+                <a:schemeClr val="bg2">
+                  <a:lumMod val="75000"/>
+                  <a:alpha val="31000"/>
+                </a:schemeClr>
+              </a:solidFill>
+              <a:ln>
+                <a:noFill/>
+              </a:ln>
+            </p:spPr>
+            <p:style>
+              <a:lnRef idx="2">
+                <a:schemeClr val="accent1">
+                  <a:shade val="50000"/>
+                </a:schemeClr>
+              </a:lnRef>
+              <a:fillRef idx="1">
+                <a:schemeClr val="accent1"/>
+              </a:fillRef>
+              <a:effectRef idx="0">
+                <a:schemeClr val="accent1"/>
+              </a:effectRef>
+              <a:fontRef idx="minor">
+                <a:schemeClr val="lt1"/>
+              </a:fontRef>
+            </p:style>
+            <p:txBody>
+              <a:bodyPr rtlCol="0" anchor="ctr"/>
+              <a:lstStyle/>
+              <a:p>
+                <a:pPr algn="ctr"/>
+                <a:endParaRPr lang="en-US" dirty="0"/>
+              </a:p>
+            </p:txBody>
+          </p:sp>
+          <p:sp>
+            <p:nvSpPr>
+              <p:cNvPr id="71" name="Rectangle 70">
+                <a:extLst>
+                  <a:ext uri="{FF2B5EF4-FFF2-40B4-BE49-F238E27FC236}">
+                    <a16:creationId xmlns:a16="http://schemas.microsoft.com/office/drawing/2014/main" id="{F011F91C-88EF-DB4B-A784-F6C75B961148}"/>
+                  </a:ext>
+                </a:extLst>
+              </p:cNvPr>
+              <p:cNvSpPr/>
+              <p:nvPr/>
+            </p:nvSpPr>
+            <p:spPr>
+              <a:xfrm>
+                <a:off x="6096000" y="865631"/>
+                <a:ext cx="863600" cy="5518235"/>
+              </a:xfrm>
+              <a:prstGeom prst="rect">
+                <a:avLst/>
+              </a:prstGeom>
+              <a:solidFill>
+                <a:schemeClr val="bg2">
+                  <a:lumMod val="75000"/>
+                  <a:alpha val="31000"/>
+                </a:schemeClr>
+              </a:solidFill>
+              <a:ln>
+                <a:noFill/>
+              </a:ln>
+            </p:spPr>
+            <p:style>
+              <a:lnRef idx="2">
+                <a:schemeClr val="accent1">
+                  <a:shade val="50000"/>
+                </a:schemeClr>
+              </a:lnRef>
+              <a:fillRef idx="1">
+                <a:schemeClr val="accent1"/>
+              </a:fillRef>
+              <a:effectRef idx="0">
+                <a:schemeClr val="accent1"/>
+              </a:effectRef>
+              <a:fontRef idx="minor">
+                <a:schemeClr val="lt1"/>
+              </a:fontRef>
+            </p:style>
+            <p:txBody>
+              <a:bodyPr rtlCol="0" anchor="ctr"/>
+              <a:lstStyle/>
+              <a:p>
+                <a:pPr algn="ctr"/>
+                <a:endParaRPr lang="en-US" dirty="0"/>
+              </a:p>
+            </p:txBody>
+          </p:sp>
+          <p:sp>
+            <p:nvSpPr>
+              <p:cNvPr id="72" name="Rectangle 71">
+                <a:extLst>
+                  <a:ext uri="{FF2B5EF4-FFF2-40B4-BE49-F238E27FC236}">
+                    <a16:creationId xmlns:a16="http://schemas.microsoft.com/office/drawing/2014/main" id="{221E45DE-47F6-F448-B283-23769DC87C61}"/>
+                  </a:ext>
+                </a:extLst>
+              </p:cNvPr>
+              <p:cNvSpPr/>
+              <p:nvPr/>
+            </p:nvSpPr>
+            <p:spPr>
+              <a:xfrm>
+                <a:off x="7886192" y="865631"/>
+                <a:ext cx="863600" cy="5518235"/>
+              </a:xfrm>
+              <a:prstGeom prst="rect">
+                <a:avLst/>
+              </a:prstGeom>
+              <a:solidFill>
+                <a:schemeClr val="bg2">
+                  <a:lumMod val="75000"/>
+                  <a:alpha val="31000"/>
+                </a:schemeClr>
+              </a:solidFill>
+              <a:ln>
+                <a:noFill/>
+              </a:ln>
+            </p:spPr>
+            <p:style>
+              <a:lnRef idx="2">
+                <a:schemeClr val="accent1">
+                  <a:shade val="50000"/>
+                </a:schemeClr>
+              </a:lnRef>
+              <a:fillRef idx="1">
+                <a:schemeClr val="accent1"/>
+              </a:fillRef>
+              <a:effectRef idx="0">
+                <a:schemeClr val="accent1"/>
+              </a:effectRef>
+              <a:fontRef idx="minor">
+                <a:schemeClr val="lt1"/>
+              </a:fontRef>
+            </p:style>
+            <p:txBody>
+              <a:bodyPr rtlCol="0" anchor="ctr"/>
+              <a:lstStyle/>
+              <a:p>
+                <a:pPr algn="ctr"/>
+                <a:endParaRPr lang="en-US" dirty="0"/>
+              </a:p>
+            </p:txBody>
+          </p:sp>
+          <p:sp>
+            <p:nvSpPr>
+              <p:cNvPr id="73" name="Rectangle 72">
+                <a:extLst>
+                  <a:ext uri="{FF2B5EF4-FFF2-40B4-BE49-F238E27FC236}">
+                    <a16:creationId xmlns:a16="http://schemas.microsoft.com/office/drawing/2014/main" id="{B5C040BA-7822-3745-ACEE-FF87F2DCA68D}"/>
+                  </a:ext>
+                </a:extLst>
+              </p:cNvPr>
+              <p:cNvSpPr/>
+              <p:nvPr/>
+            </p:nvSpPr>
+            <p:spPr>
+              <a:xfrm>
+                <a:off x="9676384" y="865631"/>
+                <a:ext cx="863600" cy="5518235"/>
+              </a:xfrm>
+              <a:prstGeom prst="rect">
+                <a:avLst/>
+              </a:prstGeom>
+              <a:solidFill>
+                <a:schemeClr val="bg2">
+                  <a:lumMod val="75000"/>
+                  <a:alpha val="31000"/>
+                </a:schemeClr>
+              </a:solidFill>
+              <a:ln>
+                <a:noFill/>
+              </a:ln>
+            </p:spPr>
+            <p:style>
+              <a:lnRef idx="2">
+                <a:schemeClr val="accent1">
+                  <a:shade val="50000"/>
+                </a:schemeClr>
+              </a:lnRef>
+              <a:fillRef idx="1">
+                <a:schemeClr val="accent1"/>
+              </a:fillRef>
+              <a:effectRef idx="0">
+                <a:schemeClr val="accent1"/>
+              </a:effectRef>
+              <a:fontRef idx="minor">
+                <a:schemeClr val="lt1"/>
+              </a:fontRef>
+            </p:style>
+            <p:txBody>
+              <a:bodyPr rtlCol="0" anchor="ctr"/>
+              <a:lstStyle/>
+              <a:p>
+                <a:pPr algn="ctr"/>
+                <a:endParaRPr lang="en-US" dirty="0"/>
+              </a:p>
+            </p:txBody>
+          </p:sp>
+        </p:grpSp>
+        <p:sp>
+          <p:nvSpPr>
+            <p:cNvPr id="67" name="TextBox 1">
+              <a:extLst>
+                <a:ext uri="{FF2B5EF4-FFF2-40B4-BE49-F238E27FC236}">
+                  <a16:creationId xmlns:a16="http://schemas.microsoft.com/office/drawing/2014/main" id="{057EC12B-BAE7-9644-8875-361FE11A44D9}"/>
+                </a:ext>
+              </a:extLst>
+            </p:cNvPr>
+            <p:cNvSpPr txBox="1"/>
+            <p:nvPr/>
+          </p:nvSpPr>
+          <p:spPr>
+            <a:xfrm>
+              <a:off x="606970" y="3059324"/>
+              <a:ext cx="5290045" cy="201445"/>
+            </a:xfrm>
+            <a:prstGeom prst="rect">
+              <a:avLst/>
+            </a:prstGeom>
+          </p:spPr>
+          <p:txBody>
+            <a:bodyPr wrap="square" rtlCol="0"/>
+            <a:lstStyle>
+              <a:lvl1pPr marL="0" indent="0">
+                <a:defRPr sz="1100">
+                  <a:latin typeface="+mn-lt"/>
+                  <a:ea typeface="+mn-ea"/>
+                  <a:cs typeface="+mn-cs"/>
+                </a:defRPr>
+              </a:lvl1pPr>
+              <a:lvl2pPr marL="457200" indent="0">
+                <a:defRPr sz="1100">
+                  <a:latin typeface="+mn-lt"/>
+                  <a:ea typeface="+mn-ea"/>
+                  <a:cs typeface="+mn-cs"/>
+                </a:defRPr>
+              </a:lvl2pPr>
+              <a:lvl3pPr marL="914400" indent="0">
+                <a:defRPr sz="1100">
+                  <a:latin typeface="+mn-lt"/>
+                  <a:ea typeface="+mn-ea"/>
+                  <a:cs typeface="+mn-cs"/>
+                </a:defRPr>
+              </a:lvl3pPr>
+              <a:lvl4pPr marL="1371600" indent="0">
+                <a:defRPr sz="1100">
+                  <a:latin typeface="+mn-lt"/>
+                  <a:ea typeface="+mn-ea"/>
+                  <a:cs typeface="+mn-cs"/>
+                </a:defRPr>
+              </a:lvl4pPr>
+              <a:lvl5pPr marL="1828800" indent="0">
+                <a:defRPr sz="1100">
+                  <a:latin typeface="+mn-lt"/>
+                  <a:ea typeface="+mn-ea"/>
+                  <a:cs typeface="+mn-cs"/>
+                </a:defRPr>
+              </a:lvl5pPr>
+              <a:lvl6pPr marL="2286000" indent="0">
+                <a:defRPr sz="1100">
+                  <a:latin typeface="+mn-lt"/>
+                  <a:ea typeface="+mn-ea"/>
+                  <a:cs typeface="+mn-cs"/>
+                </a:defRPr>
+              </a:lvl6pPr>
+              <a:lvl7pPr marL="2743200" indent="0">
+                <a:defRPr sz="1100">
+                  <a:latin typeface="+mn-lt"/>
+                  <a:ea typeface="+mn-ea"/>
+                  <a:cs typeface="+mn-cs"/>
+                </a:defRPr>
+              </a:lvl7pPr>
+              <a:lvl8pPr marL="3200400" indent="0">
+                <a:defRPr sz="1100">
+                  <a:latin typeface="+mn-lt"/>
+                  <a:ea typeface="+mn-ea"/>
+                  <a:cs typeface="+mn-cs"/>
+                </a:defRPr>
+              </a:lvl8pPr>
+              <a:lvl9pPr marL="3657600" indent="0">
+                <a:defRPr sz="1100">
+                  <a:latin typeface="+mn-lt"/>
+                  <a:ea typeface="+mn-ea"/>
+                  <a:cs typeface="+mn-cs"/>
+                </a:defRPr>
+              </a:lvl9pPr>
+            </a:lstStyle>
+            <a:p>
+              <a:r>
+                <a:rPr lang="en-US" sz="1000" dirty="0"/>
+                <a:t>Jan          Feb      Mar         Apr        May         Jun         Jul          Aug        Sep         Oct        Nov          Dec</a:t>
+              </a:r>
+            </a:p>
+          </p:txBody>
+        </p:sp>
+      </p:grpSp>
+      <p:graphicFrame>
+        <p:nvGraphicFramePr>
+          <p:cNvPr id="6" name="Chart 5">
+            <a:extLst>
+              <a:ext uri="{FF2B5EF4-FFF2-40B4-BE49-F238E27FC236}">
+                <a16:creationId xmlns:a16="http://schemas.microsoft.com/office/drawing/2014/main" id="{04A57A76-3301-B642-975B-A4A5D4C1213B}"/>
+              </a:ext>
+            </a:extLst>
+          </p:cNvPr>
+          <p:cNvGraphicFramePr>
+            <a:graphicFrameLocks/>
+          </p:cNvGraphicFramePr>
+          <p:nvPr>
+            <p:extLst>
+              <p:ext uri="{D42A27DB-BD31-4B8C-83A1-F6EECF244321}">
+                <p14:modId xmlns:p14="http://schemas.microsoft.com/office/powerpoint/2010/main" val="4288945474"/>
+              </p:ext>
+            </p:extLst>
+          </p:nvPr>
+        </p:nvGraphicFramePr>
+        <p:xfrm>
+          <a:off x="102042" y="3430730"/>
+          <a:ext cx="5876572" cy="3328116"/>
+        </p:xfrm>
+        <a:graphic>
+          <a:graphicData uri="http://schemas.openxmlformats.org/drawingml/2006/chart">
+            <c:chart xmlns:c="http://schemas.openxmlformats.org/drawingml/2006/chart" xmlns:r="http://schemas.openxmlformats.org/officeDocument/2006/relationships" r:id="rId4"/>
+          </a:graphicData>
+        </a:graphic>
+      </p:graphicFrame>
+      <p:grpSp>
+        <p:nvGrpSpPr>
+          <p:cNvPr id="56" name="Group 55">
+            <a:extLst>
+              <a:ext uri="{FF2B5EF4-FFF2-40B4-BE49-F238E27FC236}">
+                <a16:creationId xmlns:a16="http://schemas.microsoft.com/office/drawing/2014/main" id="{207EFECA-272A-AE44-B417-81CAB54B2591}"/>
+              </a:ext>
+            </a:extLst>
+          </p:cNvPr>
+          <p:cNvGrpSpPr/>
+          <p:nvPr/>
+        </p:nvGrpSpPr>
+        <p:grpSpPr>
+          <a:xfrm>
+            <a:off x="508512" y="3961065"/>
+            <a:ext cx="5321200" cy="2454024"/>
+            <a:chOff x="575815" y="711750"/>
+            <a:chExt cx="5321200" cy="2549019"/>
+          </a:xfrm>
+        </p:grpSpPr>
+        <p:grpSp>
+          <p:nvGrpSpPr>
+            <p:cNvPr id="57" name="Group 56">
+              <a:extLst>
+                <a:ext uri="{FF2B5EF4-FFF2-40B4-BE49-F238E27FC236}">
+                  <a16:creationId xmlns:a16="http://schemas.microsoft.com/office/drawing/2014/main" id="{862250E3-F5A5-8E42-986A-C01DACCB8B57}"/>
+                </a:ext>
+              </a:extLst>
+            </p:cNvPr>
+            <p:cNvGrpSpPr/>
+            <p:nvPr/>
+          </p:nvGrpSpPr>
+          <p:grpSpPr>
+            <a:xfrm>
+              <a:off x="575815" y="711750"/>
+              <a:ext cx="4783585" cy="2549019"/>
+              <a:chOff x="770128" y="865631"/>
+              <a:chExt cx="9769856" cy="5518235"/>
+            </a:xfrm>
+          </p:grpSpPr>
+          <p:sp>
+            <p:nvSpPr>
+              <p:cNvPr id="59" name="Rectangle 58">
+                <a:extLst>
+                  <a:ext uri="{FF2B5EF4-FFF2-40B4-BE49-F238E27FC236}">
+                    <a16:creationId xmlns:a16="http://schemas.microsoft.com/office/drawing/2014/main" id="{C4AD3C26-1535-AC40-9453-EB53083FB92C}"/>
+                  </a:ext>
+                </a:extLst>
+              </p:cNvPr>
+              <p:cNvSpPr/>
+              <p:nvPr/>
+            </p:nvSpPr>
+            <p:spPr>
+              <a:xfrm>
+                <a:off x="770128" y="865631"/>
+                <a:ext cx="863600" cy="5518235"/>
+              </a:xfrm>
+              <a:prstGeom prst="rect">
+                <a:avLst/>
+              </a:prstGeom>
+              <a:solidFill>
+                <a:schemeClr val="bg2">
+                  <a:lumMod val="75000"/>
+                  <a:alpha val="31000"/>
+                </a:schemeClr>
+              </a:solidFill>
+              <a:ln>
+                <a:noFill/>
+              </a:ln>
+            </p:spPr>
+            <p:style>
+              <a:lnRef idx="2">
+                <a:schemeClr val="accent1">
+                  <a:shade val="50000"/>
+                </a:schemeClr>
+              </a:lnRef>
+              <a:fillRef idx="1">
+                <a:schemeClr val="accent1"/>
+              </a:fillRef>
+              <a:effectRef idx="0">
+                <a:schemeClr val="accent1"/>
+              </a:effectRef>
+              <a:fontRef idx="minor">
+                <a:schemeClr val="lt1"/>
+              </a:fontRef>
+            </p:style>
+            <p:txBody>
+              <a:bodyPr rtlCol="0" anchor="ctr"/>
+              <a:lstStyle/>
+              <a:p>
+                <a:pPr algn="ctr"/>
+                <a:endParaRPr lang="en-US" dirty="0"/>
+              </a:p>
+            </p:txBody>
+          </p:sp>
+          <p:sp>
+            <p:nvSpPr>
+              <p:cNvPr id="60" name="Rectangle 59">
+                <a:extLst>
+                  <a:ext uri="{FF2B5EF4-FFF2-40B4-BE49-F238E27FC236}">
+                    <a16:creationId xmlns:a16="http://schemas.microsoft.com/office/drawing/2014/main" id="{976D327F-8F08-1E43-B6AF-80C8270892C7}"/>
+                  </a:ext>
+                </a:extLst>
+              </p:cNvPr>
+              <p:cNvSpPr/>
+              <p:nvPr/>
+            </p:nvSpPr>
+            <p:spPr>
+              <a:xfrm>
+                <a:off x="2483104" y="865631"/>
+                <a:ext cx="863600" cy="5518235"/>
+              </a:xfrm>
+              <a:prstGeom prst="rect">
+                <a:avLst/>
+              </a:prstGeom>
+              <a:solidFill>
+                <a:schemeClr val="bg2">
+                  <a:lumMod val="75000"/>
+                  <a:alpha val="31000"/>
+                </a:schemeClr>
+              </a:solidFill>
+              <a:ln>
+                <a:noFill/>
+              </a:ln>
+            </p:spPr>
+            <p:style>
+              <a:lnRef idx="2">
+                <a:schemeClr val="accent1">
+                  <a:shade val="50000"/>
+                </a:schemeClr>
+              </a:lnRef>
+              <a:fillRef idx="1">
+                <a:schemeClr val="accent1"/>
+              </a:fillRef>
+              <a:effectRef idx="0">
+                <a:schemeClr val="accent1"/>
+              </a:effectRef>
+              <a:fontRef idx="minor">
+                <a:schemeClr val="lt1"/>
+              </a:fontRef>
+            </p:style>
+            <p:txBody>
+              <a:bodyPr rtlCol="0" anchor="ctr"/>
+              <a:lstStyle/>
+              <a:p>
+                <a:pPr algn="ctr"/>
+                <a:endParaRPr lang="en-US" dirty="0"/>
+              </a:p>
+            </p:txBody>
+          </p:sp>
+          <p:sp>
+            <p:nvSpPr>
+              <p:cNvPr id="61" name="Rectangle 60">
+                <a:extLst>
+                  <a:ext uri="{FF2B5EF4-FFF2-40B4-BE49-F238E27FC236}">
+                    <a16:creationId xmlns:a16="http://schemas.microsoft.com/office/drawing/2014/main" id="{0DB23733-09AB-1547-98FA-2834C6336F1F}"/>
+                  </a:ext>
+                </a:extLst>
+              </p:cNvPr>
+              <p:cNvSpPr/>
+              <p:nvPr/>
+            </p:nvSpPr>
+            <p:spPr>
+              <a:xfrm>
+                <a:off x="4305808" y="865631"/>
+                <a:ext cx="863600" cy="5518235"/>
+              </a:xfrm>
+              <a:prstGeom prst="rect">
+                <a:avLst/>
+              </a:prstGeom>
+              <a:solidFill>
+                <a:schemeClr val="bg2">
+                  <a:lumMod val="75000"/>
+                  <a:alpha val="31000"/>
+                </a:schemeClr>
+              </a:solidFill>
+              <a:ln>
+                <a:noFill/>
+              </a:ln>
+            </p:spPr>
+            <p:style>
+              <a:lnRef idx="2">
+                <a:schemeClr val="accent1">
+                  <a:shade val="50000"/>
+                </a:schemeClr>
+              </a:lnRef>
+              <a:fillRef idx="1">
+                <a:schemeClr val="accent1"/>
+              </a:fillRef>
+              <a:effectRef idx="0">
+                <a:schemeClr val="accent1"/>
+              </a:effectRef>
+              <a:fontRef idx="minor">
+                <a:schemeClr val="lt1"/>
+              </a:fontRef>
+            </p:style>
+            <p:txBody>
+              <a:bodyPr rtlCol="0" anchor="ctr"/>
+              <a:lstStyle/>
+              <a:p>
+                <a:pPr algn="ctr"/>
+                <a:endParaRPr lang="en-US" dirty="0"/>
+              </a:p>
+            </p:txBody>
+          </p:sp>
+          <p:sp>
+            <p:nvSpPr>
+              <p:cNvPr id="62" name="Rectangle 61">
+                <a:extLst>
+                  <a:ext uri="{FF2B5EF4-FFF2-40B4-BE49-F238E27FC236}">
+                    <a16:creationId xmlns:a16="http://schemas.microsoft.com/office/drawing/2014/main" id="{63386536-63AA-DB4C-9FEF-95EE30FCE1B8}"/>
+                  </a:ext>
+                </a:extLst>
+              </p:cNvPr>
+              <p:cNvSpPr/>
+              <p:nvPr/>
+            </p:nvSpPr>
+            <p:spPr>
+              <a:xfrm>
+                <a:off x="6096000" y="865631"/>
+                <a:ext cx="863600" cy="5518235"/>
+              </a:xfrm>
+              <a:prstGeom prst="rect">
+                <a:avLst/>
+              </a:prstGeom>
+              <a:solidFill>
+                <a:schemeClr val="bg2">
+                  <a:lumMod val="75000"/>
+                  <a:alpha val="31000"/>
+                </a:schemeClr>
+              </a:solidFill>
+              <a:ln>
+                <a:noFill/>
+              </a:ln>
+            </p:spPr>
+            <p:style>
+              <a:lnRef idx="2">
+                <a:schemeClr val="accent1">
+                  <a:shade val="50000"/>
+                </a:schemeClr>
+              </a:lnRef>
+              <a:fillRef idx="1">
+                <a:schemeClr val="accent1"/>
+              </a:fillRef>
+              <a:effectRef idx="0">
+                <a:schemeClr val="accent1"/>
+              </a:effectRef>
+              <a:fontRef idx="minor">
+                <a:schemeClr val="lt1"/>
+              </a:fontRef>
+            </p:style>
+            <p:txBody>
+              <a:bodyPr rtlCol="0" anchor="ctr"/>
+              <a:lstStyle/>
+              <a:p>
+                <a:pPr algn="ctr"/>
+                <a:endParaRPr lang="en-US" dirty="0"/>
+              </a:p>
+            </p:txBody>
+          </p:sp>
+          <p:sp>
+            <p:nvSpPr>
+              <p:cNvPr id="63" name="Rectangle 62">
+                <a:extLst>
+                  <a:ext uri="{FF2B5EF4-FFF2-40B4-BE49-F238E27FC236}">
+                    <a16:creationId xmlns:a16="http://schemas.microsoft.com/office/drawing/2014/main" id="{757416AE-095F-6641-BCB3-02591D59872F}"/>
+                  </a:ext>
+                </a:extLst>
+              </p:cNvPr>
+              <p:cNvSpPr/>
+              <p:nvPr/>
+            </p:nvSpPr>
+            <p:spPr>
+              <a:xfrm>
+                <a:off x="7886192" y="865631"/>
+                <a:ext cx="863600" cy="5518235"/>
+              </a:xfrm>
+              <a:prstGeom prst="rect">
+                <a:avLst/>
+              </a:prstGeom>
+              <a:solidFill>
+                <a:schemeClr val="bg2">
+                  <a:lumMod val="75000"/>
+                  <a:alpha val="31000"/>
+                </a:schemeClr>
+              </a:solidFill>
+              <a:ln>
+                <a:noFill/>
+              </a:ln>
+            </p:spPr>
+            <p:style>
+              <a:lnRef idx="2">
+                <a:schemeClr val="accent1">
+                  <a:shade val="50000"/>
+                </a:schemeClr>
+              </a:lnRef>
+              <a:fillRef idx="1">
+                <a:schemeClr val="accent1"/>
+              </a:fillRef>
+              <a:effectRef idx="0">
+                <a:schemeClr val="accent1"/>
+              </a:effectRef>
+              <a:fontRef idx="minor">
+                <a:schemeClr val="lt1"/>
+              </a:fontRef>
+            </p:style>
+            <p:txBody>
+              <a:bodyPr rtlCol="0" anchor="ctr"/>
+              <a:lstStyle/>
+              <a:p>
+                <a:pPr algn="ctr"/>
+                <a:endParaRPr lang="en-US" dirty="0"/>
+              </a:p>
+            </p:txBody>
+          </p:sp>
+          <p:sp>
+            <p:nvSpPr>
+              <p:cNvPr id="64" name="Rectangle 63">
+                <a:extLst>
+                  <a:ext uri="{FF2B5EF4-FFF2-40B4-BE49-F238E27FC236}">
+                    <a16:creationId xmlns:a16="http://schemas.microsoft.com/office/drawing/2014/main" id="{62121897-DE41-BB41-AA3A-C01C80A90B66}"/>
+                  </a:ext>
+                </a:extLst>
+              </p:cNvPr>
+              <p:cNvSpPr/>
+              <p:nvPr/>
+            </p:nvSpPr>
+            <p:spPr>
+              <a:xfrm>
+                <a:off x="9676384" y="865631"/>
+                <a:ext cx="863600" cy="5518235"/>
+              </a:xfrm>
+              <a:prstGeom prst="rect">
+                <a:avLst/>
+              </a:prstGeom>
+              <a:solidFill>
+                <a:schemeClr val="bg2">
+                  <a:lumMod val="75000"/>
+                  <a:alpha val="31000"/>
+                </a:schemeClr>
+              </a:solidFill>
+              <a:ln>
+                <a:noFill/>
+              </a:ln>
+            </p:spPr>
+            <p:style>
+              <a:lnRef idx="2">
+                <a:schemeClr val="accent1">
+                  <a:shade val="50000"/>
+                </a:schemeClr>
+              </a:lnRef>
+              <a:fillRef idx="1">
+                <a:schemeClr val="accent1"/>
+              </a:fillRef>
+              <a:effectRef idx="0">
+                <a:schemeClr val="accent1"/>
+              </a:effectRef>
+              <a:fontRef idx="minor">
+                <a:schemeClr val="lt1"/>
+              </a:fontRef>
+            </p:style>
+            <p:txBody>
+              <a:bodyPr rtlCol="0" anchor="ctr"/>
+              <a:lstStyle/>
+              <a:p>
+                <a:pPr algn="ctr"/>
+                <a:endParaRPr lang="en-US" dirty="0"/>
+              </a:p>
+            </p:txBody>
+          </p:sp>
+        </p:grpSp>
+        <p:sp>
+          <p:nvSpPr>
+            <p:cNvPr id="58" name="TextBox 1">
+              <a:extLst>
+                <a:ext uri="{FF2B5EF4-FFF2-40B4-BE49-F238E27FC236}">
+                  <a16:creationId xmlns:a16="http://schemas.microsoft.com/office/drawing/2014/main" id="{347AD01F-BB0F-734F-B266-2F9935F1C47C}"/>
+                </a:ext>
+              </a:extLst>
+            </p:cNvPr>
+            <p:cNvSpPr txBox="1"/>
+            <p:nvPr/>
+          </p:nvSpPr>
+          <p:spPr>
+            <a:xfrm>
+              <a:off x="606970" y="3059324"/>
+              <a:ext cx="5290045" cy="201445"/>
+            </a:xfrm>
+            <a:prstGeom prst="rect">
+              <a:avLst/>
+            </a:prstGeom>
+          </p:spPr>
+          <p:txBody>
+            <a:bodyPr wrap="square" rtlCol="0"/>
+            <a:lstStyle>
+              <a:lvl1pPr marL="0" indent="0">
+                <a:defRPr sz="1100">
+                  <a:latin typeface="+mn-lt"/>
+                  <a:ea typeface="+mn-ea"/>
+                  <a:cs typeface="+mn-cs"/>
+                </a:defRPr>
+              </a:lvl1pPr>
+              <a:lvl2pPr marL="457200" indent="0">
+                <a:defRPr sz="1100">
+                  <a:latin typeface="+mn-lt"/>
+                  <a:ea typeface="+mn-ea"/>
+                  <a:cs typeface="+mn-cs"/>
+                </a:defRPr>
+              </a:lvl2pPr>
+              <a:lvl3pPr marL="914400" indent="0">
+                <a:defRPr sz="1100">
+                  <a:latin typeface="+mn-lt"/>
+                  <a:ea typeface="+mn-ea"/>
+                  <a:cs typeface="+mn-cs"/>
+                </a:defRPr>
+              </a:lvl3pPr>
+              <a:lvl4pPr marL="1371600" indent="0">
+                <a:defRPr sz="1100">
+                  <a:latin typeface="+mn-lt"/>
+                  <a:ea typeface="+mn-ea"/>
+                  <a:cs typeface="+mn-cs"/>
+                </a:defRPr>
+              </a:lvl4pPr>
+              <a:lvl5pPr marL="1828800" indent="0">
+                <a:defRPr sz="1100">
+                  <a:latin typeface="+mn-lt"/>
+                  <a:ea typeface="+mn-ea"/>
+                  <a:cs typeface="+mn-cs"/>
+                </a:defRPr>
+              </a:lvl5pPr>
+              <a:lvl6pPr marL="2286000" indent="0">
+                <a:defRPr sz="1100">
+                  <a:latin typeface="+mn-lt"/>
+                  <a:ea typeface="+mn-ea"/>
+                  <a:cs typeface="+mn-cs"/>
+                </a:defRPr>
+              </a:lvl6pPr>
+              <a:lvl7pPr marL="2743200" indent="0">
+                <a:defRPr sz="1100">
+                  <a:latin typeface="+mn-lt"/>
+                  <a:ea typeface="+mn-ea"/>
+                  <a:cs typeface="+mn-cs"/>
+                </a:defRPr>
+              </a:lvl7pPr>
+              <a:lvl8pPr marL="3200400" indent="0">
+                <a:defRPr sz="1100">
+                  <a:latin typeface="+mn-lt"/>
+                  <a:ea typeface="+mn-ea"/>
+                  <a:cs typeface="+mn-cs"/>
+                </a:defRPr>
+              </a:lvl8pPr>
+              <a:lvl9pPr marL="3657600" indent="0">
+                <a:defRPr sz="1100">
+                  <a:latin typeface="+mn-lt"/>
+                  <a:ea typeface="+mn-ea"/>
+                  <a:cs typeface="+mn-cs"/>
+                </a:defRPr>
+              </a:lvl9pPr>
+            </a:lstStyle>
+            <a:p>
+              <a:r>
+                <a:rPr lang="en-US" sz="1000" dirty="0"/>
+                <a:t>Jan           Feb      Mar         Apr        May         Jun         Jul          Aug        Sep         Oct        Nov         Dec</a:t>
+              </a:r>
+            </a:p>
+          </p:txBody>
+        </p:sp>
+      </p:grpSp>
+      <p:graphicFrame>
+        <p:nvGraphicFramePr>
+          <p:cNvPr id="55" name="Chart 54">
+            <a:extLst>
+              <a:ext uri="{FF2B5EF4-FFF2-40B4-BE49-F238E27FC236}">
+                <a16:creationId xmlns:a16="http://schemas.microsoft.com/office/drawing/2014/main" id="{04A57A76-3301-B642-975B-A4A5D4C1213B}"/>
+              </a:ext>
+            </a:extLst>
+          </p:cNvPr>
+          <p:cNvGraphicFramePr>
+            <a:graphicFrameLocks/>
+          </p:cNvGraphicFramePr>
+          <p:nvPr>
+            <p:extLst>
+              <p:ext uri="{D42A27DB-BD31-4B8C-83A1-F6EECF244321}">
+                <p14:modId xmlns:p14="http://schemas.microsoft.com/office/powerpoint/2010/main" val="3610683853"/>
+              </p:ext>
+            </p:extLst>
+          </p:nvPr>
+        </p:nvGraphicFramePr>
+        <p:xfrm>
+          <a:off x="5865965" y="3431588"/>
+          <a:ext cx="5875200" cy="3326400"/>
+        </p:xfrm>
+        <a:graphic>
+          <a:graphicData uri="http://schemas.openxmlformats.org/drawingml/2006/chart">
+            <c:chart xmlns:c="http://schemas.openxmlformats.org/drawingml/2006/chart" xmlns:r="http://schemas.openxmlformats.org/officeDocument/2006/relationships" r:id="rId5"/>
+          </a:graphicData>
+        </a:graphic>
+      </p:graphicFrame>
+    </p:spTree>
+    <p:extLst>
+      <p:ext uri="{BB962C8B-B14F-4D97-AF65-F5344CB8AC3E}">
+        <p14:creationId xmlns:p14="http://schemas.microsoft.com/office/powerpoint/2010/main" val="127637184"/>
+      </p:ext>
+    </p:extLst>
+  </p:cSld>
+  <p:clrMapOvr>
+    <a:masterClrMapping/>
+  </p:clrMapOvr>
+</p:sld>
+</file>
+
 <file path=ppt/theme/theme1.xml><?xml version="1.0" encoding="utf-8"?>
 <a:theme xmlns:a="http://schemas.openxmlformats.org/drawingml/2006/main" name="Office Theme">
   <a:themeElements>
